--- a/Documents/20191003_WongBeck_SWDGrant Slides.pptx
+++ b/Documents/20191003_WongBeck_SWDGrant Slides.pptx
@@ -6,9 +6,9 @@
   </p:sldMasterIdLst>
   <p:sldIdLst>
     <p:sldId id="257" r:id="rId2"/>
-    <p:sldId id="269" r:id="rId3"/>
-    <p:sldId id="268" r:id="rId4"/>
-    <p:sldId id="275" r:id="rId5"/>
+    <p:sldId id="275" r:id="rId3"/>
+    <p:sldId id="280" r:id="rId4"/>
+    <p:sldId id="281" r:id="rId5"/>
   </p:sldIdLst>
   <p:sldSz cx="12192000" cy="6858000"/>
   <p:notesSz cx="6858000" cy="9144000"/>
@@ -107,6 +107,11 @@
       </a:defRPr>
     </a:lvl9pPr>
   </p:defaultTextStyle>
+  <p:extLst>
+    <p:ext uri="{EFAFB233-063F-42B5-8137-9DF3F51BA10A}">
+      <p15:sldGuideLst xmlns:p15="http://schemas.microsoft.com/office/powerpoint/2012/main"/>
+    </p:ext>
+  </p:extLst>
 </p:presentation>
 </file>
 
@@ -257,7 +262,7 @@
           <a:p>
             <a:fld id="{6688AF81-8CE9-4107-AF77-0CF5A5DDB9E0}" type="datetimeFigureOut">
               <a:rPr lang="en-US" smtClean="0"/>
-              <a:t>10/3/2019</a:t>
+              <a:t>10/7/2019</a:t>
             </a:fld>
             <a:endParaRPr lang="en-US"/>
           </a:p>
@@ -455,7 +460,7 @@
           <a:p>
             <a:fld id="{6688AF81-8CE9-4107-AF77-0CF5A5DDB9E0}" type="datetimeFigureOut">
               <a:rPr lang="en-US" smtClean="0"/>
-              <a:t>10/3/2019</a:t>
+              <a:t>10/7/2019</a:t>
             </a:fld>
             <a:endParaRPr lang="en-US"/>
           </a:p>
@@ -663,7 +668,7 @@
           <a:p>
             <a:fld id="{6688AF81-8CE9-4107-AF77-0CF5A5DDB9E0}" type="datetimeFigureOut">
               <a:rPr lang="en-US" smtClean="0"/>
-              <a:t>10/3/2019</a:t>
+              <a:t>10/7/2019</a:t>
             </a:fld>
             <a:endParaRPr lang="en-US"/>
           </a:p>
@@ -861,7 +866,7 @@
           <a:p>
             <a:fld id="{6688AF81-8CE9-4107-AF77-0CF5A5DDB9E0}" type="datetimeFigureOut">
               <a:rPr lang="en-US" smtClean="0"/>
-              <a:t>10/3/2019</a:t>
+              <a:t>10/7/2019</a:t>
             </a:fld>
             <a:endParaRPr lang="en-US"/>
           </a:p>
@@ -1136,7 +1141,7 @@
           <a:p>
             <a:fld id="{6688AF81-8CE9-4107-AF77-0CF5A5DDB9E0}" type="datetimeFigureOut">
               <a:rPr lang="en-US" smtClean="0"/>
-              <a:t>10/3/2019</a:t>
+              <a:t>10/7/2019</a:t>
             </a:fld>
             <a:endParaRPr lang="en-US"/>
           </a:p>
@@ -1401,7 +1406,7 @@
           <a:p>
             <a:fld id="{6688AF81-8CE9-4107-AF77-0CF5A5DDB9E0}" type="datetimeFigureOut">
               <a:rPr lang="en-US" smtClean="0"/>
-              <a:t>10/3/2019</a:t>
+              <a:t>10/7/2019</a:t>
             </a:fld>
             <a:endParaRPr lang="en-US"/>
           </a:p>
@@ -1813,7 +1818,7 @@
           <a:p>
             <a:fld id="{6688AF81-8CE9-4107-AF77-0CF5A5DDB9E0}" type="datetimeFigureOut">
               <a:rPr lang="en-US" smtClean="0"/>
-              <a:t>10/3/2019</a:t>
+              <a:t>10/7/2019</a:t>
             </a:fld>
             <a:endParaRPr lang="en-US"/>
           </a:p>
@@ -1954,7 +1959,7 @@
           <a:p>
             <a:fld id="{6688AF81-8CE9-4107-AF77-0CF5A5DDB9E0}" type="datetimeFigureOut">
               <a:rPr lang="en-US" smtClean="0"/>
-              <a:t>10/3/2019</a:t>
+              <a:t>10/7/2019</a:t>
             </a:fld>
             <a:endParaRPr lang="en-US"/>
           </a:p>
@@ -2067,7 +2072,7 @@
           <a:p>
             <a:fld id="{6688AF81-8CE9-4107-AF77-0CF5A5DDB9E0}" type="datetimeFigureOut">
               <a:rPr lang="en-US" smtClean="0"/>
-              <a:t>10/3/2019</a:t>
+              <a:t>10/7/2019</a:t>
             </a:fld>
             <a:endParaRPr lang="en-US"/>
           </a:p>
@@ -2378,7 +2383,7 @@
           <a:p>
             <a:fld id="{6688AF81-8CE9-4107-AF77-0CF5A5DDB9E0}" type="datetimeFigureOut">
               <a:rPr lang="en-US" smtClean="0"/>
-              <a:t>10/3/2019</a:t>
+              <a:t>10/7/2019</a:t>
             </a:fld>
             <a:endParaRPr lang="en-US"/>
           </a:p>
@@ -2666,7 +2671,7 @@
           <a:p>
             <a:fld id="{6688AF81-8CE9-4107-AF77-0CF5A5DDB9E0}" type="datetimeFigureOut">
               <a:rPr lang="en-US" smtClean="0"/>
-              <a:t>10/3/2019</a:t>
+              <a:t>10/7/2019</a:t>
             </a:fld>
             <a:endParaRPr lang="en-US"/>
           </a:p>
@@ -2907,7 +2912,7 @@
           <a:p>
             <a:fld id="{6688AF81-8CE9-4107-AF77-0CF5A5DDB9E0}" type="datetimeFigureOut">
               <a:rPr lang="en-US" smtClean="0"/>
-              <a:t>10/3/2019</a:t>
+              <a:t>10/7/2019</a:t>
             </a:fld>
             <a:endParaRPr lang="en-US"/>
           </a:p>
@@ -3324,12 +3329,95 @@
           <a:chExt cx="0" cy="0"/>
         </a:xfrm>
       </p:grpSpPr>
+      <p:sp>
+        <p:nvSpPr>
+          <p:cNvPr id="3" name="TextBox 2">
+            <a:extLst>
+              <a:ext uri="{FF2B5EF4-FFF2-40B4-BE49-F238E27FC236}">
+                <a16:creationId xmlns:a16="http://schemas.microsoft.com/office/drawing/2014/main" id="{652D1C4A-30FE-49F0-A57B-FAC8EE7E665D}"/>
+              </a:ext>
+            </a:extLst>
+          </p:cNvPr>
+          <p:cNvSpPr txBox="1"/>
+          <p:nvPr/>
+        </p:nvSpPr>
+        <p:spPr>
+          <a:xfrm>
+            <a:off x="2874809" y="4723085"/>
+            <a:ext cx="6666667" cy="1384995"/>
+          </a:xfrm>
+          <a:prstGeom prst="rect">
+            <a:avLst/>
+          </a:prstGeom>
+          <a:noFill/>
+        </p:spPr>
+        <p:txBody>
+          <a:bodyPr wrap="square" rtlCol="0">
+            <a:spAutoFit/>
+          </a:bodyPr>
+          <a:lstStyle/>
+          <a:p>
+            <a:r>
+              <a:rPr lang="en-US" sz="1400" dirty="0"/>
+              <a:t>Multidimensional scaling (MDS) using principal coordinates analysis (</a:t>
+            </a:r>
+            <a:r>
+              <a:rPr lang="en-US" sz="1400" dirty="0" err="1"/>
+              <a:t>PCoA</a:t>
+            </a:r>
+            <a:r>
+              <a:rPr lang="en-US" sz="1400" dirty="0"/>
+              <a:t>) of a Bray-Curtis distance matrix comparing the volatile composition between </a:t>
+            </a:r>
+            <a:r>
+              <a:rPr lang="en-US" sz="1400" i="1" dirty="0" err="1"/>
+              <a:t>Frigoribacterium</a:t>
+            </a:r>
+            <a:r>
+              <a:rPr lang="en-US" sz="1400" i="1" dirty="0"/>
+              <a:t> </a:t>
+            </a:r>
+            <a:r>
+              <a:rPr lang="en-US" sz="1400" i="1" dirty="0" err="1"/>
+              <a:t>faeni</a:t>
+            </a:r>
+            <a:r>
+              <a:rPr lang="en-US" sz="1400" i="1" dirty="0"/>
+              <a:t> </a:t>
+            </a:r>
+            <a:r>
+              <a:rPr lang="en-US" sz="1400" dirty="0"/>
+              <a:t>and </a:t>
+            </a:r>
+            <a:r>
+              <a:rPr lang="en-US" sz="1400" i="1" dirty="0" err="1"/>
+              <a:t>Pantoea</a:t>
+            </a:r>
+            <a:r>
+              <a:rPr lang="en-US" sz="1400" i="1" dirty="0"/>
+              <a:t> </a:t>
+            </a:r>
+            <a:r>
+              <a:rPr lang="en-US" sz="1400" i="1" dirty="0" err="1"/>
+              <a:t>agglormerans</a:t>
+            </a:r>
+            <a:r>
+              <a:rPr lang="en-US" sz="1400" i="1" dirty="0"/>
+              <a:t>. </a:t>
+            </a:r>
+            <a:r>
+              <a:rPr lang="en-US" sz="1400" dirty="0"/>
+              <a:t>Microbes were inoculated into liquid LB broth and 10% blueberry juice and each solution contained only one microbe species. Marker shapes represent the microbes and colors represent the hour when volatiles were collected. Axis.1 explained 61.5% of the variance and Axis.2 explained 47.3% of the variance.</a:t>
+            </a:r>
+          </a:p>
+        </p:txBody>
+      </p:sp>
       <p:pic>
         <p:nvPicPr>
-          <p:cNvPr id="2" name="Picture 1">
-            <a:extLst>
-              <a:ext uri="{FF2B5EF4-FFF2-40B4-BE49-F238E27FC236}">
-                <a16:creationId xmlns:a16="http://schemas.microsoft.com/office/drawing/2014/main" id="{425423E3-0267-4625-86D1-11DBCB3766CB}"/>
+          <p:cNvPr id="4" name="Picture 3">
+            <a:extLst>
+              <a:ext uri="{FF2B5EF4-FFF2-40B4-BE49-F238E27FC236}">
+                <a16:creationId xmlns:a16="http://schemas.microsoft.com/office/drawing/2014/main" id="{1ABD8DB8-A3B5-4BCF-AA04-7AAFC37DD223}"/>
               </a:ext>
             </a:extLst>
           </p:cNvPr>
@@ -3346,8 +3434,8 @@
         </p:blipFill>
         <p:spPr>
           <a:xfrm>
-            <a:off x="1853826" y="412955"/>
-            <a:ext cx="8484348" cy="6032090"/>
+            <a:off x="2874809" y="606175"/>
+            <a:ext cx="6670919" cy="4116910"/>
           </a:xfrm>
           <a:prstGeom prst="rect">
             <a:avLst/>
@@ -3389,6 +3477,525 @@
           <p:cNvPr id="2" name="Title 1">
             <a:extLst>
               <a:ext uri="{FF2B5EF4-FFF2-40B4-BE49-F238E27FC236}">
+                <a16:creationId xmlns:a16="http://schemas.microsoft.com/office/drawing/2014/main" id="{BD671348-EEE4-42F5-9BB1-4D4374795508}"/>
+              </a:ext>
+            </a:extLst>
+          </p:cNvPr>
+          <p:cNvSpPr>
+            <a:spLocks noGrp="1"/>
+          </p:cNvSpPr>
+          <p:nvPr>
+            <p:ph type="title"/>
+          </p:nvPr>
+        </p:nvSpPr>
+        <p:spPr>
+          <a:xfrm>
+            <a:off x="839788" y="322597"/>
+            <a:ext cx="3932237" cy="664828"/>
+          </a:xfrm>
+        </p:spPr>
+        <p:txBody>
+          <a:bodyPr/>
+          <a:lstStyle/>
+          <a:p>
+            <a:r>
+              <a:rPr lang="en-US" i="1" dirty="0"/>
+              <a:t>F. </a:t>
+            </a:r>
+            <a:r>
+              <a:rPr lang="en-US" i="1" dirty="0" err="1"/>
+              <a:t>faeni</a:t>
+            </a:r>
+            <a:r>
+              <a:rPr lang="en-US" i="1" dirty="0"/>
+              <a:t> target </a:t>
+            </a:r>
+            <a:r>
+              <a:rPr lang="en-US" dirty="0"/>
+              <a:t>VOCs</a:t>
+            </a:r>
+          </a:p>
+        </p:txBody>
+      </p:sp>
+      <p:sp>
+        <p:nvSpPr>
+          <p:cNvPr id="4" name="Text Placeholder 3">
+            <a:extLst>
+              <a:ext uri="{FF2B5EF4-FFF2-40B4-BE49-F238E27FC236}">
+                <a16:creationId xmlns:a16="http://schemas.microsoft.com/office/drawing/2014/main" id="{F37E5DD9-9A4A-4EA9-89E6-779CEA3B20C6}"/>
+              </a:ext>
+            </a:extLst>
+          </p:cNvPr>
+          <p:cNvSpPr>
+            <a:spLocks noGrp="1"/>
+          </p:cNvSpPr>
+          <p:nvPr>
+            <p:ph type="body" sz="half" idx="2"/>
+          </p:nvPr>
+        </p:nvSpPr>
+        <p:spPr>
+          <a:xfrm>
+            <a:off x="839788" y="1233182"/>
+            <a:ext cx="3932237" cy="4635806"/>
+          </a:xfrm>
+        </p:spPr>
+        <p:txBody>
+          <a:bodyPr>
+            <a:normAutofit/>
+          </a:bodyPr>
+          <a:lstStyle/>
+          <a:p>
+            <a:r>
+              <a:rPr lang="en-US" dirty="0"/>
+              <a:t>Carbonic acid, dimethyl ester</a:t>
+            </a:r>
+          </a:p>
+          <a:p>
+            <a:r>
+              <a:rPr lang="en-US" dirty="0"/>
+              <a:t>2-Nonanone</a:t>
+            </a:r>
+          </a:p>
+          <a:p>
+            <a:r>
+              <a:rPr lang="en-US" dirty="0"/>
+              <a:t>Benzene, 1,3-bis(1,1-dimethylethyl)-</a:t>
+            </a:r>
+          </a:p>
+          <a:p>
+            <a:r>
+              <a:rPr lang="en-US" dirty="0"/>
+              <a:t>Pyrazine, 3-ethyl-2,5-dimethyl-</a:t>
+            </a:r>
+          </a:p>
+          <a:p>
+            <a:r>
+              <a:rPr lang="en-US" dirty="0" err="1"/>
+              <a:t>Bicyclo</a:t>
+            </a:r>
+            <a:r>
+              <a:rPr lang="en-US" dirty="0"/>
+              <a:t>[2.2.1]heptan-2-ol, 1,7,7-trimethyl-, (1S-endo)-</a:t>
+            </a:r>
+          </a:p>
+          <a:p>
+            <a:r>
+              <a:rPr lang="en-US" dirty="0"/>
+              <a:t>1-Propanol, 3-(</a:t>
+            </a:r>
+            <a:r>
+              <a:rPr lang="en-US" dirty="0" err="1"/>
+              <a:t>methylthio</a:t>
+            </a:r>
+            <a:r>
+              <a:rPr lang="en-US" dirty="0"/>
+              <a:t>)-</a:t>
+            </a:r>
+          </a:p>
+          <a:p>
+            <a:r>
+              <a:rPr lang="en-US" dirty="0"/>
+              <a:t>(-)-Myrtenol</a:t>
+            </a:r>
+          </a:p>
+          <a:p>
+            <a:r>
+              <a:rPr lang="en-US" dirty="0"/>
+              <a:t>3-Cyclohexene-1-ethanol, .beta.,4-dimethyl-</a:t>
+            </a:r>
+          </a:p>
+          <a:p>
+            <a:r>
+              <a:rPr lang="en-US" dirty="0"/>
+              <a:t>p-Mentha-1(7),8(10)-dien-9-ol</a:t>
+            </a:r>
+          </a:p>
+          <a:p>
+            <a:r>
+              <a:rPr lang="en-US" dirty="0"/>
+              <a:t>Eugenol</a:t>
+            </a:r>
+          </a:p>
+        </p:txBody>
+      </p:sp>
+      <p:sp>
+        <p:nvSpPr>
+          <p:cNvPr id="7" name="Title 1">
+            <a:extLst>
+              <a:ext uri="{FF2B5EF4-FFF2-40B4-BE49-F238E27FC236}">
+                <a16:creationId xmlns:a16="http://schemas.microsoft.com/office/drawing/2014/main" id="{05C27BB4-FBE6-48DF-AB81-A5A5415E5E5E}"/>
+              </a:ext>
+            </a:extLst>
+          </p:cNvPr>
+          <p:cNvSpPr txBox="1">
+            <a:spLocks/>
+          </p:cNvSpPr>
+          <p:nvPr/>
+        </p:nvSpPr>
+        <p:spPr>
+          <a:xfrm>
+            <a:off x="6184972" y="322597"/>
+            <a:ext cx="4921392" cy="664828"/>
+          </a:xfrm>
+          <a:prstGeom prst="rect">
+            <a:avLst/>
+          </a:prstGeom>
+        </p:spPr>
+        <p:txBody>
+          <a:bodyPr vert="horz" lIns="91440" tIns="45720" rIns="91440" bIns="45720" rtlCol="0" anchor="b">
+            <a:normAutofit/>
+          </a:bodyPr>
+          <a:lstStyle>
+            <a:lvl1pPr algn="l" defTabSz="914400" rtl="0" eaLnBrk="1" latinLnBrk="0" hangingPunct="1">
+              <a:lnSpc>
+                <a:spcPct val="90000"/>
+              </a:lnSpc>
+              <a:spcBef>
+                <a:spcPct val="0"/>
+              </a:spcBef>
+              <a:buNone/>
+              <a:defRPr sz="3200" kern="1200">
+                <a:solidFill>
+                  <a:schemeClr val="tx1"/>
+                </a:solidFill>
+                <a:latin typeface="+mj-lt"/>
+                <a:ea typeface="+mj-ea"/>
+                <a:cs typeface="+mj-cs"/>
+              </a:defRPr>
+            </a:lvl1pPr>
+          </a:lstStyle>
+          <a:p>
+            <a:r>
+              <a:rPr lang="en-US" i="1" dirty="0"/>
+              <a:t>P. </a:t>
+            </a:r>
+            <a:r>
+              <a:rPr lang="en-US" i="1" dirty="0" err="1"/>
+              <a:t>agglomerans</a:t>
+            </a:r>
+            <a:r>
+              <a:rPr lang="en-US" i="1" dirty="0"/>
+              <a:t> target </a:t>
+            </a:r>
+            <a:r>
+              <a:rPr lang="en-US" dirty="0"/>
+              <a:t>VOCs</a:t>
+            </a:r>
+          </a:p>
+        </p:txBody>
+      </p:sp>
+      <p:sp>
+        <p:nvSpPr>
+          <p:cNvPr id="8" name="Text Placeholder 3">
+            <a:extLst>
+              <a:ext uri="{FF2B5EF4-FFF2-40B4-BE49-F238E27FC236}">
+                <a16:creationId xmlns:a16="http://schemas.microsoft.com/office/drawing/2014/main" id="{E91B2E4C-8EBE-4907-8A30-2EB98F2EB958}"/>
+              </a:ext>
+            </a:extLst>
+          </p:cNvPr>
+          <p:cNvSpPr txBox="1">
+            <a:spLocks/>
+          </p:cNvSpPr>
+          <p:nvPr/>
+        </p:nvSpPr>
+        <p:spPr>
+          <a:xfrm>
+            <a:off x="6184974" y="1233182"/>
+            <a:ext cx="3822056" cy="4635806"/>
+          </a:xfrm>
+          <a:prstGeom prst="rect">
+            <a:avLst/>
+          </a:prstGeom>
+        </p:spPr>
+        <p:txBody>
+          <a:bodyPr vert="horz" lIns="91440" tIns="45720" rIns="91440" bIns="45720" rtlCol="0">
+            <a:noAutofit/>
+          </a:bodyPr>
+          <a:lstStyle>
+            <a:lvl1pPr marL="0" indent="0" algn="l" defTabSz="914400" rtl="0" eaLnBrk="1" latinLnBrk="0" hangingPunct="1">
+              <a:lnSpc>
+                <a:spcPct val="90000"/>
+              </a:lnSpc>
+              <a:spcBef>
+                <a:spcPts val="1000"/>
+              </a:spcBef>
+              <a:buFont typeface="Arial" panose="020B0604020202020204" pitchFamily="34" charset="0"/>
+              <a:buNone/>
+              <a:defRPr sz="1600" kern="1200">
+                <a:solidFill>
+                  <a:schemeClr val="tx1"/>
+                </a:solidFill>
+                <a:latin typeface="+mn-lt"/>
+                <a:ea typeface="+mn-ea"/>
+                <a:cs typeface="+mn-cs"/>
+              </a:defRPr>
+            </a:lvl1pPr>
+            <a:lvl2pPr marL="457200" indent="0" algn="l" defTabSz="914400" rtl="0" eaLnBrk="1" latinLnBrk="0" hangingPunct="1">
+              <a:lnSpc>
+                <a:spcPct val="90000"/>
+              </a:lnSpc>
+              <a:spcBef>
+                <a:spcPts val="500"/>
+              </a:spcBef>
+              <a:buFont typeface="Arial" panose="020B0604020202020204" pitchFamily="34" charset="0"/>
+              <a:buNone/>
+              <a:defRPr sz="1400" kern="1200">
+                <a:solidFill>
+                  <a:schemeClr val="tx1"/>
+                </a:solidFill>
+                <a:latin typeface="+mn-lt"/>
+                <a:ea typeface="+mn-ea"/>
+                <a:cs typeface="+mn-cs"/>
+              </a:defRPr>
+            </a:lvl2pPr>
+            <a:lvl3pPr marL="914400" indent="0" algn="l" defTabSz="914400" rtl="0" eaLnBrk="1" latinLnBrk="0" hangingPunct="1">
+              <a:lnSpc>
+                <a:spcPct val="90000"/>
+              </a:lnSpc>
+              <a:spcBef>
+                <a:spcPts val="500"/>
+              </a:spcBef>
+              <a:buFont typeface="Arial" panose="020B0604020202020204" pitchFamily="34" charset="0"/>
+              <a:buNone/>
+              <a:defRPr sz="1200" kern="1200">
+                <a:solidFill>
+                  <a:schemeClr val="tx1"/>
+                </a:solidFill>
+                <a:latin typeface="+mn-lt"/>
+                <a:ea typeface="+mn-ea"/>
+                <a:cs typeface="+mn-cs"/>
+              </a:defRPr>
+            </a:lvl3pPr>
+            <a:lvl4pPr marL="1371600" indent="0" algn="l" defTabSz="914400" rtl="0" eaLnBrk="1" latinLnBrk="0" hangingPunct="1">
+              <a:lnSpc>
+                <a:spcPct val="90000"/>
+              </a:lnSpc>
+              <a:spcBef>
+                <a:spcPts val="500"/>
+              </a:spcBef>
+              <a:buFont typeface="Arial" panose="020B0604020202020204" pitchFamily="34" charset="0"/>
+              <a:buNone/>
+              <a:defRPr sz="1000" kern="1200">
+                <a:solidFill>
+                  <a:schemeClr val="tx1"/>
+                </a:solidFill>
+                <a:latin typeface="+mn-lt"/>
+                <a:ea typeface="+mn-ea"/>
+                <a:cs typeface="+mn-cs"/>
+              </a:defRPr>
+            </a:lvl4pPr>
+            <a:lvl5pPr marL="1828800" indent="0" algn="l" defTabSz="914400" rtl="0" eaLnBrk="1" latinLnBrk="0" hangingPunct="1">
+              <a:lnSpc>
+                <a:spcPct val="90000"/>
+              </a:lnSpc>
+              <a:spcBef>
+                <a:spcPts val="500"/>
+              </a:spcBef>
+              <a:buFont typeface="Arial" panose="020B0604020202020204" pitchFamily="34" charset="0"/>
+              <a:buNone/>
+              <a:defRPr sz="1000" kern="1200">
+                <a:solidFill>
+                  <a:schemeClr val="tx1"/>
+                </a:solidFill>
+                <a:latin typeface="+mn-lt"/>
+                <a:ea typeface="+mn-ea"/>
+                <a:cs typeface="+mn-cs"/>
+              </a:defRPr>
+            </a:lvl5pPr>
+            <a:lvl6pPr marL="2286000" indent="0" algn="l" defTabSz="914400" rtl="0" eaLnBrk="1" latinLnBrk="0" hangingPunct="1">
+              <a:lnSpc>
+                <a:spcPct val="90000"/>
+              </a:lnSpc>
+              <a:spcBef>
+                <a:spcPts val="500"/>
+              </a:spcBef>
+              <a:buFont typeface="Arial" panose="020B0604020202020204" pitchFamily="34" charset="0"/>
+              <a:buNone/>
+              <a:defRPr sz="1000" kern="1200">
+                <a:solidFill>
+                  <a:schemeClr val="tx1"/>
+                </a:solidFill>
+                <a:latin typeface="+mn-lt"/>
+                <a:ea typeface="+mn-ea"/>
+                <a:cs typeface="+mn-cs"/>
+              </a:defRPr>
+            </a:lvl6pPr>
+            <a:lvl7pPr marL="2743200" indent="0" algn="l" defTabSz="914400" rtl="0" eaLnBrk="1" latinLnBrk="0" hangingPunct="1">
+              <a:lnSpc>
+                <a:spcPct val="90000"/>
+              </a:lnSpc>
+              <a:spcBef>
+                <a:spcPts val="500"/>
+              </a:spcBef>
+              <a:buFont typeface="Arial" panose="020B0604020202020204" pitchFamily="34" charset="0"/>
+              <a:buNone/>
+              <a:defRPr sz="1000" kern="1200">
+                <a:solidFill>
+                  <a:schemeClr val="tx1"/>
+                </a:solidFill>
+                <a:latin typeface="+mn-lt"/>
+                <a:ea typeface="+mn-ea"/>
+                <a:cs typeface="+mn-cs"/>
+              </a:defRPr>
+            </a:lvl7pPr>
+            <a:lvl8pPr marL="3200400" indent="0" algn="l" defTabSz="914400" rtl="0" eaLnBrk="1" latinLnBrk="0" hangingPunct="1">
+              <a:lnSpc>
+                <a:spcPct val="90000"/>
+              </a:lnSpc>
+              <a:spcBef>
+                <a:spcPts val="500"/>
+              </a:spcBef>
+              <a:buFont typeface="Arial" panose="020B0604020202020204" pitchFamily="34" charset="0"/>
+              <a:buNone/>
+              <a:defRPr sz="1000" kern="1200">
+                <a:solidFill>
+                  <a:schemeClr val="tx1"/>
+                </a:solidFill>
+                <a:latin typeface="+mn-lt"/>
+                <a:ea typeface="+mn-ea"/>
+                <a:cs typeface="+mn-cs"/>
+              </a:defRPr>
+            </a:lvl8pPr>
+            <a:lvl9pPr marL="3657600" indent="0" algn="l" defTabSz="914400" rtl="0" eaLnBrk="1" latinLnBrk="0" hangingPunct="1">
+              <a:lnSpc>
+                <a:spcPct val="90000"/>
+              </a:lnSpc>
+              <a:spcBef>
+                <a:spcPts val="500"/>
+              </a:spcBef>
+              <a:buFont typeface="Arial" panose="020B0604020202020204" pitchFamily="34" charset="0"/>
+              <a:buNone/>
+              <a:defRPr sz="1000" kern="1200">
+                <a:solidFill>
+                  <a:schemeClr val="tx1"/>
+                </a:solidFill>
+                <a:latin typeface="+mn-lt"/>
+                <a:ea typeface="+mn-ea"/>
+                <a:cs typeface="+mn-cs"/>
+              </a:defRPr>
+            </a:lvl9pPr>
+          </a:lstStyle>
+          <a:p>
+            <a:r>
+              <a:rPr lang="en-US" sz="1400" dirty="0"/>
+              <a:t>Disulfide, dimethyl</a:t>
+            </a:r>
+          </a:p>
+          <a:p>
+            <a:r>
+              <a:rPr lang="en-US" sz="1400" dirty="0"/>
+              <a:t>1-Butanol, 3-methyl-, acetate</a:t>
+            </a:r>
+          </a:p>
+          <a:p>
+            <a:pPr>
+              <a:lnSpc>
+                <a:spcPct val="120000"/>
+              </a:lnSpc>
+            </a:pPr>
+            <a:r>
+              <a:rPr lang="en-US" sz="1400" dirty="0"/>
+              <a:t>Heptanal</a:t>
+            </a:r>
+          </a:p>
+          <a:p>
+            <a:r>
+              <a:rPr lang="en-US" sz="1400" dirty="0"/>
+              <a:t>2-Hexenal, (E)-</a:t>
+            </a:r>
+          </a:p>
+          <a:p>
+            <a:r>
+              <a:rPr lang="en-US" sz="1400" dirty="0"/>
+              <a:t>Acetoin</a:t>
+            </a:r>
+          </a:p>
+          <a:p>
+            <a:r>
+              <a:rPr lang="en-US" sz="1400" dirty="0"/>
+              <a:t>1-Heptanol</a:t>
+            </a:r>
+          </a:p>
+          <a:p>
+            <a:r>
+              <a:rPr lang="en-US" sz="1400" dirty="0"/>
+              <a:t>Furfural</a:t>
+            </a:r>
+          </a:p>
+          <a:p>
+            <a:r>
+              <a:rPr lang="en-US" sz="1400" dirty="0"/>
+              <a:t>1-Hexanol, 2-ethyl-</a:t>
+            </a:r>
+          </a:p>
+          <a:p>
+            <a:r>
+              <a:rPr lang="en-US" sz="1400" dirty="0"/>
+              <a:t>Benzonitrile</a:t>
+            </a:r>
+          </a:p>
+          <a:p>
+            <a:r>
+              <a:rPr lang="en-US" sz="1400" dirty="0"/>
+              <a:t>2-Furanmethanol</a:t>
+            </a:r>
+          </a:p>
+          <a:p>
+            <a:r>
+              <a:rPr lang="en-US" sz="1400" dirty="0" err="1"/>
+              <a:t>Mequinol</a:t>
+            </a:r>
+            <a:endParaRPr lang="en-US" sz="1400" dirty="0"/>
+          </a:p>
+          <a:p>
+            <a:r>
+              <a:rPr lang="en-US" sz="1400" dirty="0"/>
+              <a:t>2H-Pyran-2-carboxaldehyde, 5,6-dihydro-</a:t>
+            </a:r>
+          </a:p>
+          <a:p>
+            <a:r>
+              <a:rPr lang="en-US" sz="1400" dirty="0"/>
+              <a:t>Phenol</a:t>
+            </a:r>
+          </a:p>
+        </p:txBody>
+      </p:sp>
+    </p:spTree>
+    <p:extLst>
+      <p:ext uri="{BB962C8B-B14F-4D97-AF65-F5344CB8AC3E}">
+        <p14:creationId xmlns:p14="http://schemas.microsoft.com/office/powerpoint/2010/main" val="2366434055"/>
+      </p:ext>
+    </p:extLst>
+  </p:cSld>
+  <p:clrMapOvr>
+    <a:masterClrMapping/>
+  </p:clrMapOvr>
+</p:sld>
+</file>
+
+<file path=ppt/slides/slide3.xml><?xml version="1.0" encoding="utf-8"?>
+<p:sld xmlns:a="http://schemas.openxmlformats.org/drawingml/2006/main" xmlns:r="http://schemas.openxmlformats.org/officeDocument/2006/relationships" xmlns:p="http://schemas.openxmlformats.org/presentationml/2006/main">
+  <p:cSld>
+    <p:spTree>
+      <p:nvGrpSpPr>
+        <p:cNvPr id="1" name=""/>
+        <p:cNvGrpSpPr/>
+        <p:nvPr/>
+      </p:nvGrpSpPr>
+      <p:grpSpPr>
+        <a:xfrm>
+          <a:off x="0" y="0"/>
+          <a:ext cx="0" cy="0"/>
+          <a:chOff x="0" y="0"/>
+          <a:chExt cx="0" cy="0"/>
+        </a:xfrm>
+      </p:grpSpPr>
+      <p:sp>
+        <p:nvSpPr>
+          <p:cNvPr id="2" name="Title 1">
+            <a:extLst>
+              <a:ext uri="{FF2B5EF4-FFF2-40B4-BE49-F238E27FC236}">
                 <a16:creationId xmlns:a16="http://schemas.microsoft.com/office/drawing/2014/main" id="{01AA458D-70AA-44D4-8D6F-4BEE16795CF0}"/>
               </a:ext>
             </a:extLst>
@@ -3522,7 +4129,7 @@
         </p:blipFill>
         <p:spPr>
           <a:xfrm>
-            <a:off x="7237256" y="3742473"/>
+            <a:off x="6493173" y="3530218"/>
             <a:ext cx="2668349" cy="3030421"/>
           </a:xfrm>
           <a:prstGeom prst="rect">
@@ -3688,226 +4295,1139 @@
           </p:spPr>
         </p:pic>
       </p:grpSp>
+      <p:grpSp>
+        <p:nvGrpSpPr>
+          <p:cNvPr id="11" name="Group 10">
+            <a:extLst>
+              <a:ext uri="{FF2B5EF4-FFF2-40B4-BE49-F238E27FC236}">
+                <a16:creationId xmlns:a16="http://schemas.microsoft.com/office/drawing/2014/main" id="{90549892-1DBC-4AD5-BC46-5078A91680AE}"/>
+              </a:ext>
+            </a:extLst>
+          </p:cNvPr>
+          <p:cNvGrpSpPr/>
+          <p:nvPr/>
+        </p:nvGrpSpPr>
+        <p:grpSpPr>
+          <a:xfrm>
+            <a:off x="5874625" y="771299"/>
+            <a:ext cx="2932186" cy="2137026"/>
+            <a:chOff x="1453575" y="719194"/>
+            <a:chExt cx="3697829" cy="2619908"/>
+          </a:xfrm>
+        </p:grpSpPr>
+        <p:pic>
+          <p:nvPicPr>
+            <p:cNvPr id="12" name="Picture 11">
+              <a:extLst>
+                <a:ext uri="{FF2B5EF4-FFF2-40B4-BE49-F238E27FC236}">
+                  <a16:creationId xmlns:a16="http://schemas.microsoft.com/office/drawing/2014/main" id="{E787D116-2949-4B50-AD6F-CA13A19CE9A1}"/>
+                </a:ext>
+              </a:extLst>
+            </p:cNvPr>
+            <p:cNvPicPr>
+              <a:picLocks noChangeAspect="1"/>
+            </p:cNvPicPr>
+            <p:nvPr/>
+          </p:nvPicPr>
+          <p:blipFill rotWithShape="1">
+            <a:blip r:embed="rId6">
+              <a:extLst>
+                <a:ext uri="{28A0092B-C50C-407E-A947-70E740481C1C}">
+                  <a14:useLocalDpi xmlns:a14="http://schemas.microsoft.com/office/drawing/2010/main" val="0"/>
+                </a:ext>
+              </a:extLst>
+            </a:blip>
+            <a:srcRect l="13222" t="14529" r="48575" b="13578"/>
+            <a:stretch/>
+          </p:blipFill>
+          <p:spPr>
+            <a:xfrm rot="5400000">
+              <a:off x="1992536" y="180233"/>
+              <a:ext cx="2619908" cy="3697829"/>
+            </a:xfrm>
+            <a:prstGeom prst="rect">
+              <a:avLst/>
+            </a:prstGeom>
+          </p:spPr>
+        </p:pic>
+        <p:grpSp>
+          <p:nvGrpSpPr>
+            <p:cNvPr id="14" name="Group 13">
+              <a:extLst>
+                <a:ext uri="{FF2B5EF4-FFF2-40B4-BE49-F238E27FC236}">
+                  <a16:creationId xmlns:a16="http://schemas.microsoft.com/office/drawing/2014/main" id="{B1CEAC5B-EE94-4FAB-9A93-66DF31BBEB06}"/>
+                </a:ext>
+              </a:extLst>
+            </p:cNvPr>
+            <p:cNvGrpSpPr/>
+            <p:nvPr/>
+          </p:nvGrpSpPr>
+          <p:grpSpPr>
+            <a:xfrm>
+              <a:off x="2670066" y="1522320"/>
+              <a:ext cx="1273994" cy="1017143"/>
+              <a:chOff x="6413583" y="2662996"/>
+              <a:chExt cx="2258113" cy="1656455"/>
+            </a:xfrm>
+          </p:grpSpPr>
+          <p:pic>
+            <p:nvPicPr>
+              <p:cNvPr id="15" name="Picture 14">
+                <a:extLst>
+                  <a:ext uri="{FF2B5EF4-FFF2-40B4-BE49-F238E27FC236}">
+                    <a16:creationId xmlns:a16="http://schemas.microsoft.com/office/drawing/2014/main" id="{A1F3AF1E-E6C7-48BF-9232-1276D3BBA6AE}"/>
+                  </a:ext>
+                </a:extLst>
+              </p:cNvPr>
+              <p:cNvPicPr>
+                <a:picLocks noChangeAspect="1"/>
+              </p:cNvPicPr>
+              <p:nvPr/>
+            </p:nvPicPr>
+            <p:blipFill rotWithShape="1">
+              <a:blip r:embed="rId7">
+                <a:extLst>
+                  <a:ext uri="{28A0092B-C50C-407E-A947-70E740481C1C}">
+                    <a14:useLocalDpi xmlns:a14="http://schemas.microsoft.com/office/drawing/2010/main" val="0"/>
+                  </a:ext>
+                </a:extLst>
+              </a:blip>
+              <a:srcRect l="15662" t="33891" r="45850" b="37426"/>
+              <a:stretch/>
+            </p:blipFill>
+            <p:spPr>
+              <a:xfrm>
+                <a:off x="7089169" y="3278987"/>
+                <a:ext cx="352070" cy="150012"/>
+              </a:xfrm>
+              <a:prstGeom prst="rect">
+                <a:avLst/>
+              </a:prstGeom>
+            </p:spPr>
+          </p:pic>
+          <p:pic>
+            <p:nvPicPr>
+              <p:cNvPr id="16" name="Picture 15">
+                <a:extLst>
+                  <a:ext uri="{FF2B5EF4-FFF2-40B4-BE49-F238E27FC236}">
+                    <a16:creationId xmlns:a16="http://schemas.microsoft.com/office/drawing/2014/main" id="{ECED0B0B-290E-4107-B6E6-83A8399804EC}"/>
+                  </a:ext>
+                </a:extLst>
+              </p:cNvPr>
+              <p:cNvPicPr>
+                <a:picLocks noChangeAspect="1"/>
+              </p:cNvPicPr>
+              <p:nvPr/>
+            </p:nvPicPr>
+            <p:blipFill rotWithShape="1">
+              <a:blip r:embed="rId7">
+                <a:extLst>
+                  <a:ext uri="{28A0092B-C50C-407E-A947-70E740481C1C}">
+                    <a14:useLocalDpi xmlns:a14="http://schemas.microsoft.com/office/drawing/2010/main" val="0"/>
+                  </a:ext>
+                </a:extLst>
+              </a:blip>
+              <a:srcRect l="15662" t="33891" r="45850" b="37426"/>
+              <a:stretch/>
+            </p:blipFill>
+            <p:spPr>
+              <a:xfrm>
+                <a:off x="6881974" y="3508781"/>
+                <a:ext cx="352070" cy="150012"/>
+              </a:xfrm>
+              <a:prstGeom prst="rect">
+                <a:avLst/>
+              </a:prstGeom>
+            </p:spPr>
+          </p:pic>
+          <p:pic>
+            <p:nvPicPr>
+              <p:cNvPr id="17" name="Picture 16">
+                <a:extLst>
+                  <a:ext uri="{FF2B5EF4-FFF2-40B4-BE49-F238E27FC236}">
+                    <a16:creationId xmlns:a16="http://schemas.microsoft.com/office/drawing/2014/main" id="{3284C21F-A2C2-425D-825A-169C8D01F842}"/>
+                  </a:ext>
+                </a:extLst>
+              </p:cNvPr>
+              <p:cNvPicPr>
+                <a:picLocks noChangeAspect="1"/>
+              </p:cNvPicPr>
+              <p:nvPr/>
+            </p:nvPicPr>
+            <p:blipFill rotWithShape="1">
+              <a:blip r:embed="rId7">
+                <a:extLst>
+                  <a:ext uri="{28A0092B-C50C-407E-A947-70E740481C1C}">
+                    <a14:useLocalDpi xmlns:a14="http://schemas.microsoft.com/office/drawing/2010/main" val="0"/>
+                  </a:ext>
+                </a:extLst>
+              </a:blip>
+              <a:srcRect l="15662" t="33891" r="45850" b="37426"/>
+              <a:stretch/>
+            </p:blipFill>
+            <p:spPr>
+              <a:xfrm>
+                <a:off x="6973600" y="3049193"/>
+                <a:ext cx="352070" cy="150012"/>
+              </a:xfrm>
+              <a:prstGeom prst="rect">
+                <a:avLst/>
+              </a:prstGeom>
+            </p:spPr>
+          </p:pic>
+          <p:pic>
+            <p:nvPicPr>
+              <p:cNvPr id="18" name="Picture 17">
+                <a:extLst>
+                  <a:ext uri="{FF2B5EF4-FFF2-40B4-BE49-F238E27FC236}">
+                    <a16:creationId xmlns:a16="http://schemas.microsoft.com/office/drawing/2014/main" id="{37CE2ADD-6035-4552-A617-80FA5AEE37C3}"/>
+                  </a:ext>
+                </a:extLst>
+              </p:cNvPr>
+              <p:cNvPicPr>
+                <a:picLocks noChangeAspect="1"/>
+              </p:cNvPicPr>
+              <p:nvPr/>
+            </p:nvPicPr>
+            <p:blipFill rotWithShape="1">
+              <a:blip r:embed="rId7">
+                <a:extLst>
+                  <a:ext uri="{28A0092B-C50C-407E-A947-70E740481C1C}">
+                    <a14:useLocalDpi xmlns:a14="http://schemas.microsoft.com/office/drawing/2010/main" val="0"/>
+                  </a:ext>
+                </a:extLst>
+              </a:blip>
+              <a:srcRect l="15662" t="33891" r="45850" b="37426"/>
+              <a:stretch/>
+            </p:blipFill>
+            <p:spPr>
+              <a:xfrm>
+                <a:off x="7240893" y="3508781"/>
+                <a:ext cx="352070" cy="150012"/>
+              </a:xfrm>
+              <a:prstGeom prst="rect">
+                <a:avLst/>
+              </a:prstGeom>
+            </p:spPr>
+          </p:pic>
+          <p:pic>
+            <p:nvPicPr>
+              <p:cNvPr id="19" name="Picture 18">
+                <a:extLst>
+                  <a:ext uri="{FF2B5EF4-FFF2-40B4-BE49-F238E27FC236}">
+                    <a16:creationId xmlns:a16="http://schemas.microsoft.com/office/drawing/2014/main" id="{B45D328E-1D1F-42F0-B4FD-1506A4B2F1AF}"/>
+                  </a:ext>
+                </a:extLst>
+              </p:cNvPr>
+              <p:cNvPicPr>
+                <a:picLocks noChangeAspect="1"/>
+              </p:cNvPicPr>
+              <p:nvPr/>
+            </p:nvPicPr>
+            <p:blipFill rotWithShape="1">
+              <a:blip r:embed="rId7">
+                <a:extLst>
+                  <a:ext uri="{28A0092B-C50C-407E-A947-70E740481C1C}">
+                    <a14:useLocalDpi xmlns:a14="http://schemas.microsoft.com/office/drawing/2010/main" val="0"/>
+                  </a:ext>
+                </a:extLst>
+              </a:blip>
+              <a:srcRect l="15662" t="33891" r="45850" b="37426"/>
+              <a:stretch/>
+            </p:blipFill>
+            <p:spPr>
+              <a:xfrm>
+                <a:off x="6666375" y="3278987"/>
+                <a:ext cx="352070" cy="150012"/>
+              </a:xfrm>
+              <a:prstGeom prst="rect">
+                <a:avLst/>
+              </a:prstGeom>
+            </p:spPr>
+          </p:pic>
+          <p:pic>
+            <p:nvPicPr>
+              <p:cNvPr id="20" name="Picture 19">
+                <a:extLst>
+                  <a:ext uri="{FF2B5EF4-FFF2-40B4-BE49-F238E27FC236}">
+                    <a16:creationId xmlns:a16="http://schemas.microsoft.com/office/drawing/2014/main" id="{B5996895-C28C-4C2F-867D-B68E9EC599EE}"/>
+                  </a:ext>
+                </a:extLst>
+              </p:cNvPr>
+              <p:cNvPicPr>
+                <a:picLocks noChangeAspect="1"/>
+              </p:cNvPicPr>
+              <p:nvPr/>
+            </p:nvPicPr>
+            <p:blipFill rotWithShape="1">
+              <a:blip r:embed="rId7">
+                <a:extLst>
+                  <a:ext uri="{28A0092B-C50C-407E-A947-70E740481C1C}">
+                    <a14:useLocalDpi xmlns:a14="http://schemas.microsoft.com/office/drawing/2010/main" val="0"/>
+                  </a:ext>
+                </a:extLst>
+              </a:blip>
+              <a:srcRect l="15662" t="33891" r="45850" b="37426"/>
+              <a:stretch/>
+            </p:blipFill>
+            <p:spPr>
+              <a:xfrm>
+                <a:off x="7809110" y="3103446"/>
+                <a:ext cx="352070" cy="150012"/>
+              </a:xfrm>
+              <a:prstGeom prst="rect">
+                <a:avLst/>
+              </a:prstGeom>
+            </p:spPr>
+          </p:pic>
+          <p:pic>
+            <p:nvPicPr>
+              <p:cNvPr id="21" name="Picture 20">
+                <a:extLst>
+                  <a:ext uri="{FF2B5EF4-FFF2-40B4-BE49-F238E27FC236}">
+                    <a16:creationId xmlns:a16="http://schemas.microsoft.com/office/drawing/2014/main" id="{DD6BF542-65A1-40C6-B7CF-FB49855FDC2B}"/>
+                  </a:ext>
+                </a:extLst>
+              </p:cNvPr>
+              <p:cNvPicPr>
+                <a:picLocks noChangeAspect="1"/>
+              </p:cNvPicPr>
+              <p:nvPr/>
+            </p:nvPicPr>
+            <p:blipFill rotWithShape="1">
+              <a:blip r:embed="rId7">
+                <a:extLst>
+                  <a:ext uri="{28A0092B-C50C-407E-A947-70E740481C1C}">
+                    <a14:useLocalDpi xmlns:a14="http://schemas.microsoft.com/office/drawing/2010/main" val="0"/>
+                  </a:ext>
+                </a:extLst>
+              </a:blip>
+              <a:srcRect l="15662" t="33891" r="45850" b="37426"/>
+              <a:stretch/>
+            </p:blipFill>
+            <p:spPr>
+              <a:xfrm>
+                <a:off x="7601915" y="3333240"/>
+                <a:ext cx="352070" cy="150012"/>
+              </a:xfrm>
+              <a:prstGeom prst="rect">
+                <a:avLst/>
+              </a:prstGeom>
+            </p:spPr>
+          </p:pic>
+          <p:pic>
+            <p:nvPicPr>
+              <p:cNvPr id="22" name="Picture 21">
+                <a:extLst>
+                  <a:ext uri="{FF2B5EF4-FFF2-40B4-BE49-F238E27FC236}">
+                    <a16:creationId xmlns:a16="http://schemas.microsoft.com/office/drawing/2014/main" id="{968F4D16-6089-43A4-A90D-651E3A5166E1}"/>
+                  </a:ext>
+                </a:extLst>
+              </p:cNvPr>
+              <p:cNvPicPr>
+                <a:picLocks noChangeAspect="1"/>
+              </p:cNvPicPr>
+              <p:nvPr/>
+            </p:nvPicPr>
+            <p:blipFill rotWithShape="1">
+              <a:blip r:embed="rId7">
+                <a:extLst>
+                  <a:ext uri="{28A0092B-C50C-407E-A947-70E740481C1C}">
+                    <a14:useLocalDpi xmlns:a14="http://schemas.microsoft.com/office/drawing/2010/main" val="0"/>
+                  </a:ext>
+                </a:extLst>
+              </a:blip>
+              <a:srcRect l="15662" t="33891" r="45850" b="37426"/>
+              <a:stretch/>
+            </p:blipFill>
+            <p:spPr>
+              <a:xfrm>
+                <a:off x="7693541" y="2873652"/>
+                <a:ext cx="352070" cy="150012"/>
+              </a:xfrm>
+              <a:prstGeom prst="rect">
+                <a:avLst/>
+              </a:prstGeom>
+            </p:spPr>
+          </p:pic>
+          <p:pic>
+            <p:nvPicPr>
+              <p:cNvPr id="23" name="Picture 22">
+                <a:extLst>
+                  <a:ext uri="{FF2B5EF4-FFF2-40B4-BE49-F238E27FC236}">
+                    <a16:creationId xmlns:a16="http://schemas.microsoft.com/office/drawing/2014/main" id="{5106C7EB-082D-448E-8009-F24C0F697768}"/>
+                  </a:ext>
+                </a:extLst>
+              </p:cNvPr>
+              <p:cNvPicPr>
+                <a:picLocks noChangeAspect="1"/>
+              </p:cNvPicPr>
+              <p:nvPr/>
+            </p:nvPicPr>
+            <p:blipFill rotWithShape="1">
+              <a:blip r:embed="rId7">
+                <a:extLst>
+                  <a:ext uri="{28A0092B-C50C-407E-A947-70E740481C1C}">
+                    <a14:useLocalDpi xmlns:a14="http://schemas.microsoft.com/office/drawing/2010/main" val="0"/>
+                  </a:ext>
+                </a:extLst>
+              </a:blip>
+              <a:srcRect l="15662" t="33891" r="45850" b="37426"/>
+              <a:stretch/>
+            </p:blipFill>
+            <p:spPr>
+              <a:xfrm>
+                <a:off x="7960834" y="3333240"/>
+                <a:ext cx="352070" cy="150012"/>
+              </a:xfrm>
+              <a:prstGeom prst="rect">
+                <a:avLst/>
+              </a:prstGeom>
+            </p:spPr>
+          </p:pic>
+          <p:pic>
+            <p:nvPicPr>
+              <p:cNvPr id="24" name="Picture 23">
+                <a:extLst>
+                  <a:ext uri="{FF2B5EF4-FFF2-40B4-BE49-F238E27FC236}">
+                    <a16:creationId xmlns:a16="http://schemas.microsoft.com/office/drawing/2014/main" id="{83319AC1-DE9D-47BC-BAAF-C6FC01BBFEEB}"/>
+                  </a:ext>
+                </a:extLst>
+              </p:cNvPr>
+              <p:cNvPicPr>
+                <a:picLocks noChangeAspect="1"/>
+              </p:cNvPicPr>
+              <p:nvPr/>
+            </p:nvPicPr>
+            <p:blipFill rotWithShape="1">
+              <a:blip r:embed="rId7">
+                <a:extLst>
+                  <a:ext uri="{28A0092B-C50C-407E-A947-70E740481C1C}">
+                    <a14:useLocalDpi xmlns:a14="http://schemas.microsoft.com/office/drawing/2010/main" val="0"/>
+                  </a:ext>
+                </a:extLst>
+              </a:blip>
+              <a:srcRect l="15662" t="33891" r="45850" b="37426"/>
+              <a:stretch/>
+            </p:blipFill>
+            <p:spPr>
+              <a:xfrm>
+                <a:off x="7386316" y="3103446"/>
+                <a:ext cx="352070" cy="150012"/>
+              </a:xfrm>
+              <a:prstGeom prst="rect">
+                <a:avLst/>
+              </a:prstGeom>
+            </p:spPr>
+          </p:pic>
+          <p:pic>
+            <p:nvPicPr>
+              <p:cNvPr id="25" name="Picture 24">
+                <a:extLst>
+                  <a:ext uri="{FF2B5EF4-FFF2-40B4-BE49-F238E27FC236}">
+                    <a16:creationId xmlns:a16="http://schemas.microsoft.com/office/drawing/2014/main" id="{35B069FF-91C9-4E8F-8C5D-67F4A092408A}"/>
+                  </a:ext>
+                </a:extLst>
+              </p:cNvPr>
+              <p:cNvPicPr>
+                <a:picLocks noChangeAspect="1"/>
+              </p:cNvPicPr>
+              <p:nvPr/>
+            </p:nvPicPr>
+            <p:blipFill rotWithShape="1">
+              <a:blip r:embed="rId7">
+                <a:extLst>
+                  <a:ext uri="{28A0092B-C50C-407E-A947-70E740481C1C}">
+                    <a14:useLocalDpi xmlns:a14="http://schemas.microsoft.com/office/drawing/2010/main" val="0"/>
+                  </a:ext>
+                </a:extLst>
+              </a:blip>
+              <a:srcRect l="15662" t="33891" r="45850" b="37426"/>
+              <a:stretch/>
+            </p:blipFill>
+            <p:spPr>
+              <a:xfrm>
+                <a:off x="7144092" y="3939645"/>
+                <a:ext cx="352070" cy="150012"/>
+              </a:xfrm>
+              <a:prstGeom prst="rect">
+                <a:avLst/>
+              </a:prstGeom>
+            </p:spPr>
+          </p:pic>
+          <p:pic>
+            <p:nvPicPr>
+              <p:cNvPr id="26" name="Picture 25">
+                <a:extLst>
+                  <a:ext uri="{FF2B5EF4-FFF2-40B4-BE49-F238E27FC236}">
+                    <a16:creationId xmlns:a16="http://schemas.microsoft.com/office/drawing/2014/main" id="{1AE25799-8B8B-4E7D-9E52-C30D8284BB77}"/>
+                  </a:ext>
+                </a:extLst>
+              </p:cNvPr>
+              <p:cNvPicPr>
+                <a:picLocks noChangeAspect="1"/>
+              </p:cNvPicPr>
+              <p:nvPr/>
+            </p:nvPicPr>
+            <p:blipFill rotWithShape="1">
+              <a:blip r:embed="rId7">
+                <a:extLst>
+                  <a:ext uri="{28A0092B-C50C-407E-A947-70E740481C1C}">
+                    <a14:useLocalDpi xmlns:a14="http://schemas.microsoft.com/office/drawing/2010/main" val="0"/>
+                  </a:ext>
+                </a:extLst>
+              </a:blip>
+              <a:srcRect l="15662" t="33891" r="45850" b="37426"/>
+              <a:stretch/>
+            </p:blipFill>
+            <p:spPr>
+              <a:xfrm>
+                <a:off x="6936897" y="4169439"/>
+                <a:ext cx="352070" cy="150012"/>
+              </a:xfrm>
+              <a:prstGeom prst="rect">
+                <a:avLst/>
+              </a:prstGeom>
+            </p:spPr>
+          </p:pic>
+          <p:pic>
+            <p:nvPicPr>
+              <p:cNvPr id="27" name="Picture 26">
+                <a:extLst>
+                  <a:ext uri="{FF2B5EF4-FFF2-40B4-BE49-F238E27FC236}">
+                    <a16:creationId xmlns:a16="http://schemas.microsoft.com/office/drawing/2014/main" id="{AE7E646F-1131-4CD5-B9C6-647871AA3167}"/>
+                  </a:ext>
+                </a:extLst>
+              </p:cNvPr>
+              <p:cNvPicPr>
+                <a:picLocks noChangeAspect="1"/>
+              </p:cNvPicPr>
+              <p:nvPr/>
+            </p:nvPicPr>
+            <p:blipFill rotWithShape="1">
+              <a:blip r:embed="rId7">
+                <a:extLst>
+                  <a:ext uri="{28A0092B-C50C-407E-A947-70E740481C1C}">
+                    <a14:useLocalDpi xmlns:a14="http://schemas.microsoft.com/office/drawing/2010/main" val="0"/>
+                  </a:ext>
+                </a:extLst>
+              </a:blip>
+              <a:srcRect l="15662" t="33891" r="45850" b="37426"/>
+              <a:stretch/>
+            </p:blipFill>
+            <p:spPr>
+              <a:xfrm>
+                <a:off x="7028523" y="3709851"/>
+                <a:ext cx="352070" cy="150012"/>
+              </a:xfrm>
+              <a:prstGeom prst="rect">
+                <a:avLst/>
+              </a:prstGeom>
+            </p:spPr>
+          </p:pic>
+          <p:pic>
+            <p:nvPicPr>
+              <p:cNvPr id="28" name="Picture 27">
+                <a:extLst>
+                  <a:ext uri="{FF2B5EF4-FFF2-40B4-BE49-F238E27FC236}">
+                    <a16:creationId xmlns:a16="http://schemas.microsoft.com/office/drawing/2014/main" id="{E2250410-702A-490B-B880-2F210A195D38}"/>
+                  </a:ext>
+                </a:extLst>
+              </p:cNvPr>
+              <p:cNvPicPr>
+                <a:picLocks noChangeAspect="1"/>
+              </p:cNvPicPr>
+              <p:nvPr/>
+            </p:nvPicPr>
+            <p:blipFill rotWithShape="1">
+              <a:blip r:embed="rId7">
+                <a:extLst>
+                  <a:ext uri="{28A0092B-C50C-407E-A947-70E740481C1C}">
+                    <a14:useLocalDpi xmlns:a14="http://schemas.microsoft.com/office/drawing/2010/main" val="0"/>
+                  </a:ext>
+                </a:extLst>
+              </a:blip>
+              <a:srcRect l="15662" t="33891" r="45850" b="37426"/>
+              <a:stretch/>
+            </p:blipFill>
+            <p:spPr>
+              <a:xfrm>
+                <a:off x="7295816" y="4169439"/>
+                <a:ext cx="352070" cy="150012"/>
+              </a:xfrm>
+              <a:prstGeom prst="rect">
+                <a:avLst/>
+              </a:prstGeom>
+            </p:spPr>
+          </p:pic>
+          <p:pic>
+            <p:nvPicPr>
+              <p:cNvPr id="29" name="Picture 28">
+                <a:extLst>
+                  <a:ext uri="{FF2B5EF4-FFF2-40B4-BE49-F238E27FC236}">
+                    <a16:creationId xmlns:a16="http://schemas.microsoft.com/office/drawing/2014/main" id="{38FF12FC-4297-4A58-B6F7-E430BB276C7D}"/>
+                  </a:ext>
+                </a:extLst>
+              </p:cNvPr>
+              <p:cNvPicPr>
+                <a:picLocks noChangeAspect="1"/>
+              </p:cNvPicPr>
+              <p:nvPr/>
+            </p:nvPicPr>
+            <p:blipFill rotWithShape="1">
+              <a:blip r:embed="rId7">
+                <a:extLst>
+                  <a:ext uri="{28A0092B-C50C-407E-A947-70E740481C1C}">
+                    <a14:useLocalDpi xmlns:a14="http://schemas.microsoft.com/office/drawing/2010/main" val="0"/>
+                  </a:ext>
+                </a:extLst>
+              </a:blip>
+              <a:srcRect l="15662" t="33891" r="45850" b="37426"/>
+              <a:stretch/>
+            </p:blipFill>
+            <p:spPr>
+              <a:xfrm>
+                <a:off x="6721298" y="3939645"/>
+                <a:ext cx="352070" cy="150012"/>
+              </a:xfrm>
+              <a:prstGeom prst="rect">
+                <a:avLst/>
+              </a:prstGeom>
+            </p:spPr>
+          </p:pic>
+          <p:pic>
+            <p:nvPicPr>
+              <p:cNvPr id="30" name="Picture 29">
+                <a:extLst>
+                  <a:ext uri="{FF2B5EF4-FFF2-40B4-BE49-F238E27FC236}">
+                    <a16:creationId xmlns:a16="http://schemas.microsoft.com/office/drawing/2014/main" id="{B6C6C6DC-71F5-4F31-8436-49D933E22136}"/>
+                  </a:ext>
+                </a:extLst>
+              </p:cNvPr>
+              <p:cNvPicPr>
+                <a:picLocks noChangeAspect="1"/>
+              </p:cNvPicPr>
+              <p:nvPr/>
+            </p:nvPicPr>
+            <p:blipFill rotWithShape="1">
+              <a:blip r:embed="rId7">
+                <a:extLst>
+                  <a:ext uri="{28A0092B-C50C-407E-A947-70E740481C1C}">
+                    <a14:useLocalDpi xmlns:a14="http://schemas.microsoft.com/office/drawing/2010/main" val="0"/>
+                  </a:ext>
+                </a:extLst>
+              </a:blip>
+              <a:srcRect l="15662" t="33891" r="45850" b="37426"/>
+              <a:stretch/>
+            </p:blipFill>
+            <p:spPr>
+              <a:xfrm>
+                <a:off x="7864033" y="3764104"/>
+                <a:ext cx="352070" cy="150012"/>
+              </a:xfrm>
+              <a:prstGeom prst="rect">
+                <a:avLst/>
+              </a:prstGeom>
+            </p:spPr>
+          </p:pic>
+          <p:pic>
+            <p:nvPicPr>
+              <p:cNvPr id="31" name="Picture 30">
+                <a:extLst>
+                  <a:ext uri="{FF2B5EF4-FFF2-40B4-BE49-F238E27FC236}">
+                    <a16:creationId xmlns:a16="http://schemas.microsoft.com/office/drawing/2014/main" id="{6C150B95-594E-4ECD-96C1-D11C1B2470F7}"/>
+                  </a:ext>
+                </a:extLst>
+              </p:cNvPr>
+              <p:cNvPicPr>
+                <a:picLocks noChangeAspect="1"/>
+              </p:cNvPicPr>
+              <p:nvPr/>
+            </p:nvPicPr>
+            <p:blipFill rotWithShape="1">
+              <a:blip r:embed="rId7">
+                <a:extLst>
+                  <a:ext uri="{28A0092B-C50C-407E-A947-70E740481C1C}">
+                    <a14:useLocalDpi xmlns:a14="http://schemas.microsoft.com/office/drawing/2010/main" val="0"/>
+                  </a:ext>
+                </a:extLst>
+              </a:blip>
+              <a:srcRect l="15662" t="33891" r="45850" b="37426"/>
+              <a:stretch/>
+            </p:blipFill>
+            <p:spPr>
+              <a:xfrm>
+                <a:off x="7656838" y="3993898"/>
+                <a:ext cx="352070" cy="150012"/>
+              </a:xfrm>
+              <a:prstGeom prst="rect">
+                <a:avLst/>
+              </a:prstGeom>
+            </p:spPr>
+          </p:pic>
+          <p:pic>
+            <p:nvPicPr>
+              <p:cNvPr id="32" name="Picture 31">
+                <a:extLst>
+                  <a:ext uri="{FF2B5EF4-FFF2-40B4-BE49-F238E27FC236}">
+                    <a16:creationId xmlns:a16="http://schemas.microsoft.com/office/drawing/2014/main" id="{16ABC7E3-8321-4DEB-934F-8CF642E99F52}"/>
+                  </a:ext>
+                </a:extLst>
+              </p:cNvPr>
+              <p:cNvPicPr>
+                <a:picLocks noChangeAspect="1"/>
+              </p:cNvPicPr>
+              <p:nvPr/>
+            </p:nvPicPr>
+            <p:blipFill rotWithShape="1">
+              <a:blip r:embed="rId7">
+                <a:extLst>
+                  <a:ext uri="{28A0092B-C50C-407E-A947-70E740481C1C}">
+                    <a14:useLocalDpi xmlns:a14="http://schemas.microsoft.com/office/drawing/2010/main" val="0"/>
+                  </a:ext>
+                </a:extLst>
+              </a:blip>
+              <a:srcRect l="15662" t="33891" r="45850" b="37426"/>
+              <a:stretch/>
+            </p:blipFill>
+            <p:spPr>
+              <a:xfrm>
+                <a:off x="7748464" y="3534310"/>
+                <a:ext cx="352070" cy="150012"/>
+              </a:xfrm>
+              <a:prstGeom prst="rect">
+                <a:avLst/>
+              </a:prstGeom>
+            </p:spPr>
+          </p:pic>
+          <p:pic>
+            <p:nvPicPr>
+              <p:cNvPr id="33" name="Picture 32">
+                <a:extLst>
+                  <a:ext uri="{FF2B5EF4-FFF2-40B4-BE49-F238E27FC236}">
+                    <a16:creationId xmlns:a16="http://schemas.microsoft.com/office/drawing/2014/main" id="{2417F15C-BBC8-4150-A98D-D5AD791C51B5}"/>
+                  </a:ext>
+                </a:extLst>
+              </p:cNvPr>
+              <p:cNvPicPr>
+                <a:picLocks noChangeAspect="1"/>
+              </p:cNvPicPr>
+              <p:nvPr/>
+            </p:nvPicPr>
+            <p:blipFill rotWithShape="1">
+              <a:blip r:embed="rId7">
+                <a:extLst>
+                  <a:ext uri="{28A0092B-C50C-407E-A947-70E740481C1C}">
+                    <a14:useLocalDpi xmlns:a14="http://schemas.microsoft.com/office/drawing/2010/main" val="0"/>
+                  </a:ext>
+                </a:extLst>
+              </a:blip>
+              <a:srcRect l="15662" t="33891" r="45850" b="37426"/>
+              <a:stretch/>
+            </p:blipFill>
+            <p:spPr>
+              <a:xfrm>
+                <a:off x="8015757" y="3993898"/>
+                <a:ext cx="352070" cy="150012"/>
+              </a:xfrm>
+              <a:prstGeom prst="rect">
+                <a:avLst/>
+              </a:prstGeom>
+            </p:spPr>
+          </p:pic>
+          <p:pic>
+            <p:nvPicPr>
+              <p:cNvPr id="34" name="Picture 33">
+                <a:extLst>
+                  <a:ext uri="{FF2B5EF4-FFF2-40B4-BE49-F238E27FC236}">
+                    <a16:creationId xmlns:a16="http://schemas.microsoft.com/office/drawing/2014/main" id="{DBCB8754-7FF4-49BF-907F-A906AEC85A88}"/>
+                  </a:ext>
+                </a:extLst>
+              </p:cNvPr>
+              <p:cNvPicPr>
+                <a:picLocks noChangeAspect="1"/>
+              </p:cNvPicPr>
+              <p:nvPr/>
+            </p:nvPicPr>
+            <p:blipFill rotWithShape="1">
+              <a:blip r:embed="rId7">
+                <a:extLst>
+                  <a:ext uri="{28A0092B-C50C-407E-A947-70E740481C1C}">
+                    <a14:useLocalDpi xmlns:a14="http://schemas.microsoft.com/office/drawing/2010/main" val="0"/>
+                  </a:ext>
+                </a:extLst>
+              </a:blip>
+              <a:srcRect l="15662" t="33891" r="45850" b="37426"/>
+              <a:stretch/>
+            </p:blipFill>
+            <p:spPr>
+              <a:xfrm>
+                <a:off x="7441239" y="3764104"/>
+                <a:ext cx="352070" cy="150012"/>
+              </a:xfrm>
+              <a:prstGeom prst="rect">
+                <a:avLst/>
+              </a:prstGeom>
+            </p:spPr>
+          </p:pic>
+          <p:pic>
+            <p:nvPicPr>
+              <p:cNvPr id="35" name="Picture 34">
+                <a:extLst>
+                  <a:ext uri="{FF2B5EF4-FFF2-40B4-BE49-F238E27FC236}">
+                    <a16:creationId xmlns:a16="http://schemas.microsoft.com/office/drawing/2014/main" id="{6A4A2921-8037-470D-8352-021ECD36DF54}"/>
+                  </a:ext>
+                </a:extLst>
+              </p:cNvPr>
+              <p:cNvPicPr>
+                <a:picLocks noChangeAspect="1"/>
+              </p:cNvPicPr>
+              <p:nvPr/>
+            </p:nvPicPr>
+            <p:blipFill rotWithShape="1">
+              <a:blip r:embed="rId7">
+                <a:extLst>
+                  <a:ext uri="{28A0092B-C50C-407E-A947-70E740481C1C}">
+                    <a14:useLocalDpi xmlns:a14="http://schemas.microsoft.com/office/drawing/2010/main" val="0"/>
+                  </a:ext>
+                </a:extLst>
+              </a:blip>
+              <a:srcRect l="15662" t="33891" r="45850" b="37426"/>
+              <a:stretch/>
+            </p:blipFill>
+            <p:spPr>
+              <a:xfrm>
+                <a:off x="6456309" y="2838537"/>
+                <a:ext cx="352070" cy="150012"/>
+              </a:xfrm>
+              <a:prstGeom prst="rect">
+                <a:avLst/>
+              </a:prstGeom>
+            </p:spPr>
+          </p:pic>
+          <p:pic>
+            <p:nvPicPr>
+              <p:cNvPr id="36" name="Picture 35">
+                <a:extLst>
+                  <a:ext uri="{FF2B5EF4-FFF2-40B4-BE49-F238E27FC236}">
+                    <a16:creationId xmlns:a16="http://schemas.microsoft.com/office/drawing/2014/main" id="{05E2BA10-5748-4A41-B6A8-15A772709451}"/>
+                  </a:ext>
+                </a:extLst>
+              </p:cNvPr>
+              <p:cNvPicPr>
+                <a:picLocks noChangeAspect="1"/>
+              </p:cNvPicPr>
+              <p:nvPr/>
+            </p:nvPicPr>
+            <p:blipFill rotWithShape="1">
+              <a:blip r:embed="rId7">
+                <a:extLst>
+                  <a:ext uri="{28A0092B-C50C-407E-A947-70E740481C1C}">
+                    <a14:useLocalDpi xmlns:a14="http://schemas.microsoft.com/office/drawing/2010/main" val="0"/>
+                  </a:ext>
+                </a:extLst>
+              </a:blip>
+              <a:srcRect l="15662" t="33891" r="45850" b="37426"/>
+              <a:stretch/>
+            </p:blipFill>
+            <p:spPr>
+              <a:xfrm>
+                <a:off x="6413583" y="3450006"/>
+                <a:ext cx="352070" cy="150012"/>
+              </a:xfrm>
+              <a:prstGeom prst="rect">
+                <a:avLst/>
+              </a:prstGeom>
+            </p:spPr>
+          </p:pic>
+          <p:pic>
+            <p:nvPicPr>
+              <p:cNvPr id="37" name="Picture 36">
+                <a:extLst>
+                  <a:ext uri="{FF2B5EF4-FFF2-40B4-BE49-F238E27FC236}">
+                    <a16:creationId xmlns:a16="http://schemas.microsoft.com/office/drawing/2014/main" id="{FC852E55-A78D-450A-9705-5A672AF406DA}"/>
+                  </a:ext>
+                </a:extLst>
+              </p:cNvPr>
+              <p:cNvPicPr>
+                <a:picLocks noChangeAspect="1"/>
+              </p:cNvPicPr>
+              <p:nvPr/>
+            </p:nvPicPr>
+            <p:blipFill rotWithShape="1">
+              <a:blip r:embed="rId7">
+                <a:extLst>
+                  <a:ext uri="{28A0092B-C50C-407E-A947-70E740481C1C}">
+                    <a14:useLocalDpi xmlns:a14="http://schemas.microsoft.com/office/drawing/2010/main" val="0"/>
+                  </a:ext>
+                </a:extLst>
+              </a:blip>
+              <a:srcRect l="15662" t="33891" r="45850" b="37426"/>
+              <a:stretch/>
+            </p:blipFill>
+            <p:spPr>
+              <a:xfrm>
+                <a:off x="8319626" y="3745569"/>
+                <a:ext cx="352070" cy="150012"/>
+              </a:xfrm>
+              <a:prstGeom prst="rect">
+                <a:avLst/>
+              </a:prstGeom>
+            </p:spPr>
+          </p:pic>
+          <p:pic>
+            <p:nvPicPr>
+              <p:cNvPr id="38" name="Picture 37">
+                <a:extLst>
+                  <a:ext uri="{FF2B5EF4-FFF2-40B4-BE49-F238E27FC236}">
+                    <a16:creationId xmlns:a16="http://schemas.microsoft.com/office/drawing/2014/main" id="{1907482E-EEEF-42E9-99EE-10F1429D29B7}"/>
+                  </a:ext>
+                </a:extLst>
+              </p:cNvPr>
+              <p:cNvPicPr>
+                <a:picLocks noChangeAspect="1"/>
+              </p:cNvPicPr>
+              <p:nvPr/>
+            </p:nvPicPr>
+            <p:blipFill rotWithShape="1">
+              <a:blip r:embed="rId7">
+                <a:extLst>
+                  <a:ext uri="{28A0092B-C50C-407E-A947-70E740481C1C}">
+                    <a14:useLocalDpi xmlns:a14="http://schemas.microsoft.com/office/drawing/2010/main" val="0"/>
+                  </a:ext>
+                </a:extLst>
+              </a:blip>
+              <a:srcRect l="15662" t="33891" r="45850" b="37426"/>
+              <a:stretch/>
+            </p:blipFill>
+            <p:spPr>
+              <a:xfrm>
+                <a:off x="6608033" y="3068331"/>
+                <a:ext cx="352070" cy="150012"/>
+              </a:xfrm>
+              <a:prstGeom prst="rect">
+                <a:avLst/>
+              </a:prstGeom>
+            </p:spPr>
+          </p:pic>
+          <p:pic>
+            <p:nvPicPr>
+              <p:cNvPr id="39" name="Picture 38">
+                <a:extLst>
+                  <a:ext uri="{FF2B5EF4-FFF2-40B4-BE49-F238E27FC236}">
+                    <a16:creationId xmlns:a16="http://schemas.microsoft.com/office/drawing/2014/main" id="{E9C0189A-0EC0-4058-8B76-C5B8DA915A40}"/>
+                  </a:ext>
+                </a:extLst>
+              </p:cNvPr>
+              <p:cNvPicPr>
+                <a:picLocks noChangeAspect="1"/>
+              </p:cNvPicPr>
+              <p:nvPr/>
+            </p:nvPicPr>
+            <p:blipFill rotWithShape="1">
+              <a:blip r:embed="rId7">
+                <a:extLst>
+                  <a:ext uri="{28A0092B-C50C-407E-A947-70E740481C1C}">
+                    <a14:useLocalDpi xmlns:a14="http://schemas.microsoft.com/office/drawing/2010/main" val="0"/>
+                  </a:ext>
+                </a:extLst>
+              </a:blip>
+              <a:srcRect l="15662" t="33891" r="45850" b="37426"/>
+              <a:stretch/>
+            </p:blipFill>
+            <p:spPr>
+              <a:xfrm>
+                <a:off x="6618430" y="3679800"/>
+                <a:ext cx="352070" cy="150012"/>
+              </a:xfrm>
+              <a:prstGeom prst="rect">
+                <a:avLst/>
+              </a:prstGeom>
+            </p:spPr>
+          </p:pic>
+          <p:pic>
+            <p:nvPicPr>
+              <p:cNvPr id="40" name="Picture 39">
+                <a:extLst>
+                  <a:ext uri="{FF2B5EF4-FFF2-40B4-BE49-F238E27FC236}">
+                    <a16:creationId xmlns:a16="http://schemas.microsoft.com/office/drawing/2014/main" id="{A0A97AC2-42A7-4522-B3A2-0C51E6EFD063}"/>
+                  </a:ext>
+                </a:extLst>
+              </p:cNvPr>
+              <p:cNvPicPr>
+                <a:picLocks noChangeAspect="1"/>
+              </p:cNvPicPr>
+              <p:nvPr/>
+            </p:nvPicPr>
+            <p:blipFill rotWithShape="1">
+              <a:blip r:embed="rId7">
+                <a:extLst>
+                  <a:ext uri="{28A0092B-C50C-407E-A947-70E740481C1C}">
+                    <a14:useLocalDpi xmlns:a14="http://schemas.microsoft.com/office/drawing/2010/main" val="0"/>
+                  </a:ext>
+                </a:extLst>
+              </a:blip>
+              <a:srcRect l="15662" t="33891" r="45850" b="37426"/>
+              <a:stretch/>
+            </p:blipFill>
+            <p:spPr>
+              <a:xfrm>
+                <a:off x="7176250" y="2662996"/>
+                <a:ext cx="352070" cy="150012"/>
+              </a:xfrm>
+              <a:prstGeom prst="rect">
+                <a:avLst/>
+              </a:prstGeom>
+            </p:spPr>
+          </p:pic>
+          <p:pic>
+            <p:nvPicPr>
+              <p:cNvPr id="41" name="Picture 40">
+                <a:extLst>
+                  <a:ext uri="{FF2B5EF4-FFF2-40B4-BE49-F238E27FC236}">
+                    <a16:creationId xmlns:a16="http://schemas.microsoft.com/office/drawing/2014/main" id="{9B310B38-C12D-407D-8406-F3E669E10160}"/>
+                  </a:ext>
+                </a:extLst>
+              </p:cNvPr>
+              <p:cNvPicPr>
+                <a:picLocks noChangeAspect="1"/>
+              </p:cNvPicPr>
+              <p:nvPr/>
+            </p:nvPicPr>
+            <p:blipFill rotWithShape="1">
+              <a:blip r:embed="rId7">
+                <a:extLst>
+                  <a:ext uri="{28A0092B-C50C-407E-A947-70E740481C1C}">
+                    <a14:useLocalDpi xmlns:a14="http://schemas.microsoft.com/office/drawing/2010/main" val="0"/>
+                  </a:ext>
+                </a:extLst>
+              </a:blip>
+              <a:srcRect l="15662" t="33891" r="45850" b="37426"/>
+              <a:stretch/>
+            </p:blipFill>
+            <p:spPr>
+              <a:xfrm>
+                <a:off x="6969055" y="2892790"/>
+                <a:ext cx="352070" cy="150012"/>
+              </a:xfrm>
+              <a:prstGeom prst="rect">
+                <a:avLst/>
+              </a:prstGeom>
+            </p:spPr>
+          </p:pic>
+          <p:pic>
+            <p:nvPicPr>
+              <p:cNvPr id="42" name="Picture 41">
+                <a:extLst>
+                  <a:ext uri="{FF2B5EF4-FFF2-40B4-BE49-F238E27FC236}">
+                    <a16:creationId xmlns:a16="http://schemas.microsoft.com/office/drawing/2014/main" id="{A1A33A2C-3EC6-4AD3-B6FF-62D14026DF2B}"/>
+                  </a:ext>
+                </a:extLst>
+              </p:cNvPr>
+              <p:cNvPicPr>
+                <a:picLocks noChangeAspect="1"/>
+              </p:cNvPicPr>
+              <p:nvPr/>
+            </p:nvPicPr>
+            <p:blipFill rotWithShape="1">
+              <a:blip r:embed="rId7">
+                <a:extLst>
+                  <a:ext uri="{28A0092B-C50C-407E-A947-70E740481C1C}">
+                    <a14:useLocalDpi xmlns:a14="http://schemas.microsoft.com/office/drawing/2010/main" val="0"/>
+                  </a:ext>
+                </a:extLst>
+              </a:blip>
+              <a:srcRect l="15662" t="33891" r="45850" b="37426"/>
+              <a:stretch/>
+            </p:blipFill>
+            <p:spPr>
+              <a:xfrm>
+                <a:off x="8161180" y="3538410"/>
+                <a:ext cx="352070" cy="150012"/>
+              </a:xfrm>
+              <a:prstGeom prst="rect">
+                <a:avLst/>
+              </a:prstGeom>
+            </p:spPr>
+          </p:pic>
+          <p:pic>
+            <p:nvPicPr>
+              <p:cNvPr id="43" name="Picture 42">
+                <a:extLst>
+                  <a:ext uri="{FF2B5EF4-FFF2-40B4-BE49-F238E27FC236}">
+                    <a16:creationId xmlns:a16="http://schemas.microsoft.com/office/drawing/2014/main" id="{BBDD7E5C-326D-49C0-8221-6CA1D7FC660F}"/>
+                  </a:ext>
+                </a:extLst>
+              </p:cNvPr>
+              <p:cNvPicPr>
+                <a:picLocks noChangeAspect="1"/>
+              </p:cNvPicPr>
+              <p:nvPr/>
+            </p:nvPicPr>
+            <p:blipFill rotWithShape="1">
+              <a:blip r:embed="rId7">
+                <a:extLst>
+                  <a:ext uri="{28A0092B-C50C-407E-A947-70E740481C1C}">
+                    <a14:useLocalDpi xmlns:a14="http://schemas.microsoft.com/office/drawing/2010/main" val="0"/>
+                  </a:ext>
+                </a:extLst>
+              </a:blip>
+              <a:srcRect l="15662" t="33891" r="45850" b="37426"/>
+              <a:stretch/>
+            </p:blipFill>
+            <p:spPr>
+              <a:xfrm>
+                <a:off x="7327974" y="2892790"/>
+                <a:ext cx="352070" cy="150012"/>
+              </a:xfrm>
+              <a:prstGeom prst="rect">
+                <a:avLst/>
+              </a:prstGeom>
+            </p:spPr>
+          </p:pic>
+          <p:pic>
+            <p:nvPicPr>
+              <p:cNvPr id="44" name="Picture 43">
+                <a:extLst>
+                  <a:ext uri="{FF2B5EF4-FFF2-40B4-BE49-F238E27FC236}">
+                    <a16:creationId xmlns:a16="http://schemas.microsoft.com/office/drawing/2014/main" id="{9D8555DE-C8D3-4C13-808E-DD483D3310BB}"/>
+                  </a:ext>
+                </a:extLst>
+              </p:cNvPr>
+              <p:cNvPicPr>
+                <a:picLocks noChangeAspect="1"/>
+              </p:cNvPicPr>
+              <p:nvPr/>
+            </p:nvPicPr>
+            <p:blipFill rotWithShape="1">
+              <a:blip r:embed="rId7">
+                <a:extLst>
+                  <a:ext uri="{28A0092B-C50C-407E-A947-70E740481C1C}">
+                    <a14:useLocalDpi xmlns:a14="http://schemas.microsoft.com/office/drawing/2010/main" val="0"/>
+                  </a:ext>
+                </a:extLst>
+              </a:blip>
+              <a:srcRect l="15662" t="33891" r="45850" b="37426"/>
+              <a:stretch/>
+            </p:blipFill>
+            <p:spPr>
+              <a:xfrm>
+                <a:off x="6753456" y="2662996"/>
+                <a:ext cx="352070" cy="150012"/>
+              </a:xfrm>
+              <a:prstGeom prst="rect">
+                <a:avLst/>
+              </a:prstGeom>
+            </p:spPr>
+          </p:pic>
+        </p:grpSp>
+      </p:grpSp>
       <p:pic>
         <p:nvPicPr>
-          <p:cNvPr id="4098" name="Picture 2" descr="Image result for 12 inch mesh cage">
-            <a:extLst>
-              <a:ext uri="{FF2B5EF4-FFF2-40B4-BE49-F238E27FC236}">
-                <a16:creationId xmlns:a16="http://schemas.microsoft.com/office/drawing/2014/main" id="{7C3A6F61-9F72-40FF-B48F-6856EEB188D4}"/>
-              </a:ext>
-            </a:extLst>
-          </p:cNvPr>
-          <p:cNvPicPr>
-            <a:picLocks noChangeAspect="1" noChangeArrowheads="1"/>
-          </p:cNvPicPr>
-          <p:nvPr/>
-        </p:nvPicPr>
-        <p:blipFill>
-          <a:blip r:embed="rId6">
-            <a:extLst>
-              <a:ext uri="{28A0092B-C50C-407E-A947-70E740481C1C}">
-                <a14:useLocalDpi xmlns:a14="http://schemas.microsoft.com/office/drawing/2010/main" val="0"/>
-              </a:ext>
-            </a:extLst>
-          </a:blip>
-          <a:srcRect/>
-          <a:stretch>
-            <a:fillRect/>
-          </a:stretch>
-        </p:blipFill>
-        <p:spPr bwMode="auto">
-          <a:xfrm>
-            <a:off x="4999452" y="548307"/>
-            <a:ext cx="2567221" cy="2567221"/>
-          </a:xfrm>
-          <a:prstGeom prst="rect">
-            <a:avLst/>
-          </a:prstGeom>
-          <a:noFill/>
-          <a:extLst>
-            <a:ext uri="{909E8E84-426E-40DD-AFC4-6F175D3DCCD1}">
-              <a14:hiddenFill xmlns:a14="http://schemas.microsoft.com/office/drawing/2010/main">
-                <a:solidFill>
-                  <a:srgbClr val="FFFFFF"/>
-                </a:solidFill>
-              </a14:hiddenFill>
-            </a:ext>
-          </a:extLst>
-        </p:spPr>
-      </p:pic>
-    </p:spTree>
-    <p:extLst>
-      <p:ext uri="{BB962C8B-B14F-4D97-AF65-F5344CB8AC3E}">
-        <p14:creationId xmlns:p14="http://schemas.microsoft.com/office/powerpoint/2010/main" val="3894789256"/>
-      </p:ext>
-    </p:extLst>
-  </p:cSld>
-  <p:clrMapOvr>
-    <a:masterClrMapping/>
-  </p:clrMapOvr>
-</p:sld>
-</file>
-
-<file path=ppt/slides/slide3.xml><?xml version="1.0" encoding="utf-8"?>
-<p:sld xmlns:a="http://schemas.openxmlformats.org/drawingml/2006/main" xmlns:r="http://schemas.openxmlformats.org/officeDocument/2006/relationships" xmlns:p="http://schemas.openxmlformats.org/presentationml/2006/main">
-  <p:cSld>
-    <p:spTree>
-      <p:nvGrpSpPr>
-        <p:cNvPr id="1" name=""/>
-        <p:cNvGrpSpPr/>
-        <p:nvPr/>
-      </p:nvGrpSpPr>
-      <p:grpSpPr>
-        <a:xfrm>
-          <a:off x="0" y="0"/>
-          <a:ext cx="0" cy="0"/>
-          <a:chOff x="0" y="0"/>
-          <a:chExt cx="0" cy="0"/>
-        </a:xfrm>
-      </p:grpSpPr>
-      <p:pic>
-        <p:nvPicPr>
-          <p:cNvPr id="46" name="Picture 6" descr="Mini Mason Jars In Bulk 4 Oz Ball Half Pint Wide Mouth Glass Bottles Jelly Jar With Ounce Walmart Love Blue">
-            <a:extLst>
-              <a:ext uri="{FF2B5EF4-FFF2-40B4-BE49-F238E27FC236}">
-                <a16:creationId xmlns:a16="http://schemas.microsoft.com/office/drawing/2014/main" id="{587293F4-5F60-4F3F-80BB-A5252229F3A5}"/>
-              </a:ext>
-            </a:extLst>
-          </p:cNvPr>
-          <p:cNvPicPr>
-            <a:picLocks noChangeAspect="1" noChangeArrowheads="1"/>
-          </p:cNvPicPr>
-          <p:nvPr/>
-        </p:nvPicPr>
-        <p:blipFill>
-          <a:blip r:embed="rId2">
-            <a:extLst>
-              <a:ext uri="{28A0092B-C50C-407E-A947-70E740481C1C}">
-                <a14:useLocalDpi xmlns:a14="http://schemas.microsoft.com/office/drawing/2010/main" val="0"/>
-              </a:ext>
-            </a:extLst>
-          </a:blip>
-          <a:srcRect/>
-          <a:stretch>
-            <a:fillRect/>
-          </a:stretch>
-        </p:blipFill>
-        <p:spPr bwMode="auto">
-          <a:xfrm>
-            <a:off x="9385336" y="3777862"/>
-            <a:ext cx="2286000" cy="2286000"/>
-          </a:xfrm>
-          <a:prstGeom prst="rect">
-            <a:avLst/>
-          </a:prstGeom>
-          <a:noFill/>
-          <a:extLst>
-            <a:ext uri="{909E8E84-426E-40DD-AFC4-6F175D3DCCD1}">
-              <a14:hiddenFill xmlns:a14="http://schemas.microsoft.com/office/drawing/2010/main">
-                <a:solidFill>
-                  <a:srgbClr val="FFFFFF"/>
-                </a:solidFill>
-              </a14:hiddenFill>
-            </a:ext>
-          </a:extLst>
-        </p:spPr>
-      </p:pic>
-      <p:pic>
-        <p:nvPicPr>
-          <p:cNvPr id="47" name="Picture 8" descr="http://www.downloadclipart.net/thumb/24855-test-tube-icon.png">
-            <a:extLst>
-              <a:ext uri="{FF2B5EF4-FFF2-40B4-BE49-F238E27FC236}">
-                <a16:creationId xmlns:a16="http://schemas.microsoft.com/office/drawing/2014/main" id="{BE3306BD-B2B6-4DCC-A674-50150D93E8D9}"/>
-              </a:ext>
-            </a:extLst>
-          </p:cNvPr>
-          <p:cNvPicPr>
-            <a:picLocks noChangeAspect="1" noChangeArrowheads="1"/>
-          </p:cNvPicPr>
-          <p:nvPr/>
-        </p:nvPicPr>
-        <p:blipFill rotWithShape="1">
-          <a:blip r:embed="rId3">
-            <a:extLst>
-              <a:ext uri="{28A0092B-C50C-407E-A947-70E740481C1C}">
-                <a14:useLocalDpi xmlns:a14="http://schemas.microsoft.com/office/drawing/2010/main" val="0"/>
-              </a:ext>
-            </a:extLst>
-          </a:blip>
-          <a:srcRect b="25829"/>
-          <a:stretch/>
-        </p:blipFill>
-        <p:spPr bwMode="auto">
-          <a:xfrm>
-            <a:off x="9706634" y="3522202"/>
-            <a:ext cx="670699" cy="830510"/>
-          </a:xfrm>
-          <a:prstGeom prst="rect">
-            <a:avLst/>
-          </a:prstGeom>
-          <a:noFill/>
-          <a:extLst>
-            <a:ext uri="{909E8E84-426E-40DD-AFC4-6F175D3DCCD1}">
-              <a14:hiddenFill xmlns:a14="http://schemas.microsoft.com/office/drawing/2010/main">
-                <a:solidFill>
-                  <a:srgbClr val="FFFFFF"/>
-                </a:solidFill>
-              </a14:hiddenFill>
-            </a:ext>
-          </a:extLst>
-        </p:spPr>
-      </p:pic>
-      <p:pic>
-        <p:nvPicPr>
-          <p:cNvPr id="48" name="Picture 10" descr="Image result for inlet septa png">
-            <a:extLst>
-              <a:ext uri="{FF2B5EF4-FFF2-40B4-BE49-F238E27FC236}">
-                <a16:creationId xmlns:a16="http://schemas.microsoft.com/office/drawing/2014/main" id="{D3DC3C3A-58C1-48F7-ADC5-B6B3E5043083}"/>
-              </a:ext>
-            </a:extLst>
-          </p:cNvPr>
-          <p:cNvPicPr>
-            <a:picLocks noChangeAspect="1" noChangeArrowheads="1"/>
-          </p:cNvPicPr>
-          <p:nvPr/>
-        </p:nvPicPr>
-        <p:blipFill rotWithShape="1">
-          <a:blip r:embed="rId4">
-            <a:extLst>
-              <a:ext uri="{28A0092B-C50C-407E-A947-70E740481C1C}">
-                <a14:useLocalDpi xmlns:a14="http://schemas.microsoft.com/office/drawing/2010/main" val="0"/>
-              </a:ext>
-            </a:extLst>
-          </a:blip>
-          <a:srcRect l="23594" t="26377" r="26898" b="26845"/>
-          <a:stretch/>
-        </p:blipFill>
-        <p:spPr bwMode="auto">
-          <a:xfrm rot="580014">
-            <a:off x="10698631" y="4267512"/>
-            <a:ext cx="180348" cy="170400"/>
-          </a:xfrm>
-          <a:prstGeom prst="flowChartConnector">
-            <a:avLst/>
-          </a:prstGeom>
-          <a:noFill/>
-          <a:extLst>
-            <a:ext uri="{909E8E84-426E-40DD-AFC4-6F175D3DCCD1}">
-              <a14:hiddenFill xmlns:a14="http://schemas.microsoft.com/office/drawing/2010/main">
-                <a:solidFill>
-                  <a:srgbClr val="FFFFFF"/>
-                </a:solidFill>
-              </a14:hiddenFill>
-            </a:ext>
-          </a:extLst>
-        </p:spPr>
-      </p:pic>
-      <p:pic>
-        <p:nvPicPr>
-          <p:cNvPr id="49" name="Picture 48">
-            <a:extLst>
-              <a:ext uri="{FF2B5EF4-FFF2-40B4-BE49-F238E27FC236}">
-                <a16:creationId xmlns:a16="http://schemas.microsoft.com/office/drawing/2014/main" id="{852846B7-CD1C-4B76-99FC-31E51263A03F}"/>
+          <p:cNvPr id="5" name="Picture 4">
+            <a:extLst>
+              <a:ext uri="{FF2B5EF4-FFF2-40B4-BE49-F238E27FC236}">
+                <a16:creationId xmlns:a16="http://schemas.microsoft.com/office/drawing/2014/main" id="{3CFF92C9-F65C-46F2-8FAA-DCF79D4A696C}"/>
               </a:ext>
             </a:extLst>
           </p:cNvPr>
@@ -3916,2129 +5436,31 @@
           </p:cNvPicPr>
           <p:nvPr/>
         </p:nvPicPr>
-        <p:blipFill>
-          <a:blip r:embed="rId5"/>
-          <a:stretch>
-            <a:fillRect/>
-          </a:stretch>
+        <p:blipFill rotWithShape="1">
+          <a:blip r:embed="rId8">
+            <a:extLst>
+              <a:ext uri="{28A0092B-C50C-407E-A947-70E740481C1C}">
+                <a14:useLocalDpi xmlns:a14="http://schemas.microsoft.com/office/drawing/2010/main" val="0"/>
+              </a:ext>
+            </a:extLst>
+          </a:blip>
+          <a:srcRect l="12181" t="18438" r="12146" b="23520"/>
+          <a:stretch/>
         </p:blipFill>
         <p:spPr>
           <a:xfrm>
-            <a:off x="9839428" y="5168328"/>
-            <a:ext cx="1377815" cy="646232"/>
+            <a:off x="9462591" y="1593939"/>
+            <a:ext cx="2566497" cy="2624688"/>
           </a:xfrm>
           <a:prstGeom prst="rect">
             <a:avLst/>
           </a:prstGeom>
         </p:spPr>
       </p:pic>
-      <p:pic>
-        <p:nvPicPr>
-          <p:cNvPr id="50" name="Picture 12" descr="Bacteria PNG">
-            <a:extLst>
-              <a:ext uri="{FF2B5EF4-FFF2-40B4-BE49-F238E27FC236}">
-                <a16:creationId xmlns:a16="http://schemas.microsoft.com/office/drawing/2014/main" id="{7AC99B69-8DB6-4947-A1F3-1445F45C46C2}"/>
-              </a:ext>
-            </a:extLst>
-          </p:cNvPr>
-          <p:cNvPicPr>
-            <a:picLocks noChangeAspect="1" noChangeArrowheads="1"/>
-          </p:cNvPicPr>
-          <p:nvPr/>
-        </p:nvPicPr>
-        <p:blipFill>
-          <a:blip r:embed="rId6">
-            <a:extLst>
-              <a:ext uri="{28A0092B-C50C-407E-A947-70E740481C1C}">
-                <a14:useLocalDpi xmlns:a14="http://schemas.microsoft.com/office/drawing/2010/main" val="0"/>
-              </a:ext>
-            </a:extLst>
-          </a:blip>
-          <a:srcRect/>
-          <a:stretch>
-            <a:fillRect/>
-          </a:stretch>
-        </p:blipFill>
-        <p:spPr bwMode="auto">
-          <a:xfrm>
-            <a:off x="11046358" y="4890864"/>
-            <a:ext cx="436373" cy="524051"/>
-          </a:xfrm>
-          <a:prstGeom prst="rect">
-            <a:avLst/>
-          </a:prstGeom>
-          <a:noFill/>
-          <a:extLst>
-            <a:ext uri="{909E8E84-426E-40DD-AFC4-6F175D3DCCD1}">
-              <a14:hiddenFill xmlns:a14="http://schemas.microsoft.com/office/drawing/2010/main">
-                <a:solidFill>
-                  <a:srgbClr val="FFFFFF"/>
-                </a:solidFill>
-              </a14:hiddenFill>
-            </a:ext>
-          </a:extLst>
-        </p:spPr>
-      </p:pic>
-      <p:pic>
-        <p:nvPicPr>
-          <p:cNvPr id="39" name="Picture 6" descr="Mini Mason Jars In Bulk 4 Oz Ball Half Pint Wide Mouth Glass Bottles Jelly Jar With Ounce Walmart Love Blue">
-            <a:extLst>
-              <a:ext uri="{FF2B5EF4-FFF2-40B4-BE49-F238E27FC236}">
-                <a16:creationId xmlns:a16="http://schemas.microsoft.com/office/drawing/2014/main" id="{3A760A88-2E27-4438-8230-9A5860988CFC}"/>
-              </a:ext>
-            </a:extLst>
-          </p:cNvPr>
-          <p:cNvPicPr>
-            <a:picLocks noChangeAspect="1" noChangeArrowheads="1"/>
-          </p:cNvPicPr>
-          <p:nvPr/>
-        </p:nvPicPr>
-        <p:blipFill>
-          <a:blip r:embed="rId2">
-            <a:extLst>
-              <a:ext uri="{28A0092B-C50C-407E-A947-70E740481C1C}">
-                <a14:useLocalDpi xmlns:a14="http://schemas.microsoft.com/office/drawing/2010/main" val="0"/>
-              </a:ext>
-            </a:extLst>
-          </a:blip>
-          <a:srcRect/>
-          <a:stretch>
-            <a:fillRect/>
-          </a:stretch>
-        </p:blipFill>
-        <p:spPr bwMode="auto">
-          <a:xfrm>
-            <a:off x="5776019" y="3684660"/>
-            <a:ext cx="2286000" cy="2286000"/>
-          </a:xfrm>
-          <a:prstGeom prst="rect">
-            <a:avLst/>
-          </a:prstGeom>
-          <a:noFill/>
-          <a:extLst>
-            <a:ext uri="{909E8E84-426E-40DD-AFC4-6F175D3DCCD1}">
-              <a14:hiddenFill xmlns:a14="http://schemas.microsoft.com/office/drawing/2010/main">
-                <a:solidFill>
-                  <a:srgbClr val="FFFFFF"/>
-                </a:solidFill>
-              </a14:hiddenFill>
-            </a:ext>
-          </a:extLst>
-        </p:spPr>
-      </p:pic>
-      <p:pic>
-        <p:nvPicPr>
-          <p:cNvPr id="40" name="Picture 8" descr="http://www.downloadclipart.net/thumb/24855-test-tube-icon.png">
-            <a:extLst>
-              <a:ext uri="{FF2B5EF4-FFF2-40B4-BE49-F238E27FC236}">
-                <a16:creationId xmlns:a16="http://schemas.microsoft.com/office/drawing/2014/main" id="{E30A23CA-D933-499C-AE0E-E17EF549FAAA}"/>
-              </a:ext>
-            </a:extLst>
-          </p:cNvPr>
-          <p:cNvPicPr>
-            <a:picLocks noChangeAspect="1" noChangeArrowheads="1"/>
-          </p:cNvPicPr>
-          <p:nvPr/>
-        </p:nvPicPr>
-        <p:blipFill rotWithShape="1">
-          <a:blip r:embed="rId3">
-            <a:extLst>
-              <a:ext uri="{28A0092B-C50C-407E-A947-70E740481C1C}">
-                <a14:useLocalDpi xmlns:a14="http://schemas.microsoft.com/office/drawing/2010/main" val="0"/>
-              </a:ext>
-            </a:extLst>
-          </a:blip>
-          <a:srcRect b="25829"/>
-          <a:stretch/>
-        </p:blipFill>
-        <p:spPr bwMode="auto">
-          <a:xfrm>
-            <a:off x="6097317" y="3429000"/>
-            <a:ext cx="670699" cy="830510"/>
-          </a:xfrm>
-          <a:prstGeom prst="rect">
-            <a:avLst/>
-          </a:prstGeom>
-          <a:noFill/>
-          <a:extLst>
-            <a:ext uri="{909E8E84-426E-40DD-AFC4-6F175D3DCCD1}">
-              <a14:hiddenFill xmlns:a14="http://schemas.microsoft.com/office/drawing/2010/main">
-                <a:solidFill>
-                  <a:srgbClr val="FFFFFF"/>
-                </a:solidFill>
-              </a14:hiddenFill>
-            </a:ext>
-          </a:extLst>
-        </p:spPr>
-      </p:pic>
-      <p:pic>
-        <p:nvPicPr>
-          <p:cNvPr id="41" name="Picture 10" descr="Image result for inlet septa png">
-            <a:extLst>
-              <a:ext uri="{FF2B5EF4-FFF2-40B4-BE49-F238E27FC236}">
-                <a16:creationId xmlns:a16="http://schemas.microsoft.com/office/drawing/2014/main" id="{013BC674-C48A-4F38-811C-179DBF23C02E}"/>
-              </a:ext>
-            </a:extLst>
-          </p:cNvPr>
-          <p:cNvPicPr>
-            <a:picLocks noChangeAspect="1" noChangeArrowheads="1"/>
-          </p:cNvPicPr>
-          <p:nvPr/>
-        </p:nvPicPr>
-        <p:blipFill rotWithShape="1">
-          <a:blip r:embed="rId4">
-            <a:extLst>
-              <a:ext uri="{28A0092B-C50C-407E-A947-70E740481C1C}">
-                <a14:useLocalDpi xmlns:a14="http://schemas.microsoft.com/office/drawing/2010/main" val="0"/>
-              </a:ext>
-            </a:extLst>
-          </a:blip>
-          <a:srcRect l="23594" t="26377" r="26898" b="26845"/>
-          <a:stretch/>
-        </p:blipFill>
-        <p:spPr bwMode="auto">
-          <a:xfrm rot="580014">
-            <a:off x="7089314" y="4174310"/>
-            <a:ext cx="180348" cy="170400"/>
-          </a:xfrm>
-          <a:prstGeom prst="flowChartConnector">
-            <a:avLst/>
-          </a:prstGeom>
-          <a:noFill/>
-          <a:extLst>
-            <a:ext uri="{909E8E84-426E-40DD-AFC4-6F175D3DCCD1}">
-              <a14:hiddenFill xmlns:a14="http://schemas.microsoft.com/office/drawing/2010/main">
-                <a:solidFill>
-                  <a:srgbClr val="FFFFFF"/>
-                </a:solidFill>
-              </a14:hiddenFill>
-            </a:ext>
-          </a:extLst>
-        </p:spPr>
-      </p:pic>
-      <p:sp>
-        <p:nvSpPr>
-          <p:cNvPr id="42" name="Trapezoid 41">
-            <a:extLst>
-              <a:ext uri="{FF2B5EF4-FFF2-40B4-BE49-F238E27FC236}">
-                <a16:creationId xmlns:a16="http://schemas.microsoft.com/office/drawing/2014/main" id="{9FAEB445-DDC0-471F-B878-C8595854F5EF}"/>
-              </a:ext>
-            </a:extLst>
-          </p:cNvPr>
-          <p:cNvSpPr/>
-          <p:nvPr/>
-        </p:nvSpPr>
-        <p:spPr>
-          <a:xfrm flipV="1">
-            <a:off x="6247899" y="5145028"/>
-            <a:ext cx="1342239" cy="411060"/>
-          </a:xfrm>
-          <a:prstGeom prst="trapezoid">
-            <a:avLst>
-              <a:gd name="adj" fmla="val 22379"/>
-            </a:avLst>
-          </a:prstGeom>
-          <a:solidFill>
-            <a:schemeClr val="bg1"/>
-          </a:solidFill>
-          <a:ln w="19050"/>
-        </p:spPr>
-        <p:style>
-          <a:lnRef idx="2">
-            <a:schemeClr val="accent1">
-              <a:shade val="50000"/>
-            </a:schemeClr>
-          </a:lnRef>
-          <a:fillRef idx="1">
-            <a:schemeClr val="accent1"/>
-          </a:fillRef>
-          <a:effectRef idx="0">
-            <a:schemeClr val="accent1"/>
-          </a:effectRef>
-          <a:fontRef idx="minor">
-            <a:schemeClr val="lt1"/>
-          </a:fontRef>
-        </p:style>
-        <p:txBody>
-          <a:bodyPr rtlCol="0" anchor="ctr"/>
-          <a:lstStyle/>
-          <a:p>
-            <a:pPr algn="ctr"/>
-            <a:endParaRPr lang="en-US" dirty="0"/>
-          </a:p>
-        </p:txBody>
-      </p:sp>
-      <p:sp>
-        <p:nvSpPr>
-          <p:cNvPr id="43" name="Trapezoid 42">
-            <a:extLst>
-              <a:ext uri="{FF2B5EF4-FFF2-40B4-BE49-F238E27FC236}">
-                <a16:creationId xmlns:a16="http://schemas.microsoft.com/office/drawing/2014/main" id="{524AD49F-99D8-455F-88AE-5A0A50F1064B}"/>
-              </a:ext>
-            </a:extLst>
-          </p:cNvPr>
-          <p:cNvSpPr/>
-          <p:nvPr/>
-        </p:nvSpPr>
-        <p:spPr>
-          <a:xfrm flipV="1">
-            <a:off x="6247899" y="5145028"/>
-            <a:ext cx="1342239" cy="167874"/>
-          </a:xfrm>
-          <a:prstGeom prst="trapezoid">
-            <a:avLst>
-              <a:gd name="adj" fmla="val 22379"/>
-            </a:avLst>
-          </a:prstGeom>
-        </p:spPr>
-        <p:style>
-          <a:lnRef idx="2">
-            <a:schemeClr val="accent1">
-              <a:shade val="50000"/>
-            </a:schemeClr>
-          </a:lnRef>
-          <a:fillRef idx="1">
-            <a:schemeClr val="accent1"/>
-          </a:fillRef>
-          <a:effectRef idx="0">
-            <a:schemeClr val="accent1"/>
-          </a:effectRef>
-          <a:fontRef idx="minor">
-            <a:schemeClr val="lt1"/>
-          </a:fontRef>
-        </p:style>
-        <p:txBody>
-          <a:bodyPr rtlCol="0" anchor="ctr"/>
-          <a:lstStyle/>
-          <a:p>
-            <a:pPr algn="ctr"/>
-            <a:endParaRPr lang="en-US"/>
-          </a:p>
-        </p:txBody>
-      </p:sp>
-      <p:sp>
-        <p:nvSpPr>
-          <p:cNvPr id="44" name="TextBox 43">
-            <a:extLst>
-              <a:ext uri="{FF2B5EF4-FFF2-40B4-BE49-F238E27FC236}">
-                <a16:creationId xmlns:a16="http://schemas.microsoft.com/office/drawing/2014/main" id="{91263C16-5E38-4C54-A756-CFE7FB84A14D}"/>
-              </a:ext>
-            </a:extLst>
-          </p:cNvPr>
-          <p:cNvSpPr txBox="1"/>
-          <p:nvPr/>
-        </p:nvSpPr>
-        <p:spPr>
-          <a:xfrm>
-            <a:off x="6238374" y="5275225"/>
-            <a:ext cx="1342239" cy="338554"/>
-          </a:xfrm>
-          <a:prstGeom prst="rect">
-            <a:avLst/>
-          </a:prstGeom>
-          <a:noFill/>
-        </p:spPr>
-        <p:txBody>
-          <a:bodyPr wrap="square" rtlCol="0">
-            <a:spAutoFit/>
-          </a:bodyPr>
-          <a:lstStyle/>
-          <a:p>
-            <a:pPr algn="ctr"/>
-            <a:r>
-              <a:rPr lang="en-US" sz="1600" b="1" dirty="0"/>
-              <a:t>90% BROTH</a:t>
-            </a:r>
-          </a:p>
-        </p:txBody>
-      </p:sp>
-      <p:sp>
-        <p:nvSpPr>
-          <p:cNvPr id="45" name="TextBox 44">
-            <a:extLst>
-              <a:ext uri="{FF2B5EF4-FFF2-40B4-BE49-F238E27FC236}">
-                <a16:creationId xmlns:a16="http://schemas.microsoft.com/office/drawing/2014/main" id="{2F4ACA7E-4129-4227-9974-3FBD53AFE6F8}"/>
-              </a:ext>
-            </a:extLst>
-          </p:cNvPr>
-          <p:cNvSpPr txBox="1"/>
-          <p:nvPr/>
-        </p:nvSpPr>
-        <p:spPr>
-          <a:xfrm>
-            <a:off x="6228849" y="5059688"/>
-            <a:ext cx="1342239" cy="338554"/>
-          </a:xfrm>
-          <a:prstGeom prst="rect">
-            <a:avLst/>
-          </a:prstGeom>
-          <a:noFill/>
-        </p:spPr>
-        <p:txBody>
-          <a:bodyPr wrap="square" rtlCol="0">
-            <a:spAutoFit/>
-          </a:bodyPr>
-          <a:lstStyle/>
-          <a:p>
-            <a:pPr algn="ctr"/>
-            <a:r>
-              <a:rPr lang="en-US" sz="1600" b="1" dirty="0">
-                <a:solidFill>
-                  <a:schemeClr val="bg1"/>
-                </a:solidFill>
-              </a:rPr>
-              <a:t>10% JUICE</a:t>
-            </a:r>
-          </a:p>
-        </p:txBody>
-      </p:sp>
-      <p:pic>
-        <p:nvPicPr>
-          <p:cNvPr id="35" name="Picture 6" descr="Mini Mason Jars In Bulk 4 Oz Ball Half Pint Wide Mouth Glass Bottles Jelly Jar With Ounce Walmart Love Blue">
-            <a:extLst>
-              <a:ext uri="{FF2B5EF4-FFF2-40B4-BE49-F238E27FC236}">
-                <a16:creationId xmlns:a16="http://schemas.microsoft.com/office/drawing/2014/main" id="{3131EC72-D1E3-410D-8891-74263BEB162A}"/>
-              </a:ext>
-            </a:extLst>
-          </p:cNvPr>
-          <p:cNvPicPr>
-            <a:picLocks noChangeAspect="1" noChangeArrowheads="1"/>
-          </p:cNvPicPr>
-          <p:nvPr/>
-        </p:nvPicPr>
-        <p:blipFill>
-          <a:blip r:embed="rId2">
-            <a:extLst>
-              <a:ext uri="{28A0092B-C50C-407E-A947-70E740481C1C}">
-                <a14:useLocalDpi xmlns:a14="http://schemas.microsoft.com/office/drawing/2010/main" val="0"/>
-              </a:ext>
-            </a:extLst>
-          </a:blip>
-          <a:srcRect/>
-          <a:stretch>
-            <a:fillRect/>
-          </a:stretch>
-        </p:blipFill>
-        <p:spPr bwMode="auto">
-          <a:xfrm>
-            <a:off x="1927787" y="3777862"/>
-            <a:ext cx="2286000" cy="2286000"/>
-          </a:xfrm>
-          <a:prstGeom prst="rect">
-            <a:avLst/>
-          </a:prstGeom>
-          <a:noFill/>
-          <a:extLst>
-            <a:ext uri="{909E8E84-426E-40DD-AFC4-6F175D3DCCD1}">
-              <a14:hiddenFill xmlns:a14="http://schemas.microsoft.com/office/drawing/2010/main">
-                <a:solidFill>
-                  <a:srgbClr val="FFFFFF"/>
-                </a:solidFill>
-              </a14:hiddenFill>
-            </a:ext>
-          </a:extLst>
-        </p:spPr>
-      </p:pic>
-      <p:pic>
-        <p:nvPicPr>
-          <p:cNvPr id="36" name="Picture 8" descr="http://www.downloadclipart.net/thumb/24855-test-tube-icon.png">
-            <a:extLst>
-              <a:ext uri="{FF2B5EF4-FFF2-40B4-BE49-F238E27FC236}">
-                <a16:creationId xmlns:a16="http://schemas.microsoft.com/office/drawing/2014/main" id="{F0D12380-126A-4028-8635-CD2CDAFECBC2}"/>
-              </a:ext>
-            </a:extLst>
-          </p:cNvPr>
-          <p:cNvPicPr>
-            <a:picLocks noChangeAspect="1" noChangeArrowheads="1"/>
-          </p:cNvPicPr>
-          <p:nvPr/>
-        </p:nvPicPr>
-        <p:blipFill rotWithShape="1">
-          <a:blip r:embed="rId3">
-            <a:extLst>
-              <a:ext uri="{28A0092B-C50C-407E-A947-70E740481C1C}">
-                <a14:useLocalDpi xmlns:a14="http://schemas.microsoft.com/office/drawing/2010/main" val="0"/>
-              </a:ext>
-            </a:extLst>
-          </a:blip>
-          <a:srcRect b="25829"/>
-          <a:stretch/>
-        </p:blipFill>
-        <p:spPr bwMode="auto">
-          <a:xfrm>
-            <a:off x="2249085" y="3522202"/>
-            <a:ext cx="670699" cy="830510"/>
-          </a:xfrm>
-          <a:prstGeom prst="rect">
-            <a:avLst/>
-          </a:prstGeom>
-          <a:noFill/>
-          <a:extLst>
-            <a:ext uri="{909E8E84-426E-40DD-AFC4-6F175D3DCCD1}">
-              <a14:hiddenFill xmlns:a14="http://schemas.microsoft.com/office/drawing/2010/main">
-                <a:solidFill>
-                  <a:srgbClr val="FFFFFF"/>
-                </a:solidFill>
-              </a14:hiddenFill>
-            </a:ext>
-          </a:extLst>
-        </p:spPr>
-      </p:pic>
-      <p:pic>
-        <p:nvPicPr>
-          <p:cNvPr id="37" name="Picture 10" descr="Image result for inlet septa png">
-            <a:extLst>
-              <a:ext uri="{FF2B5EF4-FFF2-40B4-BE49-F238E27FC236}">
-                <a16:creationId xmlns:a16="http://schemas.microsoft.com/office/drawing/2014/main" id="{4388492D-F5E9-476D-8A0D-DDE71DCFA21A}"/>
-              </a:ext>
-            </a:extLst>
-          </p:cNvPr>
-          <p:cNvPicPr>
-            <a:picLocks noChangeAspect="1" noChangeArrowheads="1"/>
-          </p:cNvPicPr>
-          <p:nvPr/>
-        </p:nvPicPr>
-        <p:blipFill rotWithShape="1">
-          <a:blip r:embed="rId4">
-            <a:extLst>
-              <a:ext uri="{28A0092B-C50C-407E-A947-70E740481C1C}">
-                <a14:useLocalDpi xmlns:a14="http://schemas.microsoft.com/office/drawing/2010/main" val="0"/>
-              </a:ext>
-            </a:extLst>
-          </a:blip>
-          <a:srcRect l="23594" t="26377" r="26898" b="26845"/>
-          <a:stretch/>
-        </p:blipFill>
-        <p:spPr bwMode="auto">
-          <a:xfrm rot="580014">
-            <a:off x="3241082" y="4267512"/>
-            <a:ext cx="180348" cy="170400"/>
-          </a:xfrm>
-          <a:prstGeom prst="flowChartConnector">
-            <a:avLst/>
-          </a:prstGeom>
-          <a:noFill/>
-          <a:extLst>
-            <a:ext uri="{909E8E84-426E-40DD-AFC4-6F175D3DCCD1}">
-              <a14:hiddenFill xmlns:a14="http://schemas.microsoft.com/office/drawing/2010/main">
-                <a:solidFill>
-                  <a:srgbClr val="FFFFFF"/>
-                </a:solidFill>
-              </a14:hiddenFill>
-            </a:ext>
-          </a:extLst>
-        </p:spPr>
-      </p:pic>
-      <p:sp>
-        <p:nvSpPr>
-          <p:cNvPr id="2" name="Title 1">
-            <a:extLst>
-              <a:ext uri="{FF2B5EF4-FFF2-40B4-BE49-F238E27FC236}">
-                <a16:creationId xmlns:a16="http://schemas.microsoft.com/office/drawing/2014/main" id="{040F3BA4-7F79-4613-8986-BD27D8903D64}"/>
-              </a:ext>
-            </a:extLst>
-          </p:cNvPr>
-          <p:cNvSpPr>
-            <a:spLocks noGrp="1"/>
-          </p:cNvSpPr>
-          <p:nvPr>
-            <p:ph type="title"/>
-          </p:nvPr>
-        </p:nvSpPr>
-        <p:spPr>
-          <a:xfrm>
-            <a:off x="839788" y="365126"/>
-            <a:ext cx="10515600" cy="732012"/>
-          </a:xfrm>
-        </p:spPr>
-        <p:txBody>
-          <a:bodyPr/>
-          <a:lstStyle/>
-          <a:p>
-            <a:r>
-              <a:rPr lang="en-US" dirty="0"/>
-              <a:t>What is in a name?</a:t>
-            </a:r>
-          </a:p>
-        </p:txBody>
-      </p:sp>
-      <p:sp>
-        <p:nvSpPr>
-          <p:cNvPr id="3" name="Text Placeholder 2">
-            <a:extLst>
-              <a:ext uri="{FF2B5EF4-FFF2-40B4-BE49-F238E27FC236}">
-                <a16:creationId xmlns:a16="http://schemas.microsoft.com/office/drawing/2014/main" id="{978B767B-CB76-40C5-9A46-F70C7865D512}"/>
-              </a:ext>
-            </a:extLst>
-          </p:cNvPr>
-          <p:cNvSpPr>
-            <a:spLocks noGrp="1"/>
-          </p:cNvSpPr>
-          <p:nvPr>
-            <p:ph type="body" idx="1"/>
-          </p:nvPr>
-        </p:nvSpPr>
-        <p:spPr>
-          <a:xfrm>
-            <a:off x="520664" y="1237026"/>
-            <a:ext cx="3484562" cy="511321"/>
-          </a:xfrm>
-        </p:spPr>
-        <p:txBody>
-          <a:bodyPr/>
-          <a:lstStyle/>
-          <a:p>
-            <a:r>
-              <a:rPr lang="en-US" dirty="0"/>
-              <a:t>Blank</a:t>
-            </a:r>
-          </a:p>
-        </p:txBody>
-      </p:sp>
-      <p:sp>
-        <p:nvSpPr>
-          <p:cNvPr id="4" name="Content Placeholder 3">
-            <a:extLst>
-              <a:ext uri="{FF2B5EF4-FFF2-40B4-BE49-F238E27FC236}">
-                <a16:creationId xmlns:a16="http://schemas.microsoft.com/office/drawing/2014/main" id="{C2B02142-3EF2-4E96-A2B1-AA0FAEB98661}"/>
-              </a:ext>
-            </a:extLst>
-          </p:cNvPr>
-          <p:cNvSpPr>
-            <a:spLocks noGrp="1"/>
-          </p:cNvSpPr>
-          <p:nvPr>
-            <p:ph sz="half" idx="2"/>
-          </p:nvPr>
-        </p:nvSpPr>
-        <p:spPr>
-          <a:xfrm>
-            <a:off x="520664" y="1748348"/>
-            <a:ext cx="3484562" cy="3684588"/>
-          </a:xfrm>
-        </p:spPr>
-        <p:txBody>
-          <a:bodyPr/>
-          <a:lstStyle/>
-          <a:p>
-            <a:r>
-              <a:rPr lang="en-US" dirty="0"/>
-              <a:t>1 mesh cage</a:t>
-            </a:r>
-          </a:p>
-          <a:p>
-            <a:r>
-              <a:rPr lang="en-US" dirty="0"/>
-              <a:t>2 empty trap jars</a:t>
-            </a:r>
-          </a:p>
-        </p:txBody>
-      </p:sp>
-      <p:sp>
-        <p:nvSpPr>
-          <p:cNvPr id="7" name="Text Placeholder 2">
-            <a:extLst>
-              <a:ext uri="{FF2B5EF4-FFF2-40B4-BE49-F238E27FC236}">
-                <a16:creationId xmlns:a16="http://schemas.microsoft.com/office/drawing/2014/main" id="{98267A2A-460E-4AC2-A849-9B9F77EB1D07}"/>
-              </a:ext>
-            </a:extLst>
-          </p:cNvPr>
-          <p:cNvSpPr txBox="1">
-            <a:spLocks/>
-          </p:cNvSpPr>
-          <p:nvPr/>
-        </p:nvSpPr>
-        <p:spPr>
-          <a:xfrm>
-            <a:off x="4005226" y="1237026"/>
-            <a:ext cx="3484562" cy="520847"/>
-          </a:xfrm>
-          <a:prstGeom prst="rect">
-            <a:avLst/>
-          </a:prstGeom>
-        </p:spPr>
-        <p:txBody>
-          <a:bodyPr vert="horz" lIns="91440" tIns="45720" rIns="91440" bIns="45720" rtlCol="0" anchor="b">
-            <a:normAutofit/>
-          </a:bodyPr>
-          <a:lstStyle>
-            <a:lvl1pPr marL="0" indent="0" algn="l" defTabSz="914400" rtl="0" eaLnBrk="1" latinLnBrk="0" hangingPunct="1">
-              <a:lnSpc>
-                <a:spcPct val="90000"/>
-              </a:lnSpc>
-              <a:spcBef>
-                <a:spcPts val="1000"/>
-              </a:spcBef>
-              <a:buFont typeface="Arial" panose="020B0604020202020204" pitchFamily="34" charset="0"/>
-              <a:buNone/>
-              <a:defRPr sz="2400" b="1" kern="1200">
-                <a:solidFill>
-                  <a:schemeClr val="tx1"/>
-                </a:solidFill>
-                <a:latin typeface="+mn-lt"/>
-                <a:ea typeface="+mn-ea"/>
-                <a:cs typeface="+mn-cs"/>
-              </a:defRPr>
-            </a:lvl1pPr>
-            <a:lvl2pPr marL="457200" indent="0" algn="l" defTabSz="914400" rtl="0" eaLnBrk="1" latinLnBrk="0" hangingPunct="1">
-              <a:lnSpc>
-                <a:spcPct val="90000"/>
-              </a:lnSpc>
-              <a:spcBef>
-                <a:spcPts val="500"/>
-              </a:spcBef>
-              <a:buFont typeface="Arial" panose="020B0604020202020204" pitchFamily="34" charset="0"/>
-              <a:buNone/>
-              <a:defRPr sz="2000" b="1" kern="1200">
-                <a:solidFill>
-                  <a:schemeClr val="tx1"/>
-                </a:solidFill>
-                <a:latin typeface="+mn-lt"/>
-                <a:ea typeface="+mn-ea"/>
-                <a:cs typeface="+mn-cs"/>
-              </a:defRPr>
-            </a:lvl2pPr>
-            <a:lvl3pPr marL="914400" indent="0" algn="l" defTabSz="914400" rtl="0" eaLnBrk="1" latinLnBrk="0" hangingPunct="1">
-              <a:lnSpc>
-                <a:spcPct val="90000"/>
-              </a:lnSpc>
-              <a:spcBef>
-                <a:spcPts val="500"/>
-              </a:spcBef>
-              <a:buFont typeface="Arial" panose="020B0604020202020204" pitchFamily="34" charset="0"/>
-              <a:buNone/>
-              <a:defRPr sz="1800" b="1" kern="1200">
-                <a:solidFill>
-                  <a:schemeClr val="tx1"/>
-                </a:solidFill>
-                <a:latin typeface="+mn-lt"/>
-                <a:ea typeface="+mn-ea"/>
-                <a:cs typeface="+mn-cs"/>
-              </a:defRPr>
-            </a:lvl3pPr>
-            <a:lvl4pPr marL="1371600" indent="0" algn="l" defTabSz="914400" rtl="0" eaLnBrk="1" latinLnBrk="0" hangingPunct="1">
-              <a:lnSpc>
-                <a:spcPct val="90000"/>
-              </a:lnSpc>
-              <a:spcBef>
-                <a:spcPts val="500"/>
-              </a:spcBef>
-              <a:buFont typeface="Arial" panose="020B0604020202020204" pitchFamily="34" charset="0"/>
-              <a:buNone/>
-              <a:defRPr sz="1600" b="1" kern="1200">
-                <a:solidFill>
-                  <a:schemeClr val="tx1"/>
-                </a:solidFill>
-                <a:latin typeface="+mn-lt"/>
-                <a:ea typeface="+mn-ea"/>
-                <a:cs typeface="+mn-cs"/>
-              </a:defRPr>
-            </a:lvl4pPr>
-            <a:lvl5pPr marL="1828800" indent="0" algn="l" defTabSz="914400" rtl="0" eaLnBrk="1" latinLnBrk="0" hangingPunct="1">
-              <a:lnSpc>
-                <a:spcPct val="90000"/>
-              </a:lnSpc>
-              <a:spcBef>
-                <a:spcPts val="500"/>
-              </a:spcBef>
-              <a:buFont typeface="Arial" panose="020B0604020202020204" pitchFamily="34" charset="0"/>
-              <a:buNone/>
-              <a:defRPr sz="1600" b="1" kern="1200">
-                <a:solidFill>
-                  <a:schemeClr val="tx1"/>
-                </a:solidFill>
-                <a:latin typeface="+mn-lt"/>
-                <a:ea typeface="+mn-ea"/>
-                <a:cs typeface="+mn-cs"/>
-              </a:defRPr>
-            </a:lvl5pPr>
-            <a:lvl6pPr marL="2286000" indent="0" algn="l" defTabSz="914400" rtl="0" eaLnBrk="1" latinLnBrk="0" hangingPunct="1">
-              <a:lnSpc>
-                <a:spcPct val="90000"/>
-              </a:lnSpc>
-              <a:spcBef>
-                <a:spcPts val="500"/>
-              </a:spcBef>
-              <a:buFont typeface="Arial" panose="020B0604020202020204" pitchFamily="34" charset="0"/>
-              <a:buNone/>
-              <a:defRPr sz="1600" b="1" kern="1200">
-                <a:solidFill>
-                  <a:schemeClr val="tx1"/>
-                </a:solidFill>
-                <a:latin typeface="+mn-lt"/>
-                <a:ea typeface="+mn-ea"/>
-                <a:cs typeface="+mn-cs"/>
-              </a:defRPr>
-            </a:lvl6pPr>
-            <a:lvl7pPr marL="2743200" indent="0" algn="l" defTabSz="914400" rtl="0" eaLnBrk="1" latinLnBrk="0" hangingPunct="1">
-              <a:lnSpc>
-                <a:spcPct val="90000"/>
-              </a:lnSpc>
-              <a:spcBef>
-                <a:spcPts val="500"/>
-              </a:spcBef>
-              <a:buFont typeface="Arial" panose="020B0604020202020204" pitchFamily="34" charset="0"/>
-              <a:buNone/>
-              <a:defRPr sz="1600" b="1" kern="1200">
-                <a:solidFill>
-                  <a:schemeClr val="tx1"/>
-                </a:solidFill>
-                <a:latin typeface="+mn-lt"/>
-                <a:ea typeface="+mn-ea"/>
-                <a:cs typeface="+mn-cs"/>
-              </a:defRPr>
-            </a:lvl7pPr>
-            <a:lvl8pPr marL="3200400" indent="0" algn="l" defTabSz="914400" rtl="0" eaLnBrk="1" latinLnBrk="0" hangingPunct="1">
-              <a:lnSpc>
-                <a:spcPct val="90000"/>
-              </a:lnSpc>
-              <a:spcBef>
-                <a:spcPts val="500"/>
-              </a:spcBef>
-              <a:buFont typeface="Arial" panose="020B0604020202020204" pitchFamily="34" charset="0"/>
-              <a:buNone/>
-              <a:defRPr sz="1600" b="1" kern="1200">
-                <a:solidFill>
-                  <a:schemeClr val="tx1"/>
-                </a:solidFill>
-                <a:latin typeface="+mn-lt"/>
-                <a:ea typeface="+mn-ea"/>
-                <a:cs typeface="+mn-cs"/>
-              </a:defRPr>
-            </a:lvl8pPr>
-            <a:lvl9pPr marL="3657600" indent="0" algn="l" defTabSz="914400" rtl="0" eaLnBrk="1" latinLnBrk="0" hangingPunct="1">
-              <a:lnSpc>
-                <a:spcPct val="90000"/>
-              </a:lnSpc>
-              <a:spcBef>
-                <a:spcPts val="500"/>
-              </a:spcBef>
-              <a:buFont typeface="Arial" panose="020B0604020202020204" pitchFamily="34" charset="0"/>
-              <a:buNone/>
-              <a:defRPr sz="1600" b="1" kern="1200">
-                <a:solidFill>
-                  <a:schemeClr val="tx1"/>
-                </a:solidFill>
-                <a:latin typeface="+mn-lt"/>
-                <a:ea typeface="+mn-ea"/>
-                <a:cs typeface="+mn-cs"/>
-              </a:defRPr>
-            </a:lvl9pPr>
-          </a:lstStyle>
-          <a:p>
-            <a:r>
-              <a:rPr lang="en-US" dirty="0"/>
-              <a:t>Control</a:t>
-            </a:r>
-          </a:p>
-        </p:txBody>
-      </p:sp>
-      <p:sp>
-        <p:nvSpPr>
-          <p:cNvPr id="8" name="Content Placeholder 3">
-            <a:extLst>
-              <a:ext uri="{FF2B5EF4-FFF2-40B4-BE49-F238E27FC236}">
-                <a16:creationId xmlns:a16="http://schemas.microsoft.com/office/drawing/2014/main" id="{F9DCB331-00E5-4391-BEDC-4FD1536F873C}"/>
-              </a:ext>
-            </a:extLst>
-          </p:cNvPr>
-          <p:cNvSpPr txBox="1">
-            <a:spLocks/>
-          </p:cNvSpPr>
-          <p:nvPr/>
-        </p:nvSpPr>
-        <p:spPr>
-          <a:xfrm>
-            <a:off x="4005226" y="1757873"/>
-            <a:ext cx="3484562" cy="3684588"/>
-          </a:xfrm>
-          <a:prstGeom prst="rect">
-            <a:avLst/>
-          </a:prstGeom>
-        </p:spPr>
-        <p:txBody>
-          <a:bodyPr vert="horz" lIns="91440" tIns="45720" rIns="91440" bIns="45720" rtlCol="0">
-            <a:normAutofit/>
-          </a:bodyPr>
-          <a:lstStyle>
-            <a:lvl1pPr marL="228600" indent="-228600" algn="l" defTabSz="914400" rtl="0" eaLnBrk="1" latinLnBrk="0" hangingPunct="1">
-              <a:lnSpc>
-                <a:spcPct val="90000"/>
-              </a:lnSpc>
-              <a:spcBef>
-                <a:spcPts val="1000"/>
-              </a:spcBef>
-              <a:buFont typeface="Arial" panose="020B0604020202020204" pitchFamily="34" charset="0"/>
-              <a:buChar char="•"/>
-              <a:defRPr sz="2800" kern="1200">
-                <a:solidFill>
-                  <a:schemeClr val="tx1"/>
-                </a:solidFill>
-                <a:latin typeface="+mn-lt"/>
-                <a:ea typeface="+mn-ea"/>
-                <a:cs typeface="+mn-cs"/>
-              </a:defRPr>
-            </a:lvl1pPr>
-            <a:lvl2pPr marL="685800" indent="-228600" algn="l" defTabSz="914400" rtl="0" eaLnBrk="1" latinLnBrk="0" hangingPunct="1">
-              <a:lnSpc>
-                <a:spcPct val="90000"/>
-              </a:lnSpc>
-              <a:spcBef>
-                <a:spcPts val="500"/>
-              </a:spcBef>
-              <a:buFont typeface="Arial" panose="020B0604020202020204" pitchFamily="34" charset="0"/>
-              <a:buChar char="•"/>
-              <a:defRPr sz="2400" kern="1200">
-                <a:solidFill>
-                  <a:schemeClr val="tx1"/>
-                </a:solidFill>
-                <a:latin typeface="+mn-lt"/>
-                <a:ea typeface="+mn-ea"/>
-                <a:cs typeface="+mn-cs"/>
-              </a:defRPr>
-            </a:lvl2pPr>
-            <a:lvl3pPr marL="1143000" indent="-228600" algn="l" defTabSz="914400" rtl="0" eaLnBrk="1" latinLnBrk="0" hangingPunct="1">
-              <a:lnSpc>
-                <a:spcPct val="90000"/>
-              </a:lnSpc>
-              <a:spcBef>
-                <a:spcPts val="500"/>
-              </a:spcBef>
-              <a:buFont typeface="Arial" panose="020B0604020202020204" pitchFamily="34" charset="0"/>
-              <a:buChar char="•"/>
-              <a:defRPr sz="2000" kern="1200">
-                <a:solidFill>
-                  <a:schemeClr val="tx1"/>
-                </a:solidFill>
-                <a:latin typeface="+mn-lt"/>
-                <a:ea typeface="+mn-ea"/>
-                <a:cs typeface="+mn-cs"/>
-              </a:defRPr>
-            </a:lvl3pPr>
-            <a:lvl4pPr marL="1600200" indent="-228600" algn="l" defTabSz="914400" rtl="0" eaLnBrk="1" latinLnBrk="0" hangingPunct="1">
-              <a:lnSpc>
-                <a:spcPct val="90000"/>
-              </a:lnSpc>
-              <a:spcBef>
-                <a:spcPts val="500"/>
-              </a:spcBef>
-              <a:buFont typeface="Arial" panose="020B0604020202020204" pitchFamily="34" charset="0"/>
-              <a:buChar char="•"/>
-              <a:defRPr sz="1800" kern="1200">
-                <a:solidFill>
-                  <a:schemeClr val="tx1"/>
-                </a:solidFill>
-                <a:latin typeface="+mn-lt"/>
-                <a:ea typeface="+mn-ea"/>
-                <a:cs typeface="+mn-cs"/>
-              </a:defRPr>
-            </a:lvl4pPr>
-            <a:lvl5pPr marL="2057400" indent="-228600" algn="l" defTabSz="914400" rtl="0" eaLnBrk="1" latinLnBrk="0" hangingPunct="1">
-              <a:lnSpc>
-                <a:spcPct val="90000"/>
-              </a:lnSpc>
-              <a:spcBef>
-                <a:spcPts val="500"/>
-              </a:spcBef>
-              <a:buFont typeface="Arial" panose="020B0604020202020204" pitchFamily="34" charset="0"/>
-              <a:buChar char="•"/>
-              <a:defRPr sz="1800" kern="1200">
-                <a:solidFill>
-                  <a:schemeClr val="tx1"/>
-                </a:solidFill>
-                <a:latin typeface="+mn-lt"/>
-                <a:ea typeface="+mn-ea"/>
-                <a:cs typeface="+mn-cs"/>
-              </a:defRPr>
-            </a:lvl5pPr>
-            <a:lvl6pPr marL="2514600" indent="-228600" algn="l" defTabSz="914400" rtl="0" eaLnBrk="1" latinLnBrk="0" hangingPunct="1">
-              <a:lnSpc>
-                <a:spcPct val="90000"/>
-              </a:lnSpc>
-              <a:spcBef>
-                <a:spcPts val="500"/>
-              </a:spcBef>
-              <a:buFont typeface="Arial" panose="020B0604020202020204" pitchFamily="34" charset="0"/>
-              <a:buChar char="•"/>
-              <a:defRPr sz="1800" kern="1200">
-                <a:solidFill>
-                  <a:schemeClr val="tx1"/>
-                </a:solidFill>
-                <a:latin typeface="+mn-lt"/>
-                <a:ea typeface="+mn-ea"/>
-                <a:cs typeface="+mn-cs"/>
-              </a:defRPr>
-            </a:lvl6pPr>
-            <a:lvl7pPr marL="2971800" indent="-228600" algn="l" defTabSz="914400" rtl="0" eaLnBrk="1" latinLnBrk="0" hangingPunct="1">
-              <a:lnSpc>
-                <a:spcPct val="90000"/>
-              </a:lnSpc>
-              <a:spcBef>
-                <a:spcPts val="500"/>
-              </a:spcBef>
-              <a:buFont typeface="Arial" panose="020B0604020202020204" pitchFamily="34" charset="0"/>
-              <a:buChar char="•"/>
-              <a:defRPr sz="1800" kern="1200">
-                <a:solidFill>
-                  <a:schemeClr val="tx1"/>
-                </a:solidFill>
-                <a:latin typeface="+mn-lt"/>
-                <a:ea typeface="+mn-ea"/>
-                <a:cs typeface="+mn-cs"/>
-              </a:defRPr>
-            </a:lvl7pPr>
-            <a:lvl8pPr marL="3429000" indent="-228600" algn="l" defTabSz="914400" rtl="0" eaLnBrk="1" latinLnBrk="0" hangingPunct="1">
-              <a:lnSpc>
-                <a:spcPct val="90000"/>
-              </a:lnSpc>
-              <a:spcBef>
-                <a:spcPts val="500"/>
-              </a:spcBef>
-              <a:buFont typeface="Arial" panose="020B0604020202020204" pitchFamily="34" charset="0"/>
-              <a:buChar char="•"/>
-              <a:defRPr sz="1800" kern="1200">
-                <a:solidFill>
-                  <a:schemeClr val="tx1"/>
-                </a:solidFill>
-                <a:latin typeface="+mn-lt"/>
-                <a:ea typeface="+mn-ea"/>
-                <a:cs typeface="+mn-cs"/>
-              </a:defRPr>
-            </a:lvl8pPr>
-            <a:lvl9pPr marL="3886200" indent="-228600" algn="l" defTabSz="914400" rtl="0" eaLnBrk="1" latinLnBrk="0" hangingPunct="1">
-              <a:lnSpc>
-                <a:spcPct val="90000"/>
-              </a:lnSpc>
-              <a:spcBef>
-                <a:spcPts val="500"/>
-              </a:spcBef>
-              <a:buFont typeface="Arial" panose="020B0604020202020204" pitchFamily="34" charset="0"/>
-              <a:buChar char="•"/>
-              <a:defRPr sz="1800" kern="1200">
-                <a:solidFill>
-                  <a:schemeClr val="tx1"/>
-                </a:solidFill>
-                <a:latin typeface="+mn-lt"/>
-                <a:ea typeface="+mn-ea"/>
-                <a:cs typeface="+mn-cs"/>
-              </a:defRPr>
-            </a:lvl9pPr>
-          </a:lstStyle>
-          <a:p>
-            <a:r>
-              <a:rPr lang="en-US" dirty="0"/>
-              <a:t>1 mesh cage</a:t>
-            </a:r>
-          </a:p>
-          <a:p>
-            <a:r>
-              <a:rPr lang="en-US" dirty="0"/>
-              <a:t>2 trap jars</a:t>
-            </a:r>
-          </a:p>
-          <a:p>
-            <a:pPr lvl="1"/>
-            <a:r>
-              <a:rPr lang="en-US" dirty="0"/>
-              <a:t>10% juice</a:t>
-            </a:r>
-          </a:p>
-          <a:p>
-            <a:pPr lvl="1"/>
-            <a:r>
-              <a:rPr lang="en-US" dirty="0"/>
-              <a:t>90% culture broth</a:t>
-            </a:r>
-          </a:p>
-        </p:txBody>
-      </p:sp>
-      <p:sp>
-        <p:nvSpPr>
-          <p:cNvPr id="9" name="Text Placeholder 2">
-            <a:extLst>
-              <a:ext uri="{FF2B5EF4-FFF2-40B4-BE49-F238E27FC236}">
-                <a16:creationId xmlns:a16="http://schemas.microsoft.com/office/drawing/2014/main" id="{A7D4AC16-FD17-4CBB-8B40-C28FE5BB45BE}"/>
-              </a:ext>
-            </a:extLst>
-          </p:cNvPr>
-          <p:cNvSpPr txBox="1">
-            <a:spLocks/>
-          </p:cNvSpPr>
-          <p:nvPr/>
-        </p:nvSpPr>
-        <p:spPr>
-          <a:xfrm>
-            <a:off x="7489788" y="1237026"/>
-            <a:ext cx="3484562" cy="511322"/>
-          </a:xfrm>
-          <a:prstGeom prst="rect">
-            <a:avLst/>
-          </a:prstGeom>
-        </p:spPr>
-        <p:txBody>
-          <a:bodyPr vert="horz" lIns="91440" tIns="45720" rIns="91440" bIns="45720" rtlCol="0" anchor="b">
-            <a:normAutofit/>
-          </a:bodyPr>
-          <a:lstStyle>
-            <a:lvl1pPr marL="0" indent="0" algn="l" defTabSz="914400" rtl="0" eaLnBrk="1" latinLnBrk="0" hangingPunct="1">
-              <a:lnSpc>
-                <a:spcPct val="90000"/>
-              </a:lnSpc>
-              <a:spcBef>
-                <a:spcPts val="1000"/>
-              </a:spcBef>
-              <a:buFont typeface="Arial" panose="020B0604020202020204" pitchFamily="34" charset="0"/>
-              <a:buNone/>
-              <a:defRPr sz="2400" b="1" kern="1200">
-                <a:solidFill>
-                  <a:schemeClr val="tx1"/>
-                </a:solidFill>
-                <a:latin typeface="+mn-lt"/>
-                <a:ea typeface="+mn-ea"/>
-                <a:cs typeface="+mn-cs"/>
-              </a:defRPr>
-            </a:lvl1pPr>
-            <a:lvl2pPr marL="457200" indent="0" algn="l" defTabSz="914400" rtl="0" eaLnBrk="1" latinLnBrk="0" hangingPunct="1">
-              <a:lnSpc>
-                <a:spcPct val="90000"/>
-              </a:lnSpc>
-              <a:spcBef>
-                <a:spcPts val="500"/>
-              </a:spcBef>
-              <a:buFont typeface="Arial" panose="020B0604020202020204" pitchFamily="34" charset="0"/>
-              <a:buNone/>
-              <a:defRPr sz="2000" b="1" kern="1200">
-                <a:solidFill>
-                  <a:schemeClr val="tx1"/>
-                </a:solidFill>
-                <a:latin typeface="+mn-lt"/>
-                <a:ea typeface="+mn-ea"/>
-                <a:cs typeface="+mn-cs"/>
-              </a:defRPr>
-            </a:lvl2pPr>
-            <a:lvl3pPr marL="914400" indent="0" algn="l" defTabSz="914400" rtl="0" eaLnBrk="1" latinLnBrk="0" hangingPunct="1">
-              <a:lnSpc>
-                <a:spcPct val="90000"/>
-              </a:lnSpc>
-              <a:spcBef>
-                <a:spcPts val="500"/>
-              </a:spcBef>
-              <a:buFont typeface="Arial" panose="020B0604020202020204" pitchFamily="34" charset="0"/>
-              <a:buNone/>
-              <a:defRPr sz="1800" b="1" kern="1200">
-                <a:solidFill>
-                  <a:schemeClr val="tx1"/>
-                </a:solidFill>
-                <a:latin typeface="+mn-lt"/>
-                <a:ea typeface="+mn-ea"/>
-                <a:cs typeface="+mn-cs"/>
-              </a:defRPr>
-            </a:lvl3pPr>
-            <a:lvl4pPr marL="1371600" indent="0" algn="l" defTabSz="914400" rtl="0" eaLnBrk="1" latinLnBrk="0" hangingPunct="1">
-              <a:lnSpc>
-                <a:spcPct val="90000"/>
-              </a:lnSpc>
-              <a:spcBef>
-                <a:spcPts val="500"/>
-              </a:spcBef>
-              <a:buFont typeface="Arial" panose="020B0604020202020204" pitchFamily="34" charset="0"/>
-              <a:buNone/>
-              <a:defRPr sz="1600" b="1" kern="1200">
-                <a:solidFill>
-                  <a:schemeClr val="tx1"/>
-                </a:solidFill>
-                <a:latin typeface="+mn-lt"/>
-                <a:ea typeface="+mn-ea"/>
-                <a:cs typeface="+mn-cs"/>
-              </a:defRPr>
-            </a:lvl4pPr>
-            <a:lvl5pPr marL="1828800" indent="0" algn="l" defTabSz="914400" rtl="0" eaLnBrk="1" latinLnBrk="0" hangingPunct="1">
-              <a:lnSpc>
-                <a:spcPct val="90000"/>
-              </a:lnSpc>
-              <a:spcBef>
-                <a:spcPts val="500"/>
-              </a:spcBef>
-              <a:buFont typeface="Arial" panose="020B0604020202020204" pitchFamily="34" charset="0"/>
-              <a:buNone/>
-              <a:defRPr sz="1600" b="1" kern="1200">
-                <a:solidFill>
-                  <a:schemeClr val="tx1"/>
-                </a:solidFill>
-                <a:latin typeface="+mn-lt"/>
-                <a:ea typeface="+mn-ea"/>
-                <a:cs typeface="+mn-cs"/>
-              </a:defRPr>
-            </a:lvl5pPr>
-            <a:lvl6pPr marL="2286000" indent="0" algn="l" defTabSz="914400" rtl="0" eaLnBrk="1" latinLnBrk="0" hangingPunct="1">
-              <a:lnSpc>
-                <a:spcPct val="90000"/>
-              </a:lnSpc>
-              <a:spcBef>
-                <a:spcPts val="500"/>
-              </a:spcBef>
-              <a:buFont typeface="Arial" panose="020B0604020202020204" pitchFamily="34" charset="0"/>
-              <a:buNone/>
-              <a:defRPr sz="1600" b="1" kern="1200">
-                <a:solidFill>
-                  <a:schemeClr val="tx1"/>
-                </a:solidFill>
-                <a:latin typeface="+mn-lt"/>
-                <a:ea typeface="+mn-ea"/>
-                <a:cs typeface="+mn-cs"/>
-              </a:defRPr>
-            </a:lvl6pPr>
-            <a:lvl7pPr marL="2743200" indent="0" algn="l" defTabSz="914400" rtl="0" eaLnBrk="1" latinLnBrk="0" hangingPunct="1">
-              <a:lnSpc>
-                <a:spcPct val="90000"/>
-              </a:lnSpc>
-              <a:spcBef>
-                <a:spcPts val="500"/>
-              </a:spcBef>
-              <a:buFont typeface="Arial" panose="020B0604020202020204" pitchFamily="34" charset="0"/>
-              <a:buNone/>
-              <a:defRPr sz="1600" b="1" kern="1200">
-                <a:solidFill>
-                  <a:schemeClr val="tx1"/>
-                </a:solidFill>
-                <a:latin typeface="+mn-lt"/>
-                <a:ea typeface="+mn-ea"/>
-                <a:cs typeface="+mn-cs"/>
-              </a:defRPr>
-            </a:lvl7pPr>
-            <a:lvl8pPr marL="3200400" indent="0" algn="l" defTabSz="914400" rtl="0" eaLnBrk="1" latinLnBrk="0" hangingPunct="1">
-              <a:lnSpc>
-                <a:spcPct val="90000"/>
-              </a:lnSpc>
-              <a:spcBef>
-                <a:spcPts val="500"/>
-              </a:spcBef>
-              <a:buFont typeface="Arial" panose="020B0604020202020204" pitchFamily="34" charset="0"/>
-              <a:buNone/>
-              <a:defRPr sz="1600" b="1" kern="1200">
-                <a:solidFill>
-                  <a:schemeClr val="tx1"/>
-                </a:solidFill>
-                <a:latin typeface="+mn-lt"/>
-                <a:ea typeface="+mn-ea"/>
-                <a:cs typeface="+mn-cs"/>
-              </a:defRPr>
-            </a:lvl8pPr>
-            <a:lvl9pPr marL="3657600" indent="0" algn="l" defTabSz="914400" rtl="0" eaLnBrk="1" latinLnBrk="0" hangingPunct="1">
-              <a:lnSpc>
-                <a:spcPct val="90000"/>
-              </a:lnSpc>
-              <a:spcBef>
-                <a:spcPts val="500"/>
-              </a:spcBef>
-              <a:buFont typeface="Arial" panose="020B0604020202020204" pitchFamily="34" charset="0"/>
-              <a:buNone/>
-              <a:defRPr sz="1600" b="1" kern="1200">
-                <a:solidFill>
-                  <a:schemeClr val="tx1"/>
-                </a:solidFill>
-                <a:latin typeface="+mn-lt"/>
-                <a:ea typeface="+mn-ea"/>
-                <a:cs typeface="+mn-cs"/>
-              </a:defRPr>
-            </a:lvl9pPr>
-          </a:lstStyle>
-          <a:p>
-            <a:r>
-              <a:rPr lang="en-US" dirty="0"/>
-              <a:t>Treatment</a:t>
-            </a:r>
-          </a:p>
-        </p:txBody>
-      </p:sp>
-      <p:sp>
-        <p:nvSpPr>
-          <p:cNvPr id="10" name="Content Placeholder 3">
-            <a:extLst>
-              <a:ext uri="{FF2B5EF4-FFF2-40B4-BE49-F238E27FC236}">
-                <a16:creationId xmlns:a16="http://schemas.microsoft.com/office/drawing/2014/main" id="{C13FAB15-B949-4E6C-8704-62614F9BDA37}"/>
-              </a:ext>
-            </a:extLst>
-          </p:cNvPr>
-          <p:cNvSpPr txBox="1">
-            <a:spLocks/>
-          </p:cNvSpPr>
-          <p:nvPr/>
-        </p:nvSpPr>
-        <p:spPr>
-          <a:xfrm>
-            <a:off x="7489788" y="1748348"/>
-            <a:ext cx="3484562" cy="3684588"/>
-          </a:xfrm>
-          <a:prstGeom prst="rect">
-            <a:avLst/>
-          </a:prstGeom>
-        </p:spPr>
-        <p:txBody>
-          <a:bodyPr vert="horz" lIns="91440" tIns="45720" rIns="91440" bIns="45720" rtlCol="0">
-            <a:normAutofit/>
-          </a:bodyPr>
-          <a:lstStyle>
-            <a:lvl1pPr marL="228600" indent="-228600" algn="l" defTabSz="914400" rtl="0" eaLnBrk="1" latinLnBrk="0" hangingPunct="1">
-              <a:lnSpc>
-                <a:spcPct val="90000"/>
-              </a:lnSpc>
-              <a:spcBef>
-                <a:spcPts val="1000"/>
-              </a:spcBef>
-              <a:buFont typeface="Arial" panose="020B0604020202020204" pitchFamily="34" charset="0"/>
-              <a:buChar char="•"/>
-              <a:defRPr sz="2800" kern="1200">
-                <a:solidFill>
-                  <a:schemeClr val="tx1"/>
-                </a:solidFill>
-                <a:latin typeface="+mn-lt"/>
-                <a:ea typeface="+mn-ea"/>
-                <a:cs typeface="+mn-cs"/>
-              </a:defRPr>
-            </a:lvl1pPr>
-            <a:lvl2pPr marL="685800" indent="-228600" algn="l" defTabSz="914400" rtl="0" eaLnBrk="1" latinLnBrk="0" hangingPunct="1">
-              <a:lnSpc>
-                <a:spcPct val="90000"/>
-              </a:lnSpc>
-              <a:spcBef>
-                <a:spcPts val="500"/>
-              </a:spcBef>
-              <a:buFont typeface="Arial" panose="020B0604020202020204" pitchFamily="34" charset="0"/>
-              <a:buChar char="•"/>
-              <a:defRPr sz="2400" kern="1200">
-                <a:solidFill>
-                  <a:schemeClr val="tx1"/>
-                </a:solidFill>
-                <a:latin typeface="+mn-lt"/>
-                <a:ea typeface="+mn-ea"/>
-                <a:cs typeface="+mn-cs"/>
-              </a:defRPr>
-            </a:lvl2pPr>
-            <a:lvl3pPr marL="1143000" indent="-228600" algn="l" defTabSz="914400" rtl="0" eaLnBrk="1" latinLnBrk="0" hangingPunct="1">
-              <a:lnSpc>
-                <a:spcPct val="90000"/>
-              </a:lnSpc>
-              <a:spcBef>
-                <a:spcPts val="500"/>
-              </a:spcBef>
-              <a:buFont typeface="Arial" panose="020B0604020202020204" pitchFamily="34" charset="0"/>
-              <a:buChar char="•"/>
-              <a:defRPr sz="2000" kern="1200">
-                <a:solidFill>
-                  <a:schemeClr val="tx1"/>
-                </a:solidFill>
-                <a:latin typeface="+mn-lt"/>
-                <a:ea typeface="+mn-ea"/>
-                <a:cs typeface="+mn-cs"/>
-              </a:defRPr>
-            </a:lvl3pPr>
-            <a:lvl4pPr marL="1600200" indent="-228600" algn="l" defTabSz="914400" rtl="0" eaLnBrk="1" latinLnBrk="0" hangingPunct="1">
-              <a:lnSpc>
-                <a:spcPct val="90000"/>
-              </a:lnSpc>
-              <a:spcBef>
-                <a:spcPts val="500"/>
-              </a:spcBef>
-              <a:buFont typeface="Arial" panose="020B0604020202020204" pitchFamily="34" charset="0"/>
-              <a:buChar char="•"/>
-              <a:defRPr sz="1800" kern="1200">
-                <a:solidFill>
-                  <a:schemeClr val="tx1"/>
-                </a:solidFill>
-                <a:latin typeface="+mn-lt"/>
-                <a:ea typeface="+mn-ea"/>
-                <a:cs typeface="+mn-cs"/>
-              </a:defRPr>
-            </a:lvl4pPr>
-            <a:lvl5pPr marL="2057400" indent="-228600" algn="l" defTabSz="914400" rtl="0" eaLnBrk="1" latinLnBrk="0" hangingPunct="1">
-              <a:lnSpc>
-                <a:spcPct val="90000"/>
-              </a:lnSpc>
-              <a:spcBef>
-                <a:spcPts val="500"/>
-              </a:spcBef>
-              <a:buFont typeface="Arial" panose="020B0604020202020204" pitchFamily="34" charset="0"/>
-              <a:buChar char="•"/>
-              <a:defRPr sz="1800" kern="1200">
-                <a:solidFill>
-                  <a:schemeClr val="tx1"/>
-                </a:solidFill>
-                <a:latin typeface="+mn-lt"/>
-                <a:ea typeface="+mn-ea"/>
-                <a:cs typeface="+mn-cs"/>
-              </a:defRPr>
-            </a:lvl5pPr>
-            <a:lvl6pPr marL="2514600" indent="-228600" algn="l" defTabSz="914400" rtl="0" eaLnBrk="1" latinLnBrk="0" hangingPunct="1">
-              <a:lnSpc>
-                <a:spcPct val="90000"/>
-              </a:lnSpc>
-              <a:spcBef>
-                <a:spcPts val="500"/>
-              </a:spcBef>
-              <a:buFont typeface="Arial" panose="020B0604020202020204" pitchFamily="34" charset="0"/>
-              <a:buChar char="•"/>
-              <a:defRPr sz="1800" kern="1200">
-                <a:solidFill>
-                  <a:schemeClr val="tx1"/>
-                </a:solidFill>
-                <a:latin typeface="+mn-lt"/>
-                <a:ea typeface="+mn-ea"/>
-                <a:cs typeface="+mn-cs"/>
-              </a:defRPr>
-            </a:lvl6pPr>
-            <a:lvl7pPr marL="2971800" indent="-228600" algn="l" defTabSz="914400" rtl="0" eaLnBrk="1" latinLnBrk="0" hangingPunct="1">
-              <a:lnSpc>
-                <a:spcPct val="90000"/>
-              </a:lnSpc>
-              <a:spcBef>
-                <a:spcPts val="500"/>
-              </a:spcBef>
-              <a:buFont typeface="Arial" panose="020B0604020202020204" pitchFamily="34" charset="0"/>
-              <a:buChar char="•"/>
-              <a:defRPr sz="1800" kern="1200">
-                <a:solidFill>
-                  <a:schemeClr val="tx1"/>
-                </a:solidFill>
-                <a:latin typeface="+mn-lt"/>
-                <a:ea typeface="+mn-ea"/>
-                <a:cs typeface="+mn-cs"/>
-              </a:defRPr>
-            </a:lvl7pPr>
-            <a:lvl8pPr marL="3429000" indent="-228600" algn="l" defTabSz="914400" rtl="0" eaLnBrk="1" latinLnBrk="0" hangingPunct="1">
-              <a:lnSpc>
-                <a:spcPct val="90000"/>
-              </a:lnSpc>
-              <a:spcBef>
-                <a:spcPts val="500"/>
-              </a:spcBef>
-              <a:buFont typeface="Arial" panose="020B0604020202020204" pitchFamily="34" charset="0"/>
-              <a:buChar char="•"/>
-              <a:defRPr sz="1800" kern="1200">
-                <a:solidFill>
-                  <a:schemeClr val="tx1"/>
-                </a:solidFill>
-                <a:latin typeface="+mn-lt"/>
-                <a:ea typeface="+mn-ea"/>
-                <a:cs typeface="+mn-cs"/>
-              </a:defRPr>
-            </a:lvl8pPr>
-            <a:lvl9pPr marL="3886200" indent="-228600" algn="l" defTabSz="914400" rtl="0" eaLnBrk="1" latinLnBrk="0" hangingPunct="1">
-              <a:lnSpc>
-                <a:spcPct val="90000"/>
-              </a:lnSpc>
-              <a:spcBef>
-                <a:spcPts val="500"/>
-              </a:spcBef>
-              <a:buFont typeface="Arial" panose="020B0604020202020204" pitchFamily="34" charset="0"/>
-              <a:buChar char="•"/>
-              <a:defRPr sz="1800" kern="1200">
-                <a:solidFill>
-                  <a:schemeClr val="tx1"/>
-                </a:solidFill>
-                <a:latin typeface="+mn-lt"/>
-                <a:ea typeface="+mn-ea"/>
-                <a:cs typeface="+mn-cs"/>
-              </a:defRPr>
-            </a:lvl9pPr>
-          </a:lstStyle>
-          <a:p>
-            <a:r>
-              <a:rPr lang="en-US" dirty="0"/>
-              <a:t>1 mesh cage</a:t>
-            </a:r>
-          </a:p>
-          <a:p>
-            <a:r>
-              <a:rPr lang="en-US" dirty="0"/>
-              <a:t>2 trap jars</a:t>
-            </a:r>
-          </a:p>
-          <a:p>
-            <a:pPr lvl="1"/>
-            <a:r>
-              <a:rPr lang="en-US" dirty="0"/>
-              <a:t>10% juice</a:t>
-            </a:r>
-          </a:p>
-          <a:p>
-            <a:pPr lvl="1"/>
-            <a:r>
-              <a:rPr lang="en-US" dirty="0"/>
-              <a:t>90% culture broth </a:t>
-            </a:r>
-          </a:p>
-          <a:p>
-            <a:pPr lvl="1"/>
-            <a:r>
-              <a:rPr lang="en-US" dirty="0"/>
-              <a:t>Microbes </a:t>
-            </a:r>
-          </a:p>
-        </p:txBody>
-      </p:sp>
-      <p:pic>
-        <p:nvPicPr>
-          <p:cNvPr id="3078" name="Picture 6" descr="Mini Mason Jars In Bulk 4 Oz Ball Half Pint Wide Mouth Glass Bottles Jelly Jar With Ounce Walmart Love Blue">
-            <a:extLst>
-              <a:ext uri="{FF2B5EF4-FFF2-40B4-BE49-F238E27FC236}">
-                <a16:creationId xmlns:a16="http://schemas.microsoft.com/office/drawing/2014/main" id="{76D8FFA2-A2ED-4D0C-AA00-CDCA232ABCC7}"/>
-              </a:ext>
-            </a:extLst>
-          </p:cNvPr>
-          <p:cNvPicPr>
-            <a:picLocks noChangeAspect="1" noChangeArrowheads="1"/>
-          </p:cNvPicPr>
-          <p:nvPr/>
-        </p:nvPicPr>
-        <p:blipFill rotWithShape="1">
-          <a:blip r:embed="rId2">
-            <a:extLst>
-              <a:ext uri="{28A0092B-C50C-407E-A947-70E740481C1C}">
-                <a14:useLocalDpi xmlns:a14="http://schemas.microsoft.com/office/drawing/2010/main" val="0"/>
-              </a:ext>
-            </a:extLst>
-          </a:blip>
-          <a:srcRect t="13963" r="14441" b="4077"/>
-          <a:stretch/>
-        </p:blipFill>
-        <p:spPr bwMode="auto">
-          <a:xfrm>
-            <a:off x="1221897" y="4984392"/>
-            <a:ext cx="1955891" cy="1873608"/>
-          </a:xfrm>
-          <a:prstGeom prst="rect">
-            <a:avLst/>
-          </a:prstGeom>
-          <a:noFill/>
-          <a:extLst>
-            <a:ext uri="{909E8E84-426E-40DD-AFC4-6F175D3DCCD1}">
-              <a14:hiddenFill xmlns:a14="http://schemas.microsoft.com/office/drawing/2010/main">
-                <a:solidFill>
-                  <a:srgbClr val="FFFFFF"/>
-                </a:solidFill>
-              </a14:hiddenFill>
-            </a:ext>
-          </a:extLst>
-        </p:spPr>
-      </p:pic>
-      <p:pic>
-        <p:nvPicPr>
-          <p:cNvPr id="3080" name="Picture 8" descr="http://www.downloadclipart.net/thumb/24855-test-tube-icon.png">
-            <a:extLst>
-              <a:ext uri="{FF2B5EF4-FFF2-40B4-BE49-F238E27FC236}">
-                <a16:creationId xmlns:a16="http://schemas.microsoft.com/office/drawing/2014/main" id="{39BFD12A-58EF-493C-9E29-5AB4F486D45D}"/>
-              </a:ext>
-            </a:extLst>
-          </p:cNvPr>
-          <p:cNvPicPr>
-            <a:picLocks noChangeAspect="1" noChangeArrowheads="1"/>
-          </p:cNvPicPr>
-          <p:nvPr/>
-        </p:nvPicPr>
-        <p:blipFill rotWithShape="1">
-          <a:blip r:embed="rId3">
-            <a:extLst>
-              <a:ext uri="{28A0092B-C50C-407E-A947-70E740481C1C}">
-                <a14:useLocalDpi xmlns:a14="http://schemas.microsoft.com/office/drawing/2010/main" val="0"/>
-              </a:ext>
-            </a:extLst>
-          </a:blip>
-          <a:srcRect b="25829"/>
-          <a:stretch/>
-        </p:blipFill>
-        <p:spPr bwMode="auto">
-          <a:xfrm>
-            <a:off x="1543195" y="4409542"/>
-            <a:ext cx="670699" cy="830510"/>
-          </a:xfrm>
-          <a:prstGeom prst="rect">
-            <a:avLst/>
-          </a:prstGeom>
-          <a:noFill/>
-          <a:extLst>
-            <a:ext uri="{909E8E84-426E-40DD-AFC4-6F175D3DCCD1}">
-              <a14:hiddenFill xmlns:a14="http://schemas.microsoft.com/office/drawing/2010/main">
-                <a:solidFill>
-                  <a:srgbClr val="FFFFFF"/>
-                </a:solidFill>
-              </a14:hiddenFill>
-            </a:ext>
-          </a:extLst>
-        </p:spPr>
-      </p:pic>
-      <p:pic>
-        <p:nvPicPr>
-          <p:cNvPr id="3082" name="Picture 10" descr="Image result for inlet septa png">
-            <a:extLst>
-              <a:ext uri="{FF2B5EF4-FFF2-40B4-BE49-F238E27FC236}">
-                <a16:creationId xmlns:a16="http://schemas.microsoft.com/office/drawing/2014/main" id="{C633C94C-0BA0-4B1D-B62D-B4613026B998}"/>
-              </a:ext>
-            </a:extLst>
-          </p:cNvPr>
-          <p:cNvPicPr>
-            <a:picLocks noChangeAspect="1" noChangeArrowheads="1"/>
-          </p:cNvPicPr>
-          <p:nvPr/>
-        </p:nvPicPr>
-        <p:blipFill rotWithShape="1">
-          <a:blip r:embed="rId4">
-            <a:extLst>
-              <a:ext uri="{28A0092B-C50C-407E-A947-70E740481C1C}">
-                <a14:useLocalDpi xmlns:a14="http://schemas.microsoft.com/office/drawing/2010/main" val="0"/>
-              </a:ext>
-            </a:extLst>
-          </a:blip>
-          <a:srcRect l="23594" t="26377" r="26898" b="26845"/>
-          <a:stretch/>
-        </p:blipFill>
-        <p:spPr bwMode="auto">
-          <a:xfrm rot="580014">
-            <a:off x="2535192" y="5154852"/>
-            <a:ext cx="180348" cy="170400"/>
-          </a:xfrm>
-          <a:prstGeom prst="flowChartConnector">
-            <a:avLst/>
-          </a:prstGeom>
-          <a:noFill/>
-          <a:extLst>
-            <a:ext uri="{909E8E84-426E-40DD-AFC4-6F175D3DCCD1}">
-              <a14:hiddenFill xmlns:a14="http://schemas.microsoft.com/office/drawing/2010/main">
-                <a:solidFill>
-                  <a:srgbClr val="FFFFFF"/>
-                </a:solidFill>
-              </a14:hiddenFill>
-            </a:ext>
-          </a:extLst>
-        </p:spPr>
-      </p:pic>
-      <p:pic>
-        <p:nvPicPr>
-          <p:cNvPr id="21" name="Picture 6" descr="Mini Mason Jars In Bulk 4 Oz Ball Half Pint Wide Mouth Glass Bottles Jelly Jar With Ounce Walmart Love Blue">
-            <a:extLst>
-              <a:ext uri="{FF2B5EF4-FFF2-40B4-BE49-F238E27FC236}">
-                <a16:creationId xmlns:a16="http://schemas.microsoft.com/office/drawing/2014/main" id="{4B999A72-6640-41A8-AFA1-3BFF6F08761E}"/>
-              </a:ext>
-            </a:extLst>
-          </p:cNvPr>
-          <p:cNvPicPr>
-            <a:picLocks noChangeAspect="1" noChangeArrowheads="1"/>
-          </p:cNvPicPr>
-          <p:nvPr/>
-        </p:nvPicPr>
-        <p:blipFill rotWithShape="1">
-          <a:blip r:embed="rId2">
-            <a:extLst>
-              <a:ext uri="{28A0092B-C50C-407E-A947-70E740481C1C}">
-                <a14:useLocalDpi xmlns:a14="http://schemas.microsoft.com/office/drawing/2010/main" val="0"/>
-              </a:ext>
-            </a:extLst>
-          </a:blip>
-          <a:srcRect t="13963" r="14441" b="4077"/>
-          <a:stretch/>
-        </p:blipFill>
-        <p:spPr bwMode="auto">
-          <a:xfrm>
-            <a:off x="5027757" y="4984392"/>
-            <a:ext cx="1955891" cy="1873608"/>
-          </a:xfrm>
-          <a:prstGeom prst="rect">
-            <a:avLst/>
-          </a:prstGeom>
-          <a:noFill/>
-          <a:extLst>
-            <a:ext uri="{909E8E84-426E-40DD-AFC4-6F175D3DCCD1}">
-              <a14:hiddenFill xmlns:a14="http://schemas.microsoft.com/office/drawing/2010/main">
-                <a:solidFill>
-                  <a:srgbClr val="FFFFFF"/>
-                </a:solidFill>
-              </a14:hiddenFill>
-            </a:ext>
-          </a:extLst>
-        </p:spPr>
-      </p:pic>
-      <p:pic>
-        <p:nvPicPr>
-          <p:cNvPr id="22" name="Picture 8" descr="http://www.downloadclipart.net/thumb/24855-test-tube-icon.png">
-            <a:extLst>
-              <a:ext uri="{FF2B5EF4-FFF2-40B4-BE49-F238E27FC236}">
-                <a16:creationId xmlns:a16="http://schemas.microsoft.com/office/drawing/2014/main" id="{56DCC87C-935C-4A51-A88C-6B0F97B54FE3}"/>
-              </a:ext>
-            </a:extLst>
-          </p:cNvPr>
-          <p:cNvPicPr>
-            <a:picLocks noChangeAspect="1" noChangeArrowheads="1"/>
-          </p:cNvPicPr>
-          <p:nvPr/>
-        </p:nvPicPr>
-        <p:blipFill rotWithShape="1">
-          <a:blip r:embed="rId3">
-            <a:extLst>
-              <a:ext uri="{28A0092B-C50C-407E-A947-70E740481C1C}">
-                <a14:useLocalDpi xmlns:a14="http://schemas.microsoft.com/office/drawing/2010/main" val="0"/>
-              </a:ext>
-            </a:extLst>
-          </a:blip>
-          <a:srcRect b="25829"/>
-          <a:stretch/>
-        </p:blipFill>
-        <p:spPr bwMode="auto">
-          <a:xfrm>
-            <a:off x="5349055" y="4409542"/>
-            <a:ext cx="670699" cy="830510"/>
-          </a:xfrm>
-          <a:prstGeom prst="rect">
-            <a:avLst/>
-          </a:prstGeom>
-          <a:noFill/>
-          <a:extLst>
-            <a:ext uri="{909E8E84-426E-40DD-AFC4-6F175D3DCCD1}">
-              <a14:hiddenFill xmlns:a14="http://schemas.microsoft.com/office/drawing/2010/main">
-                <a:solidFill>
-                  <a:srgbClr val="FFFFFF"/>
-                </a:solidFill>
-              </a14:hiddenFill>
-            </a:ext>
-          </a:extLst>
-        </p:spPr>
-      </p:pic>
-      <p:pic>
-        <p:nvPicPr>
-          <p:cNvPr id="23" name="Picture 10" descr="Image result for inlet septa png">
-            <a:extLst>
-              <a:ext uri="{FF2B5EF4-FFF2-40B4-BE49-F238E27FC236}">
-                <a16:creationId xmlns:a16="http://schemas.microsoft.com/office/drawing/2014/main" id="{268DB714-0E0E-45E5-BC47-CBC6A3640D60}"/>
-              </a:ext>
-            </a:extLst>
-          </p:cNvPr>
-          <p:cNvPicPr>
-            <a:picLocks noChangeAspect="1" noChangeArrowheads="1"/>
-          </p:cNvPicPr>
-          <p:nvPr/>
-        </p:nvPicPr>
-        <p:blipFill rotWithShape="1">
-          <a:blip r:embed="rId4">
-            <a:extLst>
-              <a:ext uri="{28A0092B-C50C-407E-A947-70E740481C1C}">
-                <a14:useLocalDpi xmlns:a14="http://schemas.microsoft.com/office/drawing/2010/main" val="0"/>
-              </a:ext>
-            </a:extLst>
-          </a:blip>
-          <a:srcRect l="23594" t="26377" r="26898" b="26845"/>
-          <a:stretch/>
-        </p:blipFill>
-        <p:spPr bwMode="auto">
-          <a:xfrm rot="580014">
-            <a:off x="6341052" y="5154852"/>
-            <a:ext cx="180348" cy="170400"/>
-          </a:xfrm>
-          <a:prstGeom prst="flowChartConnector">
-            <a:avLst/>
-          </a:prstGeom>
-          <a:noFill/>
-          <a:extLst>
-            <a:ext uri="{909E8E84-426E-40DD-AFC4-6F175D3DCCD1}">
-              <a14:hiddenFill xmlns:a14="http://schemas.microsoft.com/office/drawing/2010/main">
-                <a:solidFill>
-                  <a:srgbClr val="FFFFFF"/>
-                </a:solidFill>
-              </a14:hiddenFill>
-            </a:ext>
-          </a:extLst>
-        </p:spPr>
-      </p:pic>
-      <p:pic>
-        <p:nvPicPr>
-          <p:cNvPr id="24" name="Picture 6" descr="Mini Mason Jars In Bulk 4 Oz Ball Half Pint Wide Mouth Glass Bottles Jelly Jar With Ounce Walmart Love Blue">
-            <a:extLst>
-              <a:ext uri="{FF2B5EF4-FFF2-40B4-BE49-F238E27FC236}">
-                <a16:creationId xmlns:a16="http://schemas.microsoft.com/office/drawing/2014/main" id="{C0D191D1-BB39-4B8F-985D-8427A910A1DA}"/>
-              </a:ext>
-            </a:extLst>
-          </p:cNvPr>
-          <p:cNvPicPr>
-            <a:picLocks noChangeAspect="1" noChangeArrowheads="1"/>
-          </p:cNvPicPr>
-          <p:nvPr/>
-        </p:nvPicPr>
-        <p:blipFill rotWithShape="1">
-          <a:blip r:embed="rId2">
-            <a:extLst>
-              <a:ext uri="{28A0092B-C50C-407E-A947-70E740481C1C}">
-                <a14:useLocalDpi xmlns:a14="http://schemas.microsoft.com/office/drawing/2010/main" val="0"/>
-              </a:ext>
-            </a:extLst>
-          </a:blip>
-          <a:srcRect t="13963" r="14441" b="4077"/>
-          <a:stretch/>
-        </p:blipFill>
-        <p:spPr bwMode="auto">
-          <a:xfrm>
-            <a:off x="8447229" y="4984392"/>
-            <a:ext cx="1955891" cy="1873608"/>
-          </a:xfrm>
-          <a:prstGeom prst="rect">
-            <a:avLst/>
-          </a:prstGeom>
-          <a:noFill/>
-          <a:extLst>
-            <a:ext uri="{909E8E84-426E-40DD-AFC4-6F175D3DCCD1}">
-              <a14:hiddenFill xmlns:a14="http://schemas.microsoft.com/office/drawing/2010/main">
-                <a:solidFill>
-                  <a:srgbClr val="FFFFFF"/>
-                </a:solidFill>
-              </a14:hiddenFill>
-            </a:ext>
-          </a:extLst>
-        </p:spPr>
-      </p:pic>
-      <p:pic>
-        <p:nvPicPr>
-          <p:cNvPr id="25" name="Picture 8" descr="http://www.downloadclipart.net/thumb/24855-test-tube-icon.png">
-            <a:extLst>
-              <a:ext uri="{FF2B5EF4-FFF2-40B4-BE49-F238E27FC236}">
-                <a16:creationId xmlns:a16="http://schemas.microsoft.com/office/drawing/2014/main" id="{544D7004-46C5-46E8-A5B3-1DCDBF3AE8D9}"/>
-              </a:ext>
-            </a:extLst>
-          </p:cNvPr>
-          <p:cNvPicPr>
-            <a:picLocks noChangeAspect="1" noChangeArrowheads="1"/>
-          </p:cNvPicPr>
-          <p:nvPr/>
-        </p:nvPicPr>
-        <p:blipFill rotWithShape="1">
-          <a:blip r:embed="rId3">
-            <a:extLst>
-              <a:ext uri="{28A0092B-C50C-407E-A947-70E740481C1C}">
-                <a14:useLocalDpi xmlns:a14="http://schemas.microsoft.com/office/drawing/2010/main" val="0"/>
-              </a:ext>
-            </a:extLst>
-          </a:blip>
-          <a:srcRect b="25829"/>
-          <a:stretch/>
-        </p:blipFill>
-        <p:spPr bwMode="auto">
-          <a:xfrm>
-            <a:off x="8768527" y="4409542"/>
-            <a:ext cx="670699" cy="830510"/>
-          </a:xfrm>
-          <a:prstGeom prst="rect">
-            <a:avLst/>
-          </a:prstGeom>
-          <a:noFill/>
-          <a:extLst>
-            <a:ext uri="{909E8E84-426E-40DD-AFC4-6F175D3DCCD1}">
-              <a14:hiddenFill xmlns:a14="http://schemas.microsoft.com/office/drawing/2010/main">
-                <a:solidFill>
-                  <a:srgbClr val="FFFFFF"/>
-                </a:solidFill>
-              </a14:hiddenFill>
-            </a:ext>
-          </a:extLst>
-        </p:spPr>
-      </p:pic>
-      <p:pic>
-        <p:nvPicPr>
-          <p:cNvPr id="26" name="Picture 10" descr="Image result for inlet septa png">
-            <a:extLst>
-              <a:ext uri="{FF2B5EF4-FFF2-40B4-BE49-F238E27FC236}">
-                <a16:creationId xmlns:a16="http://schemas.microsoft.com/office/drawing/2014/main" id="{EB8F3367-C9DF-4C7A-A1EE-20414AAD6096}"/>
-              </a:ext>
-            </a:extLst>
-          </p:cNvPr>
-          <p:cNvPicPr>
-            <a:picLocks noChangeAspect="1" noChangeArrowheads="1"/>
-          </p:cNvPicPr>
-          <p:nvPr/>
-        </p:nvPicPr>
-        <p:blipFill rotWithShape="1">
-          <a:blip r:embed="rId4">
-            <a:extLst>
-              <a:ext uri="{28A0092B-C50C-407E-A947-70E740481C1C}">
-                <a14:useLocalDpi xmlns:a14="http://schemas.microsoft.com/office/drawing/2010/main" val="0"/>
-              </a:ext>
-            </a:extLst>
-          </a:blip>
-          <a:srcRect l="23594" t="26377" r="26898" b="26845"/>
-          <a:stretch/>
-        </p:blipFill>
-        <p:spPr bwMode="auto">
-          <a:xfrm rot="580014">
-            <a:off x="9760524" y="5154852"/>
-            <a:ext cx="180348" cy="170400"/>
-          </a:xfrm>
-          <a:prstGeom prst="flowChartConnector">
-            <a:avLst/>
-          </a:prstGeom>
-          <a:noFill/>
-          <a:extLst>
-            <a:ext uri="{909E8E84-426E-40DD-AFC4-6F175D3DCCD1}">
-              <a14:hiddenFill xmlns:a14="http://schemas.microsoft.com/office/drawing/2010/main">
-                <a:solidFill>
-                  <a:srgbClr val="FFFFFF"/>
-                </a:solidFill>
-              </a14:hiddenFill>
-            </a:ext>
-          </a:extLst>
-        </p:spPr>
-      </p:pic>
-      <p:sp>
-        <p:nvSpPr>
-          <p:cNvPr id="29" name="Trapezoid 28">
-            <a:extLst>
-              <a:ext uri="{FF2B5EF4-FFF2-40B4-BE49-F238E27FC236}">
-                <a16:creationId xmlns:a16="http://schemas.microsoft.com/office/drawing/2014/main" id="{EC6D7ABD-7A20-492F-8FA0-991C8891E702}"/>
-              </a:ext>
-            </a:extLst>
-          </p:cNvPr>
-          <p:cNvSpPr/>
-          <p:nvPr/>
-        </p:nvSpPr>
-        <p:spPr>
-          <a:xfrm flipV="1">
-            <a:off x="5499637" y="6125570"/>
-            <a:ext cx="1342239" cy="411060"/>
-          </a:xfrm>
-          <a:prstGeom prst="trapezoid">
-            <a:avLst>
-              <a:gd name="adj" fmla="val 22379"/>
-            </a:avLst>
-          </a:prstGeom>
-          <a:solidFill>
-            <a:schemeClr val="bg1"/>
-          </a:solidFill>
-          <a:ln w="19050"/>
-        </p:spPr>
-        <p:style>
-          <a:lnRef idx="2">
-            <a:schemeClr val="accent1">
-              <a:shade val="50000"/>
-            </a:schemeClr>
-          </a:lnRef>
-          <a:fillRef idx="1">
-            <a:schemeClr val="accent1"/>
-          </a:fillRef>
-          <a:effectRef idx="0">
-            <a:schemeClr val="accent1"/>
-          </a:effectRef>
-          <a:fontRef idx="minor">
-            <a:schemeClr val="lt1"/>
-          </a:fontRef>
-        </p:style>
-        <p:txBody>
-          <a:bodyPr rtlCol="0" anchor="ctr"/>
-          <a:lstStyle/>
-          <a:p>
-            <a:pPr algn="ctr"/>
-            <a:endParaRPr lang="en-US" dirty="0"/>
-          </a:p>
-        </p:txBody>
-      </p:sp>
-      <p:sp>
-        <p:nvSpPr>
-          <p:cNvPr id="30" name="Trapezoid 29">
-            <a:extLst>
-              <a:ext uri="{FF2B5EF4-FFF2-40B4-BE49-F238E27FC236}">
-                <a16:creationId xmlns:a16="http://schemas.microsoft.com/office/drawing/2014/main" id="{96239342-2FB0-4E4F-9C46-55B4083481EC}"/>
-              </a:ext>
-            </a:extLst>
-          </p:cNvPr>
-          <p:cNvSpPr/>
-          <p:nvPr/>
-        </p:nvSpPr>
-        <p:spPr>
-          <a:xfrm flipV="1">
-            <a:off x="5499637" y="6125570"/>
-            <a:ext cx="1342239" cy="167874"/>
-          </a:xfrm>
-          <a:prstGeom prst="trapezoid">
-            <a:avLst>
-              <a:gd name="adj" fmla="val 22379"/>
-            </a:avLst>
-          </a:prstGeom>
-        </p:spPr>
-        <p:style>
-          <a:lnRef idx="2">
-            <a:schemeClr val="accent1">
-              <a:shade val="50000"/>
-            </a:schemeClr>
-          </a:lnRef>
-          <a:fillRef idx="1">
-            <a:schemeClr val="accent1"/>
-          </a:fillRef>
-          <a:effectRef idx="0">
-            <a:schemeClr val="accent1"/>
-          </a:effectRef>
-          <a:fontRef idx="minor">
-            <a:schemeClr val="lt1"/>
-          </a:fontRef>
-        </p:style>
-        <p:txBody>
-          <a:bodyPr rtlCol="0" anchor="ctr"/>
-          <a:lstStyle/>
-          <a:p>
-            <a:pPr algn="ctr"/>
-            <a:endParaRPr lang="en-US"/>
-          </a:p>
-        </p:txBody>
-      </p:sp>
-      <p:sp>
-        <p:nvSpPr>
-          <p:cNvPr id="17" name="TextBox 16">
-            <a:extLst>
-              <a:ext uri="{FF2B5EF4-FFF2-40B4-BE49-F238E27FC236}">
-                <a16:creationId xmlns:a16="http://schemas.microsoft.com/office/drawing/2014/main" id="{57F69EB2-D36E-459D-A752-0D55CE7DF62E}"/>
-              </a:ext>
-            </a:extLst>
-          </p:cNvPr>
-          <p:cNvSpPr txBox="1"/>
-          <p:nvPr/>
-        </p:nvSpPr>
-        <p:spPr>
-          <a:xfrm>
-            <a:off x="5490112" y="6255767"/>
-            <a:ext cx="1342239" cy="338554"/>
-          </a:xfrm>
-          <a:prstGeom prst="rect">
-            <a:avLst/>
-          </a:prstGeom>
-          <a:noFill/>
-        </p:spPr>
-        <p:txBody>
-          <a:bodyPr wrap="square" rtlCol="0">
-            <a:spAutoFit/>
-          </a:bodyPr>
-          <a:lstStyle/>
-          <a:p>
-            <a:pPr algn="ctr"/>
-            <a:r>
-              <a:rPr lang="en-US" sz="1600" b="1" dirty="0"/>
-              <a:t>90% BROTH</a:t>
-            </a:r>
-          </a:p>
-        </p:txBody>
-      </p:sp>
-      <p:sp>
-        <p:nvSpPr>
-          <p:cNvPr id="32" name="TextBox 31">
-            <a:extLst>
-              <a:ext uri="{FF2B5EF4-FFF2-40B4-BE49-F238E27FC236}">
-                <a16:creationId xmlns:a16="http://schemas.microsoft.com/office/drawing/2014/main" id="{6A1DF021-B5CE-411A-919E-141FA46A6C96}"/>
-              </a:ext>
-            </a:extLst>
-          </p:cNvPr>
-          <p:cNvSpPr txBox="1"/>
-          <p:nvPr/>
-        </p:nvSpPr>
-        <p:spPr>
-          <a:xfrm>
-            <a:off x="5480587" y="6040230"/>
-            <a:ext cx="1342239" cy="338554"/>
-          </a:xfrm>
-          <a:prstGeom prst="rect">
-            <a:avLst/>
-          </a:prstGeom>
-          <a:noFill/>
-        </p:spPr>
-        <p:txBody>
-          <a:bodyPr wrap="square" rtlCol="0">
-            <a:spAutoFit/>
-          </a:bodyPr>
-          <a:lstStyle/>
-          <a:p>
-            <a:pPr algn="ctr"/>
-            <a:r>
-              <a:rPr lang="en-US" sz="1600" b="1" dirty="0">
-                <a:solidFill>
-                  <a:schemeClr val="bg1"/>
-                </a:solidFill>
-              </a:rPr>
-              <a:t>10% JUICE</a:t>
-            </a:r>
-          </a:p>
-        </p:txBody>
-      </p:sp>
-      <p:pic>
-        <p:nvPicPr>
-          <p:cNvPr id="18" name="Picture 17">
-            <a:extLst>
-              <a:ext uri="{FF2B5EF4-FFF2-40B4-BE49-F238E27FC236}">
-                <a16:creationId xmlns:a16="http://schemas.microsoft.com/office/drawing/2014/main" id="{3206B3BF-A846-43DC-8C19-2A7AF6F99970}"/>
-              </a:ext>
-            </a:extLst>
-          </p:cNvPr>
-          <p:cNvPicPr>
-            <a:picLocks noChangeAspect="1"/>
-          </p:cNvPicPr>
-          <p:nvPr/>
-        </p:nvPicPr>
-        <p:blipFill>
-          <a:blip r:embed="rId5"/>
-          <a:stretch>
-            <a:fillRect/>
-          </a:stretch>
-        </p:blipFill>
-        <p:spPr>
-          <a:xfrm>
-            <a:off x="8901321" y="6055668"/>
-            <a:ext cx="1377815" cy="646232"/>
-          </a:xfrm>
-          <a:prstGeom prst="rect">
-            <a:avLst/>
-          </a:prstGeom>
-        </p:spPr>
-      </p:pic>
-      <p:pic>
-        <p:nvPicPr>
-          <p:cNvPr id="3084" name="Picture 12" descr="Bacteria PNG">
-            <a:extLst>
-              <a:ext uri="{FF2B5EF4-FFF2-40B4-BE49-F238E27FC236}">
-                <a16:creationId xmlns:a16="http://schemas.microsoft.com/office/drawing/2014/main" id="{2DD1900F-6951-4E09-8906-B57380D2FBB7}"/>
-              </a:ext>
-            </a:extLst>
-          </p:cNvPr>
-          <p:cNvPicPr>
-            <a:picLocks noChangeAspect="1" noChangeArrowheads="1"/>
-          </p:cNvPicPr>
-          <p:nvPr/>
-        </p:nvPicPr>
-        <p:blipFill>
-          <a:blip r:embed="rId6">
-            <a:extLst>
-              <a:ext uri="{28A0092B-C50C-407E-A947-70E740481C1C}">
-                <a14:useLocalDpi xmlns:a14="http://schemas.microsoft.com/office/drawing/2010/main" val="0"/>
-              </a:ext>
-            </a:extLst>
-          </a:blip>
-          <a:srcRect/>
-          <a:stretch>
-            <a:fillRect/>
-          </a:stretch>
-        </p:blipFill>
-        <p:spPr bwMode="auto">
-          <a:xfrm>
-            <a:off x="10108251" y="5778204"/>
-            <a:ext cx="436373" cy="524051"/>
-          </a:xfrm>
-          <a:prstGeom prst="rect">
-            <a:avLst/>
-          </a:prstGeom>
-          <a:noFill/>
-          <a:extLst>
-            <a:ext uri="{909E8E84-426E-40DD-AFC4-6F175D3DCCD1}">
-              <a14:hiddenFill xmlns:a14="http://schemas.microsoft.com/office/drawing/2010/main">
-                <a:solidFill>
-                  <a:srgbClr val="FFFFFF"/>
-                </a:solidFill>
-              </a14:hiddenFill>
-            </a:ext>
-          </a:extLst>
-        </p:spPr>
-      </p:pic>
     </p:spTree>
     <p:extLst>
       <p:ext uri="{BB962C8B-B14F-4D97-AF65-F5344CB8AC3E}">
-        <p14:creationId xmlns:p14="http://schemas.microsoft.com/office/powerpoint/2010/main" val="1367611757"/>
+        <p14:creationId xmlns:p14="http://schemas.microsoft.com/office/powerpoint/2010/main" val="3303537968"/>
       </p:ext>
     </p:extLst>
   </p:cSld>
@@ -6065,559 +5487,361 @@
           <a:chExt cx="0" cy="0"/>
         </a:xfrm>
       </p:grpSpPr>
-      <p:sp>
-        <p:nvSpPr>
-          <p:cNvPr id="2" name="Title 1">
-            <a:extLst>
-              <a:ext uri="{FF2B5EF4-FFF2-40B4-BE49-F238E27FC236}">
-                <a16:creationId xmlns:a16="http://schemas.microsoft.com/office/drawing/2014/main" id="{BD671348-EEE4-42F5-9BB1-4D4374795508}"/>
-              </a:ext>
-            </a:extLst>
-          </p:cNvPr>
-          <p:cNvSpPr>
-            <a:spLocks noGrp="1"/>
-          </p:cNvSpPr>
-          <p:nvPr>
-            <p:ph type="title"/>
-          </p:nvPr>
-        </p:nvSpPr>
+      <p:pic>
+        <p:nvPicPr>
+          <p:cNvPr id="2" name="Content Placeholder 7" descr="A picture containing indoor, wall, white, sitting&#10;&#10;Description generated with very high confidence">
+            <a:extLst>
+              <a:ext uri="{FF2B5EF4-FFF2-40B4-BE49-F238E27FC236}">
+                <a16:creationId xmlns:a16="http://schemas.microsoft.com/office/drawing/2014/main" id="{4F008493-F592-4ED8-935F-FD69CD9F4709}"/>
+              </a:ext>
+            </a:extLst>
+          </p:cNvPr>
+          <p:cNvPicPr>
+            <a:picLocks noChangeAspect="1"/>
+          </p:cNvPicPr>
+          <p:nvPr/>
+        </p:nvPicPr>
+        <p:blipFill>
+          <a:blip r:embed="rId2">
+            <a:extLst>
+              <a:ext uri="{28A0092B-C50C-407E-A947-70E740481C1C}">
+                <a14:useLocalDpi xmlns:a14="http://schemas.microsoft.com/office/drawing/2010/main" val="0"/>
+              </a:ext>
+            </a:extLst>
+          </a:blip>
+          <a:stretch>
+            <a:fillRect/>
+          </a:stretch>
+        </p:blipFill>
         <p:spPr>
           <a:xfrm>
-            <a:off x="839788" y="322597"/>
-            <a:ext cx="3932237" cy="664828"/>
-          </a:xfrm>
-        </p:spPr>
-        <p:txBody>
-          <a:bodyPr/>
-          <a:lstStyle/>
-          <a:p>
-            <a:r>
-              <a:rPr lang="en-US" i="1" dirty="0"/>
-              <a:t>F. </a:t>
-            </a:r>
-            <a:r>
-              <a:rPr lang="en-US" i="1" dirty="0" err="1"/>
-              <a:t>faeni</a:t>
-            </a:r>
-            <a:r>
-              <a:rPr lang="en-US" i="1" dirty="0"/>
-              <a:t> </a:t>
-            </a:r>
-            <a:r>
-              <a:rPr lang="en-US" dirty="0"/>
-              <a:t>VOCs</a:t>
-            </a:r>
-          </a:p>
-        </p:txBody>
-      </p:sp>
-      <p:sp>
-        <p:nvSpPr>
-          <p:cNvPr id="4" name="Text Placeholder 3">
-            <a:extLst>
-              <a:ext uri="{FF2B5EF4-FFF2-40B4-BE49-F238E27FC236}">
-                <a16:creationId xmlns:a16="http://schemas.microsoft.com/office/drawing/2014/main" id="{F37E5DD9-9A4A-4EA9-89E6-779CEA3B20C6}"/>
-              </a:ext>
-            </a:extLst>
-          </p:cNvPr>
-          <p:cNvSpPr>
-            <a:spLocks noGrp="1"/>
-          </p:cNvSpPr>
-          <p:nvPr>
-            <p:ph type="body" sz="half" idx="2"/>
-          </p:nvPr>
-        </p:nvSpPr>
-        <p:spPr>
-          <a:xfrm>
-            <a:off x="839788" y="1233182"/>
-            <a:ext cx="3932237" cy="4635806"/>
-          </a:xfrm>
-        </p:spPr>
-        <p:txBody>
-          <a:bodyPr>
-            <a:normAutofit fontScale="85000" lnSpcReduction="20000"/>
-          </a:bodyPr>
-          <a:lstStyle/>
-          <a:p>
-            <a:r>
-              <a:rPr lang="en-US" dirty="0"/>
-              <a:t>Timolol</a:t>
-            </a:r>
-          </a:p>
-          <a:p>
-            <a:r>
-              <a:rPr lang="en-US" dirty="0"/>
-              <a:t>Carbonic acid, dimethyl ester</a:t>
-            </a:r>
-          </a:p>
-          <a:p>
-            <a:r>
-              <a:rPr lang="en-US" dirty="0"/>
-              <a:t>1-Butanol</a:t>
-            </a:r>
-          </a:p>
-          <a:p>
-            <a:r>
-              <a:rPr lang="en-US" dirty="0"/>
-              <a:t>1-Butanol, 3-methyl-</a:t>
-            </a:r>
-          </a:p>
-          <a:p>
-            <a:r>
-              <a:rPr lang="en-US" dirty="0"/>
-              <a:t>2-Nonanone</a:t>
-            </a:r>
-          </a:p>
-          <a:p>
-            <a:r>
-              <a:rPr lang="en-US" dirty="0"/>
-              <a:t>Benzene, 1,3-bis(1,1-dimethylethyl)-</a:t>
-            </a:r>
-          </a:p>
-          <a:p>
-            <a:r>
-              <a:rPr lang="en-US" dirty="0"/>
-              <a:t>Pyrazine, 3-ethyl-2,5-dimethyl-</a:t>
-            </a:r>
-          </a:p>
-          <a:p>
-            <a:r>
-              <a:rPr lang="en-US" dirty="0" err="1"/>
-              <a:t>Bicyclo</a:t>
-            </a:r>
-            <a:r>
-              <a:rPr lang="en-US" dirty="0"/>
-              <a:t>[2.2.1]heptan-2-ol, 1,7,7-trimethyl-, (1S-endo)-</a:t>
-            </a:r>
-          </a:p>
-          <a:p>
-            <a:r>
-              <a:rPr lang="en-US" dirty="0"/>
-              <a:t>1-Propanol, 3-(</a:t>
-            </a:r>
-            <a:r>
-              <a:rPr lang="en-US" dirty="0" err="1"/>
-              <a:t>methylthio</a:t>
-            </a:r>
-            <a:r>
-              <a:rPr lang="en-US" dirty="0"/>
-              <a:t>)-</a:t>
-            </a:r>
-          </a:p>
-          <a:p>
-            <a:r>
-              <a:rPr lang="en-US" dirty="0"/>
-              <a:t>(-)-Myrtenol</a:t>
-            </a:r>
-          </a:p>
-          <a:p>
-            <a:r>
-              <a:rPr lang="en-US" dirty="0"/>
-              <a:t>Benzyl alcohol</a:t>
-            </a:r>
-          </a:p>
-          <a:p>
-            <a:r>
-              <a:rPr lang="en-US" dirty="0"/>
-              <a:t>Phenylethyl Alcohol</a:t>
-            </a:r>
-          </a:p>
-          <a:p>
-            <a:r>
-              <a:rPr lang="en-US" dirty="0"/>
-              <a:t>3-Cyclohexene-1-ethanol, .beta.,4-dimethyl-</a:t>
-            </a:r>
-          </a:p>
-          <a:p>
-            <a:r>
-              <a:rPr lang="en-US" dirty="0"/>
-              <a:t>3-Cyclohexene-1-ethanol, .beta.,4-dimethyl-</a:t>
-            </a:r>
-          </a:p>
-          <a:p>
-            <a:r>
-              <a:rPr lang="en-US" dirty="0"/>
-              <a:t>p-Mentha-1(7),8(10)-dien-9-ol</a:t>
-            </a:r>
-          </a:p>
-          <a:p>
-            <a:r>
-              <a:rPr lang="en-US" dirty="0"/>
-              <a:t>Eugenol</a:t>
-            </a:r>
-          </a:p>
-        </p:txBody>
-      </p:sp>
-      <p:sp>
-        <p:nvSpPr>
-          <p:cNvPr id="7" name="Title 1">
-            <a:extLst>
-              <a:ext uri="{FF2B5EF4-FFF2-40B4-BE49-F238E27FC236}">
-                <a16:creationId xmlns:a16="http://schemas.microsoft.com/office/drawing/2014/main" id="{05C27BB4-FBE6-48DF-AB81-A5A5415E5E5E}"/>
-              </a:ext>
-            </a:extLst>
-          </p:cNvPr>
-          <p:cNvSpPr txBox="1">
-            <a:spLocks/>
-          </p:cNvSpPr>
-          <p:nvPr/>
-        </p:nvSpPr>
-        <p:spPr>
-          <a:xfrm>
-            <a:off x="6184973" y="322597"/>
-            <a:ext cx="3932237" cy="664828"/>
+            <a:off x="453704" y="133237"/>
+            <a:ext cx="5779671" cy="6563923"/>
           </a:xfrm>
           <a:prstGeom prst="rect">
             <a:avLst/>
           </a:prstGeom>
         </p:spPr>
-        <p:txBody>
-          <a:bodyPr vert="horz" lIns="91440" tIns="45720" rIns="91440" bIns="45720" rtlCol="0" anchor="b">
-            <a:normAutofit/>
-          </a:bodyPr>
-          <a:lstStyle>
-            <a:lvl1pPr algn="l" defTabSz="914400" rtl="0" eaLnBrk="1" latinLnBrk="0" hangingPunct="1">
-              <a:lnSpc>
-                <a:spcPct val="90000"/>
-              </a:lnSpc>
-              <a:spcBef>
-                <a:spcPct val="0"/>
-              </a:spcBef>
-              <a:buNone/>
-              <a:defRPr sz="3200" kern="1200">
-                <a:solidFill>
-                  <a:schemeClr val="tx1"/>
-                </a:solidFill>
-                <a:latin typeface="+mj-lt"/>
-                <a:ea typeface="+mj-ea"/>
-                <a:cs typeface="+mj-cs"/>
-              </a:defRPr>
-            </a:lvl1pPr>
-          </a:lstStyle>
-          <a:p>
-            <a:r>
-              <a:rPr lang="en-US" i="1" dirty="0"/>
-              <a:t>P. </a:t>
-            </a:r>
-            <a:r>
-              <a:rPr lang="en-US" i="1" dirty="0" err="1"/>
-              <a:t>agglomerans</a:t>
-            </a:r>
-            <a:r>
-              <a:rPr lang="en-US" i="1" dirty="0"/>
-              <a:t> </a:t>
-            </a:r>
-            <a:r>
-              <a:rPr lang="en-US" dirty="0"/>
-              <a:t>VOCs</a:t>
-            </a:r>
-          </a:p>
-        </p:txBody>
-      </p:sp>
-      <p:sp>
-        <p:nvSpPr>
-          <p:cNvPr id="8" name="Text Placeholder 3">
-            <a:extLst>
-              <a:ext uri="{FF2B5EF4-FFF2-40B4-BE49-F238E27FC236}">
-                <a16:creationId xmlns:a16="http://schemas.microsoft.com/office/drawing/2014/main" id="{E91B2E4C-8EBE-4907-8A30-2EB98F2EB958}"/>
-              </a:ext>
-            </a:extLst>
-          </p:cNvPr>
-          <p:cNvSpPr txBox="1">
-            <a:spLocks/>
-          </p:cNvSpPr>
+      </p:pic>
+      <p:pic>
+        <p:nvPicPr>
+          <p:cNvPr id="5" name="Picture 4">
+            <a:extLst>
+              <a:ext uri="{FF2B5EF4-FFF2-40B4-BE49-F238E27FC236}">
+                <a16:creationId xmlns:a16="http://schemas.microsoft.com/office/drawing/2014/main" id="{81E9DC02-0721-4941-B67B-54F6549054DF}"/>
+              </a:ext>
+            </a:extLst>
+          </p:cNvPr>
+          <p:cNvPicPr>
+            <a:picLocks noChangeAspect="1"/>
+          </p:cNvPicPr>
           <p:nvPr/>
-        </p:nvSpPr>
+        </p:nvPicPr>
+        <p:blipFill rotWithShape="1">
+          <a:blip r:embed="rId3">
+            <a:extLst>
+              <a:ext uri="{28A0092B-C50C-407E-A947-70E740481C1C}">
+                <a14:useLocalDpi xmlns:a14="http://schemas.microsoft.com/office/drawing/2010/main" val="0"/>
+              </a:ext>
+            </a:extLst>
+          </a:blip>
+          <a:srcRect l="12181" t="18438" r="12146" b="23520"/>
+          <a:stretch/>
+        </p:blipFill>
         <p:spPr>
           <a:xfrm>
-            <a:off x="6184973" y="1233182"/>
-            <a:ext cx="3932237" cy="4635806"/>
+            <a:off x="2474632" y="3679488"/>
+            <a:ext cx="644888" cy="659510"/>
           </a:xfrm>
           <a:prstGeom prst="rect">
             <a:avLst/>
           </a:prstGeom>
         </p:spPr>
-        <p:txBody>
-          <a:bodyPr vert="horz" lIns="91440" tIns="45720" rIns="91440" bIns="45720" rtlCol="0">
-            <a:noAutofit/>
-          </a:bodyPr>
-          <a:lstStyle>
-            <a:lvl1pPr marL="0" indent="0" algn="l" defTabSz="914400" rtl="0" eaLnBrk="1" latinLnBrk="0" hangingPunct="1">
-              <a:lnSpc>
-                <a:spcPct val="90000"/>
-              </a:lnSpc>
-              <a:spcBef>
-                <a:spcPts val="1000"/>
-              </a:spcBef>
-              <a:buFont typeface="Arial" panose="020B0604020202020204" pitchFamily="34" charset="0"/>
-              <a:buNone/>
-              <a:defRPr sz="1600" kern="1200">
-                <a:solidFill>
-                  <a:schemeClr val="tx1"/>
-                </a:solidFill>
-                <a:latin typeface="+mn-lt"/>
-                <a:ea typeface="+mn-ea"/>
-                <a:cs typeface="+mn-cs"/>
-              </a:defRPr>
-            </a:lvl1pPr>
-            <a:lvl2pPr marL="457200" indent="0" algn="l" defTabSz="914400" rtl="0" eaLnBrk="1" latinLnBrk="0" hangingPunct="1">
-              <a:lnSpc>
-                <a:spcPct val="90000"/>
-              </a:lnSpc>
-              <a:spcBef>
-                <a:spcPts val="500"/>
-              </a:spcBef>
-              <a:buFont typeface="Arial" panose="020B0604020202020204" pitchFamily="34" charset="0"/>
-              <a:buNone/>
-              <a:defRPr sz="1400" kern="1200">
-                <a:solidFill>
-                  <a:schemeClr val="tx1"/>
-                </a:solidFill>
-                <a:latin typeface="+mn-lt"/>
-                <a:ea typeface="+mn-ea"/>
-                <a:cs typeface="+mn-cs"/>
-              </a:defRPr>
-            </a:lvl2pPr>
-            <a:lvl3pPr marL="914400" indent="0" algn="l" defTabSz="914400" rtl="0" eaLnBrk="1" latinLnBrk="0" hangingPunct="1">
-              <a:lnSpc>
-                <a:spcPct val="90000"/>
-              </a:lnSpc>
-              <a:spcBef>
-                <a:spcPts val="500"/>
-              </a:spcBef>
-              <a:buFont typeface="Arial" panose="020B0604020202020204" pitchFamily="34" charset="0"/>
-              <a:buNone/>
-              <a:defRPr sz="1200" kern="1200">
-                <a:solidFill>
-                  <a:schemeClr val="tx1"/>
-                </a:solidFill>
-                <a:latin typeface="+mn-lt"/>
-                <a:ea typeface="+mn-ea"/>
-                <a:cs typeface="+mn-cs"/>
-              </a:defRPr>
-            </a:lvl3pPr>
-            <a:lvl4pPr marL="1371600" indent="0" algn="l" defTabSz="914400" rtl="0" eaLnBrk="1" latinLnBrk="0" hangingPunct="1">
-              <a:lnSpc>
-                <a:spcPct val="90000"/>
-              </a:lnSpc>
-              <a:spcBef>
-                <a:spcPts val="500"/>
-              </a:spcBef>
-              <a:buFont typeface="Arial" panose="020B0604020202020204" pitchFamily="34" charset="0"/>
-              <a:buNone/>
-              <a:defRPr sz="1000" kern="1200">
-                <a:solidFill>
-                  <a:schemeClr val="tx1"/>
-                </a:solidFill>
-                <a:latin typeface="+mn-lt"/>
-                <a:ea typeface="+mn-ea"/>
-                <a:cs typeface="+mn-cs"/>
-              </a:defRPr>
-            </a:lvl4pPr>
-            <a:lvl5pPr marL="1828800" indent="0" algn="l" defTabSz="914400" rtl="0" eaLnBrk="1" latinLnBrk="0" hangingPunct="1">
-              <a:lnSpc>
-                <a:spcPct val="90000"/>
-              </a:lnSpc>
-              <a:spcBef>
-                <a:spcPts val="500"/>
-              </a:spcBef>
-              <a:buFont typeface="Arial" panose="020B0604020202020204" pitchFamily="34" charset="0"/>
-              <a:buNone/>
-              <a:defRPr sz="1000" kern="1200">
-                <a:solidFill>
-                  <a:schemeClr val="tx1"/>
-                </a:solidFill>
-                <a:latin typeface="+mn-lt"/>
-                <a:ea typeface="+mn-ea"/>
-                <a:cs typeface="+mn-cs"/>
-              </a:defRPr>
-            </a:lvl5pPr>
-            <a:lvl6pPr marL="2286000" indent="0" algn="l" defTabSz="914400" rtl="0" eaLnBrk="1" latinLnBrk="0" hangingPunct="1">
-              <a:lnSpc>
-                <a:spcPct val="90000"/>
-              </a:lnSpc>
-              <a:spcBef>
-                <a:spcPts val="500"/>
-              </a:spcBef>
-              <a:buFont typeface="Arial" panose="020B0604020202020204" pitchFamily="34" charset="0"/>
-              <a:buNone/>
-              <a:defRPr sz="1000" kern="1200">
-                <a:solidFill>
-                  <a:schemeClr val="tx1"/>
-                </a:solidFill>
-                <a:latin typeface="+mn-lt"/>
-                <a:ea typeface="+mn-ea"/>
-                <a:cs typeface="+mn-cs"/>
-              </a:defRPr>
-            </a:lvl6pPr>
-            <a:lvl7pPr marL="2743200" indent="0" algn="l" defTabSz="914400" rtl="0" eaLnBrk="1" latinLnBrk="0" hangingPunct="1">
-              <a:lnSpc>
-                <a:spcPct val="90000"/>
-              </a:lnSpc>
-              <a:spcBef>
-                <a:spcPts val="500"/>
-              </a:spcBef>
-              <a:buFont typeface="Arial" panose="020B0604020202020204" pitchFamily="34" charset="0"/>
-              <a:buNone/>
-              <a:defRPr sz="1000" kern="1200">
-                <a:solidFill>
-                  <a:schemeClr val="tx1"/>
-                </a:solidFill>
-                <a:latin typeface="+mn-lt"/>
-                <a:ea typeface="+mn-ea"/>
-                <a:cs typeface="+mn-cs"/>
-              </a:defRPr>
-            </a:lvl7pPr>
-            <a:lvl8pPr marL="3200400" indent="0" algn="l" defTabSz="914400" rtl="0" eaLnBrk="1" latinLnBrk="0" hangingPunct="1">
-              <a:lnSpc>
-                <a:spcPct val="90000"/>
-              </a:lnSpc>
-              <a:spcBef>
-                <a:spcPts val="500"/>
-              </a:spcBef>
-              <a:buFont typeface="Arial" panose="020B0604020202020204" pitchFamily="34" charset="0"/>
-              <a:buNone/>
-              <a:defRPr sz="1000" kern="1200">
-                <a:solidFill>
-                  <a:schemeClr val="tx1"/>
-                </a:solidFill>
-                <a:latin typeface="+mn-lt"/>
-                <a:ea typeface="+mn-ea"/>
-                <a:cs typeface="+mn-cs"/>
-              </a:defRPr>
-            </a:lvl8pPr>
-            <a:lvl9pPr marL="3657600" indent="0" algn="l" defTabSz="914400" rtl="0" eaLnBrk="1" latinLnBrk="0" hangingPunct="1">
-              <a:lnSpc>
-                <a:spcPct val="90000"/>
-              </a:lnSpc>
-              <a:spcBef>
-                <a:spcPts val="500"/>
-              </a:spcBef>
-              <a:buFont typeface="Arial" panose="020B0604020202020204" pitchFamily="34" charset="0"/>
-              <a:buNone/>
-              <a:defRPr sz="1000" kern="1200">
-                <a:solidFill>
-                  <a:schemeClr val="tx1"/>
-                </a:solidFill>
-                <a:latin typeface="+mn-lt"/>
-                <a:ea typeface="+mn-ea"/>
-                <a:cs typeface="+mn-cs"/>
-              </a:defRPr>
-            </a:lvl9pPr>
-          </a:lstStyle>
-          <a:p>
-            <a:r>
-              <a:rPr lang="en-US" sz="1400" dirty="0"/>
-              <a:t>Disulfide, dimethyl</a:t>
-            </a:r>
-          </a:p>
-          <a:p>
-            <a:r>
-              <a:rPr lang="en-US" sz="1400" dirty="0"/>
-              <a:t>1-Butanol, 3-methyl-, acetate</a:t>
-            </a:r>
-          </a:p>
-          <a:p>
-            <a:r>
-              <a:rPr lang="en-US" sz="1400" dirty="0"/>
-              <a:t>1-Butanol</a:t>
-            </a:r>
-          </a:p>
-          <a:p>
-            <a:pPr>
-              <a:lnSpc>
-                <a:spcPct val="120000"/>
-              </a:lnSpc>
-            </a:pPr>
-            <a:r>
-              <a:rPr lang="en-US" sz="1400" dirty="0"/>
-              <a:t>Heptanal</a:t>
-            </a:r>
-          </a:p>
-          <a:p>
-            <a:r>
-              <a:rPr lang="en-US" sz="1400" dirty="0"/>
-              <a:t>1-Butanol, 3-methyl-</a:t>
-            </a:r>
-          </a:p>
-          <a:p>
-            <a:r>
-              <a:rPr lang="en-US" sz="1400" dirty="0"/>
-              <a:t>2-Hexenal, (E)-</a:t>
-            </a:r>
-          </a:p>
-          <a:p>
-            <a:r>
-              <a:rPr lang="en-US" sz="1400" dirty="0"/>
-              <a:t>Acetoin</a:t>
-            </a:r>
-          </a:p>
-          <a:p>
-            <a:r>
-              <a:rPr lang="en-US" sz="1400" dirty="0"/>
-              <a:t>1-Heptanol</a:t>
-            </a:r>
-          </a:p>
-          <a:p>
-            <a:r>
-              <a:rPr lang="en-US" sz="1400" dirty="0"/>
-              <a:t>Furfural</a:t>
-            </a:r>
-          </a:p>
-          <a:p>
-            <a:r>
-              <a:rPr lang="en-US" sz="1400" dirty="0"/>
-              <a:t>1-Hexanol, 2-ethyl-</a:t>
-            </a:r>
-          </a:p>
-          <a:p>
-            <a:r>
-              <a:rPr lang="en-US" sz="1400" dirty="0"/>
-              <a:t>Benzonitrile</a:t>
-            </a:r>
-          </a:p>
-          <a:p>
-            <a:r>
-              <a:rPr lang="en-US" sz="1400" dirty="0"/>
-              <a:t>2-Furanmethanol</a:t>
-            </a:r>
-          </a:p>
-          <a:p>
-            <a:r>
-              <a:rPr lang="en-US" sz="1400" dirty="0" err="1"/>
-              <a:t>Mequinol</a:t>
-            </a:r>
-            <a:endParaRPr lang="en-US" sz="1400" dirty="0"/>
-          </a:p>
-          <a:p>
-            <a:r>
-              <a:rPr lang="en-US" sz="1400" dirty="0"/>
-              <a:t>Benzyl alcohol</a:t>
-            </a:r>
-          </a:p>
-          <a:p>
-            <a:r>
-              <a:rPr lang="en-US" sz="1400" dirty="0"/>
-              <a:t>Phenylethyl Alcohol</a:t>
-            </a:r>
-          </a:p>
-          <a:p>
-            <a:r>
-              <a:rPr lang="en-US" sz="1400" dirty="0"/>
-              <a:t>2H-Pyran-2-carboxaldehyde, 5,6-dihydro-</a:t>
-            </a:r>
-          </a:p>
-          <a:p>
-            <a:r>
-              <a:rPr lang="en-US" sz="1400" dirty="0"/>
-              <a:t>Phenol</a:t>
-            </a:r>
-          </a:p>
-        </p:txBody>
-      </p:sp>
+      </p:pic>
+      <p:pic>
+        <p:nvPicPr>
+          <p:cNvPr id="6" name="Picture 5">
+            <a:extLst>
+              <a:ext uri="{FF2B5EF4-FFF2-40B4-BE49-F238E27FC236}">
+                <a16:creationId xmlns:a16="http://schemas.microsoft.com/office/drawing/2014/main" id="{86A11525-1C40-4DB8-A0A8-1EB569F75EC0}"/>
+              </a:ext>
+            </a:extLst>
+          </p:cNvPr>
+          <p:cNvPicPr>
+            <a:picLocks noChangeAspect="1"/>
+          </p:cNvPicPr>
+          <p:nvPr/>
+        </p:nvPicPr>
+        <p:blipFill rotWithShape="1">
+          <a:blip r:embed="rId3">
+            <a:extLst>
+              <a:ext uri="{28A0092B-C50C-407E-A947-70E740481C1C}">
+                <a14:useLocalDpi xmlns:a14="http://schemas.microsoft.com/office/drawing/2010/main" val="0"/>
+              </a:ext>
+            </a:extLst>
+          </a:blip>
+          <a:srcRect l="12181" t="18438" r="12146" b="23520"/>
+          <a:stretch/>
+        </p:blipFill>
+        <p:spPr>
+          <a:xfrm>
+            <a:off x="1829744" y="3689970"/>
+            <a:ext cx="644888" cy="659510"/>
+          </a:xfrm>
+          <a:prstGeom prst="rect">
+            <a:avLst/>
+          </a:prstGeom>
+        </p:spPr>
+      </p:pic>
+      <p:pic>
+        <p:nvPicPr>
+          <p:cNvPr id="7" name="Picture 6">
+            <a:extLst>
+              <a:ext uri="{FF2B5EF4-FFF2-40B4-BE49-F238E27FC236}">
+                <a16:creationId xmlns:a16="http://schemas.microsoft.com/office/drawing/2014/main" id="{CEE7FA91-19EB-4985-9C68-C968009196B2}"/>
+              </a:ext>
+            </a:extLst>
+          </p:cNvPr>
+          <p:cNvPicPr>
+            <a:picLocks noChangeAspect="1"/>
+          </p:cNvPicPr>
+          <p:nvPr/>
+        </p:nvPicPr>
+        <p:blipFill rotWithShape="1">
+          <a:blip r:embed="rId3">
+            <a:extLst>
+              <a:ext uri="{28A0092B-C50C-407E-A947-70E740481C1C}">
+                <a14:useLocalDpi xmlns:a14="http://schemas.microsoft.com/office/drawing/2010/main" val="0"/>
+              </a:ext>
+            </a:extLst>
+          </a:blip>
+          <a:srcRect l="12181" t="18438" r="12146" b="23520"/>
+          <a:stretch/>
+        </p:blipFill>
+        <p:spPr>
+          <a:xfrm>
+            <a:off x="1184856" y="3689970"/>
+            <a:ext cx="644888" cy="659510"/>
+          </a:xfrm>
+          <a:prstGeom prst="rect">
+            <a:avLst/>
+          </a:prstGeom>
+        </p:spPr>
+      </p:pic>
+      <p:pic>
+        <p:nvPicPr>
+          <p:cNvPr id="8" name="Picture 7">
+            <a:extLst>
+              <a:ext uri="{FF2B5EF4-FFF2-40B4-BE49-F238E27FC236}">
+                <a16:creationId xmlns:a16="http://schemas.microsoft.com/office/drawing/2014/main" id="{A51F04BE-8168-4993-A3E8-CEB26FC7756E}"/>
+              </a:ext>
+            </a:extLst>
+          </p:cNvPr>
+          <p:cNvPicPr>
+            <a:picLocks noChangeAspect="1"/>
+          </p:cNvPicPr>
+          <p:nvPr/>
+        </p:nvPicPr>
+        <p:blipFill rotWithShape="1">
+          <a:blip r:embed="rId3">
+            <a:extLst>
+              <a:ext uri="{28A0092B-C50C-407E-A947-70E740481C1C}">
+                <a14:useLocalDpi xmlns:a14="http://schemas.microsoft.com/office/drawing/2010/main" val="0"/>
+              </a:ext>
+            </a:extLst>
+          </a:blip>
+          <a:srcRect l="12181" t="18438" r="12146" b="23520"/>
+          <a:stretch/>
+        </p:blipFill>
+        <p:spPr>
+          <a:xfrm>
+            <a:off x="2489795" y="4685460"/>
+            <a:ext cx="644888" cy="659510"/>
+          </a:xfrm>
+          <a:prstGeom prst="rect">
+            <a:avLst/>
+          </a:prstGeom>
+        </p:spPr>
+      </p:pic>
+      <p:pic>
+        <p:nvPicPr>
+          <p:cNvPr id="9" name="Picture 8">
+            <a:extLst>
+              <a:ext uri="{FF2B5EF4-FFF2-40B4-BE49-F238E27FC236}">
+                <a16:creationId xmlns:a16="http://schemas.microsoft.com/office/drawing/2014/main" id="{B2B0BDD2-99FC-4636-BB2B-ADCE48A65B7C}"/>
+              </a:ext>
+            </a:extLst>
+          </p:cNvPr>
+          <p:cNvPicPr>
+            <a:picLocks noChangeAspect="1"/>
+          </p:cNvPicPr>
+          <p:nvPr/>
+        </p:nvPicPr>
+        <p:blipFill rotWithShape="1">
+          <a:blip r:embed="rId3">
+            <a:extLst>
+              <a:ext uri="{28A0092B-C50C-407E-A947-70E740481C1C}">
+                <a14:useLocalDpi xmlns:a14="http://schemas.microsoft.com/office/drawing/2010/main" val="0"/>
+              </a:ext>
+            </a:extLst>
+          </a:blip>
+          <a:srcRect l="12181" t="18438" r="12146" b="23520"/>
+          <a:stretch/>
+        </p:blipFill>
+        <p:spPr>
+          <a:xfrm>
+            <a:off x="1844907" y="4695942"/>
+            <a:ext cx="644888" cy="659510"/>
+          </a:xfrm>
+          <a:prstGeom prst="rect">
+            <a:avLst/>
+          </a:prstGeom>
+        </p:spPr>
+      </p:pic>
+      <p:pic>
+        <p:nvPicPr>
+          <p:cNvPr id="10" name="Picture 9">
+            <a:extLst>
+              <a:ext uri="{FF2B5EF4-FFF2-40B4-BE49-F238E27FC236}">
+                <a16:creationId xmlns:a16="http://schemas.microsoft.com/office/drawing/2014/main" id="{AA660287-06F5-41FF-A7E6-F8D84040BF03}"/>
+              </a:ext>
+            </a:extLst>
+          </p:cNvPr>
+          <p:cNvPicPr>
+            <a:picLocks noChangeAspect="1"/>
+          </p:cNvPicPr>
+          <p:nvPr/>
+        </p:nvPicPr>
+        <p:blipFill rotWithShape="1">
+          <a:blip r:embed="rId3">
+            <a:extLst>
+              <a:ext uri="{28A0092B-C50C-407E-A947-70E740481C1C}">
+                <a14:useLocalDpi xmlns:a14="http://schemas.microsoft.com/office/drawing/2010/main" val="0"/>
+              </a:ext>
+            </a:extLst>
+          </a:blip>
+          <a:srcRect l="12181" t="18438" r="12146" b="23520"/>
+          <a:stretch/>
+        </p:blipFill>
+        <p:spPr>
+          <a:xfrm>
+            <a:off x="1200019" y="4695942"/>
+            <a:ext cx="644888" cy="659510"/>
+          </a:xfrm>
+          <a:prstGeom prst="rect">
+            <a:avLst/>
+          </a:prstGeom>
+        </p:spPr>
+      </p:pic>
+      <p:pic>
+        <p:nvPicPr>
+          <p:cNvPr id="11" name="Picture 10">
+            <a:extLst>
+              <a:ext uri="{FF2B5EF4-FFF2-40B4-BE49-F238E27FC236}">
+                <a16:creationId xmlns:a16="http://schemas.microsoft.com/office/drawing/2014/main" id="{5AB51415-7AF5-46FB-8784-D729AAE3BB39}"/>
+              </a:ext>
+            </a:extLst>
+          </p:cNvPr>
+          <p:cNvPicPr>
+            <a:picLocks noChangeAspect="1"/>
+          </p:cNvPicPr>
+          <p:nvPr/>
+        </p:nvPicPr>
+        <p:blipFill rotWithShape="1">
+          <a:blip r:embed="rId3">
+            <a:extLst>
+              <a:ext uri="{28A0092B-C50C-407E-A947-70E740481C1C}">
+                <a14:useLocalDpi xmlns:a14="http://schemas.microsoft.com/office/drawing/2010/main" val="0"/>
+              </a:ext>
+            </a:extLst>
+          </a:blip>
+          <a:srcRect l="12181" t="18438" r="12146" b="23520"/>
+          <a:stretch/>
+        </p:blipFill>
+        <p:spPr>
+          <a:xfrm>
+            <a:off x="2489795" y="2684242"/>
+            <a:ext cx="644888" cy="659510"/>
+          </a:xfrm>
+          <a:prstGeom prst="rect">
+            <a:avLst/>
+          </a:prstGeom>
+        </p:spPr>
+      </p:pic>
+      <p:pic>
+        <p:nvPicPr>
+          <p:cNvPr id="12" name="Picture 11">
+            <a:extLst>
+              <a:ext uri="{FF2B5EF4-FFF2-40B4-BE49-F238E27FC236}">
+                <a16:creationId xmlns:a16="http://schemas.microsoft.com/office/drawing/2014/main" id="{76253F41-3490-464C-8775-AA66D4C68726}"/>
+              </a:ext>
+            </a:extLst>
+          </p:cNvPr>
+          <p:cNvPicPr>
+            <a:picLocks noChangeAspect="1"/>
+          </p:cNvPicPr>
+          <p:nvPr/>
+        </p:nvPicPr>
+        <p:blipFill rotWithShape="1">
+          <a:blip r:embed="rId3">
+            <a:extLst>
+              <a:ext uri="{28A0092B-C50C-407E-A947-70E740481C1C}">
+                <a14:useLocalDpi xmlns:a14="http://schemas.microsoft.com/office/drawing/2010/main" val="0"/>
+              </a:ext>
+            </a:extLst>
+          </a:blip>
+          <a:srcRect l="12181" t="18438" r="12146" b="23520"/>
+          <a:stretch/>
+        </p:blipFill>
+        <p:spPr>
+          <a:xfrm>
+            <a:off x="1844907" y="2694724"/>
+            <a:ext cx="644888" cy="659510"/>
+          </a:xfrm>
+          <a:prstGeom prst="rect">
+            <a:avLst/>
+          </a:prstGeom>
+        </p:spPr>
+      </p:pic>
+      <p:pic>
+        <p:nvPicPr>
+          <p:cNvPr id="13" name="Picture 12">
+            <a:extLst>
+              <a:ext uri="{FF2B5EF4-FFF2-40B4-BE49-F238E27FC236}">
+                <a16:creationId xmlns:a16="http://schemas.microsoft.com/office/drawing/2014/main" id="{95BC94D8-7C76-4A32-B46B-8B06C2FFF4A5}"/>
+              </a:ext>
+            </a:extLst>
+          </p:cNvPr>
+          <p:cNvPicPr>
+            <a:picLocks noChangeAspect="1"/>
+          </p:cNvPicPr>
+          <p:nvPr/>
+        </p:nvPicPr>
+        <p:blipFill rotWithShape="1">
+          <a:blip r:embed="rId3">
+            <a:extLst>
+              <a:ext uri="{28A0092B-C50C-407E-A947-70E740481C1C}">
+                <a14:useLocalDpi xmlns:a14="http://schemas.microsoft.com/office/drawing/2010/main" val="0"/>
+              </a:ext>
+            </a:extLst>
+          </a:blip>
+          <a:srcRect l="12181" t="18438" r="12146" b="23520"/>
+          <a:stretch/>
+        </p:blipFill>
+        <p:spPr>
+          <a:xfrm>
+            <a:off x="1200019" y="2694724"/>
+            <a:ext cx="644888" cy="659510"/>
+          </a:xfrm>
+          <a:prstGeom prst="rect">
+            <a:avLst/>
+          </a:prstGeom>
+        </p:spPr>
+      </p:pic>
     </p:spTree>
     <p:extLst>
       <p:ext uri="{BB962C8B-B14F-4D97-AF65-F5344CB8AC3E}">
-        <p14:creationId xmlns:p14="http://schemas.microsoft.com/office/powerpoint/2010/main" val="2366434055"/>
+        <p14:creationId xmlns:p14="http://schemas.microsoft.com/office/powerpoint/2010/main" val="3961121890"/>
       </p:ext>
     </p:extLst>
   </p:cSld>

--- a/Documents/20191003_WongBeck_SWDGrant Slides.pptx
+++ b/Documents/20191003_WongBeck_SWDGrant Slides.pptx
@@ -9,6 +9,7 @@
     <p:sldId id="275" r:id="rId3"/>
     <p:sldId id="280" r:id="rId4"/>
     <p:sldId id="281" r:id="rId5"/>
+    <p:sldId id="284" r:id="rId6"/>
   </p:sldIdLst>
   <p:sldSz cx="12192000" cy="6858000"/>
   <p:notesSz cx="6858000" cy="9144000"/>
@@ -262,7 +263,7 @@
           <a:p>
             <a:fld id="{6688AF81-8CE9-4107-AF77-0CF5A5DDB9E0}" type="datetimeFigureOut">
               <a:rPr lang="en-US" smtClean="0"/>
-              <a:t>10/7/2019</a:t>
+              <a:t>10/16/2019</a:t>
             </a:fld>
             <a:endParaRPr lang="en-US"/>
           </a:p>
@@ -460,7 +461,7 @@
           <a:p>
             <a:fld id="{6688AF81-8CE9-4107-AF77-0CF5A5DDB9E0}" type="datetimeFigureOut">
               <a:rPr lang="en-US" smtClean="0"/>
-              <a:t>10/7/2019</a:t>
+              <a:t>10/16/2019</a:t>
             </a:fld>
             <a:endParaRPr lang="en-US"/>
           </a:p>
@@ -668,7 +669,7 @@
           <a:p>
             <a:fld id="{6688AF81-8CE9-4107-AF77-0CF5A5DDB9E0}" type="datetimeFigureOut">
               <a:rPr lang="en-US" smtClean="0"/>
-              <a:t>10/7/2019</a:t>
+              <a:t>10/16/2019</a:t>
             </a:fld>
             <a:endParaRPr lang="en-US"/>
           </a:p>
@@ -866,7 +867,7 @@
           <a:p>
             <a:fld id="{6688AF81-8CE9-4107-AF77-0CF5A5DDB9E0}" type="datetimeFigureOut">
               <a:rPr lang="en-US" smtClean="0"/>
-              <a:t>10/7/2019</a:t>
+              <a:t>10/16/2019</a:t>
             </a:fld>
             <a:endParaRPr lang="en-US"/>
           </a:p>
@@ -1141,7 +1142,7 @@
           <a:p>
             <a:fld id="{6688AF81-8CE9-4107-AF77-0CF5A5DDB9E0}" type="datetimeFigureOut">
               <a:rPr lang="en-US" smtClean="0"/>
-              <a:t>10/7/2019</a:t>
+              <a:t>10/16/2019</a:t>
             </a:fld>
             <a:endParaRPr lang="en-US"/>
           </a:p>
@@ -1406,7 +1407,7 @@
           <a:p>
             <a:fld id="{6688AF81-8CE9-4107-AF77-0CF5A5DDB9E0}" type="datetimeFigureOut">
               <a:rPr lang="en-US" smtClean="0"/>
-              <a:t>10/7/2019</a:t>
+              <a:t>10/16/2019</a:t>
             </a:fld>
             <a:endParaRPr lang="en-US"/>
           </a:p>
@@ -1818,7 +1819,7 @@
           <a:p>
             <a:fld id="{6688AF81-8CE9-4107-AF77-0CF5A5DDB9E0}" type="datetimeFigureOut">
               <a:rPr lang="en-US" smtClean="0"/>
-              <a:t>10/7/2019</a:t>
+              <a:t>10/16/2019</a:t>
             </a:fld>
             <a:endParaRPr lang="en-US"/>
           </a:p>
@@ -1959,7 +1960,7 @@
           <a:p>
             <a:fld id="{6688AF81-8CE9-4107-AF77-0CF5A5DDB9E0}" type="datetimeFigureOut">
               <a:rPr lang="en-US" smtClean="0"/>
-              <a:t>10/7/2019</a:t>
+              <a:t>10/16/2019</a:t>
             </a:fld>
             <a:endParaRPr lang="en-US"/>
           </a:p>
@@ -2072,7 +2073,7 @@
           <a:p>
             <a:fld id="{6688AF81-8CE9-4107-AF77-0CF5A5DDB9E0}" type="datetimeFigureOut">
               <a:rPr lang="en-US" smtClean="0"/>
-              <a:t>10/7/2019</a:t>
+              <a:t>10/16/2019</a:t>
             </a:fld>
             <a:endParaRPr lang="en-US"/>
           </a:p>
@@ -2383,7 +2384,7 @@
           <a:p>
             <a:fld id="{6688AF81-8CE9-4107-AF77-0CF5A5DDB9E0}" type="datetimeFigureOut">
               <a:rPr lang="en-US" smtClean="0"/>
-              <a:t>10/7/2019</a:t>
+              <a:t>10/16/2019</a:t>
             </a:fld>
             <a:endParaRPr lang="en-US"/>
           </a:p>
@@ -2671,7 +2672,7 @@
           <a:p>
             <a:fld id="{6688AF81-8CE9-4107-AF77-0CF5A5DDB9E0}" type="datetimeFigureOut">
               <a:rPr lang="en-US" smtClean="0"/>
-              <a:t>10/7/2019</a:t>
+              <a:t>10/16/2019</a:t>
             </a:fld>
             <a:endParaRPr lang="en-US"/>
           </a:p>
@@ -2912,7 +2913,7 @@
           <a:p>
             <a:fld id="{6688AF81-8CE9-4107-AF77-0CF5A5DDB9E0}" type="datetimeFigureOut">
               <a:rPr lang="en-US" smtClean="0"/>
-              <a:t>10/7/2019</a:t>
+              <a:t>10/16/2019</a:t>
             </a:fld>
             <a:endParaRPr lang="en-US"/>
           </a:p>
@@ -5851,6 +5852,3220 @@
 </p:sld>
 </file>
 
+<file path=ppt/slides/slide5.xml><?xml version="1.0" encoding="utf-8"?>
+<p:sld xmlns:a="http://schemas.openxmlformats.org/drawingml/2006/main" xmlns:r="http://schemas.openxmlformats.org/officeDocument/2006/relationships" xmlns:p="http://schemas.openxmlformats.org/presentationml/2006/main">
+  <p:cSld>
+    <p:spTree>
+      <p:nvGrpSpPr>
+        <p:cNvPr id="1" name=""/>
+        <p:cNvGrpSpPr/>
+        <p:nvPr/>
+      </p:nvGrpSpPr>
+      <p:grpSpPr>
+        <a:xfrm>
+          <a:off x="0" y="0"/>
+          <a:ext cx="0" cy="0"/>
+          <a:chOff x="0" y="0"/>
+          <a:chExt cx="0" cy="0"/>
+        </a:xfrm>
+      </p:grpSpPr>
+      <p:pic>
+        <p:nvPicPr>
+          <p:cNvPr id="79" name="Content Placeholder 7" descr="A picture containing indoor, wall, white, sitting&#10;&#10;Description generated with very high confidence">
+            <a:extLst>
+              <a:ext uri="{FF2B5EF4-FFF2-40B4-BE49-F238E27FC236}">
+                <a16:creationId xmlns:a16="http://schemas.microsoft.com/office/drawing/2014/main" id="{47A06948-7EF8-47EE-A000-B794721735C7}"/>
+              </a:ext>
+            </a:extLst>
+          </p:cNvPr>
+          <p:cNvPicPr>
+            <a:picLocks noChangeAspect="1"/>
+          </p:cNvPicPr>
+          <p:nvPr/>
+        </p:nvPicPr>
+        <p:blipFill>
+          <a:blip r:embed="rId2">
+            <a:extLst>
+              <a:ext uri="{28A0092B-C50C-407E-A947-70E740481C1C}">
+                <a14:useLocalDpi xmlns:a14="http://schemas.microsoft.com/office/drawing/2010/main" val="0"/>
+              </a:ext>
+            </a:extLst>
+          </a:blip>
+          <a:stretch>
+            <a:fillRect/>
+          </a:stretch>
+        </p:blipFill>
+        <p:spPr>
+          <a:xfrm>
+            <a:off x="729113" y="1212261"/>
+            <a:ext cx="4898522" cy="5496143"/>
+          </a:xfrm>
+          <a:prstGeom prst="rect">
+            <a:avLst/>
+          </a:prstGeom>
+        </p:spPr>
+      </p:pic>
+      <p:pic>
+        <p:nvPicPr>
+          <p:cNvPr id="71" name="Content Placeholder 7" descr="A picture containing indoor, wall, white, sitting&#10;&#10;Description generated with very high confidence">
+            <a:extLst>
+              <a:ext uri="{FF2B5EF4-FFF2-40B4-BE49-F238E27FC236}">
+                <a16:creationId xmlns:a16="http://schemas.microsoft.com/office/drawing/2014/main" id="{E268FCA9-A5D0-470A-861B-DE43B51A23C3}"/>
+              </a:ext>
+            </a:extLst>
+          </p:cNvPr>
+          <p:cNvPicPr>
+            <a:picLocks noGrp="1" noChangeAspect="1"/>
+          </p:cNvPicPr>
+          <p:nvPr>
+            <p:ph idx="1"/>
+          </p:nvPr>
+        </p:nvPicPr>
+        <p:blipFill>
+          <a:blip r:embed="rId2">
+            <a:extLst>
+              <a:ext uri="{28A0092B-C50C-407E-A947-70E740481C1C}">
+                <a14:useLocalDpi xmlns:a14="http://schemas.microsoft.com/office/drawing/2010/main" val="0"/>
+              </a:ext>
+            </a:extLst>
+          </a:blip>
+          <a:stretch>
+            <a:fillRect/>
+          </a:stretch>
+        </p:blipFill>
+        <p:spPr>
+          <a:xfrm>
+            <a:off x="6978630" y="1229486"/>
+            <a:ext cx="4883170" cy="5478918"/>
+          </a:xfrm>
+          <a:prstGeom prst="rect">
+            <a:avLst/>
+          </a:prstGeom>
+        </p:spPr>
+      </p:pic>
+      <p:grpSp>
+        <p:nvGrpSpPr>
+          <p:cNvPr id="77" name="Group 76">
+            <a:extLst>
+              <a:ext uri="{FF2B5EF4-FFF2-40B4-BE49-F238E27FC236}">
+                <a16:creationId xmlns:a16="http://schemas.microsoft.com/office/drawing/2014/main" id="{2C9C7110-CF25-439F-BAC5-8147310B51C3}"/>
+              </a:ext>
+            </a:extLst>
+          </p:cNvPr>
+          <p:cNvGrpSpPr/>
+          <p:nvPr/>
+        </p:nvGrpSpPr>
+        <p:grpSpPr>
+          <a:xfrm>
+            <a:off x="7446004" y="2425700"/>
+            <a:ext cx="1974211" cy="3382124"/>
+            <a:chOff x="6091737" y="1953763"/>
+            <a:chExt cx="1974211" cy="3382124"/>
+          </a:xfrm>
+        </p:grpSpPr>
+        <p:pic>
+          <p:nvPicPr>
+            <p:cNvPr id="6" name="Picture 5">
+              <a:extLst>
+                <a:ext uri="{FF2B5EF4-FFF2-40B4-BE49-F238E27FC236}">
+                  <a16:creationId xmlns:a16="http://schemas.microsoft.com/office/drawing/2014/main" id="{A3C1BB0E-AAEC-4761-A54B-2A84C7C9C038}"/>
+                </a:ext>
+              </a:extLst>
+            </p:cNvPr>
+            <p:cNvPicPr>
+              <a:picLocks noChangeAspect="1"/>
+            </p:cNvPicPr>
+            <p:nvPr/>
+          </p:nvPicPr>
+          <p:blipFill rotWithShape="1">
+            <a:blip r:embed="rId3">
+              <a:extLst>
+                <a:ext uri="{28A0092B-C50C-407E-A947-70E740481C1C}">
+                  <a14:useLocalDpi xmlns:a14="http://schemas.microsoft.com/office/drawing/2010/main" val="0"/>
+                </a:ext>
+              </a:extLst>
+            </a:blip>
+            <a:srcRect l="13222" t="14529" r="48575" b="13578"/>
+            <a:stretch/>
+          </p:blipFill>
+          <p:spPr>
+            <a:xfrm rot="5400000">
+              <a:off x="6297220" y="1785135"/>
+              <a:ext cx="1438382" cy="1849348"/>
+            </a:xfrm>
+            <a:prstGeom prst="rect">
+              <a:avLst/>
+            </a:prstGeom>
+          </p:spPr>
+        </p:pic>
+        <p:pic>
+          <p:nvPicPr>
+            <p:cNvPr id="39" name="Picture 38">
+              <a:extLst>
+                <a:ext uri="{FF2B5EF4-FFF2-40B4-BE49-F238E27FC236}">
+                  <a16:creationId xmlns:a16="http://schemas.microsoft.com/office/drawing/2014/main" id="{D89C667A-A50F-45E8-A199-ABE8CAB9C8F2}"/>
+                </a:ext>
+              </a:extLst>
+            </p:cNvPr>
+            <p:cNvPicPr>
+              <a:picLocks noChangeAspect="1"/>
+            </p:cNvPicPr>
+            <p:nvPr/>
+          </p:nvPicPr>
+          <p:blipFill rotWithShape="1">
+            <a:blip r:embed="rId3">
+              <a:extLst>
+                <a:ext uri="{28A0092B-C50C-407E-A947-70E740481C1C}">
+                  <a14:useLocalDpi xmlns:a14="http://schemas.microsoft.com/office/drawing/2010/main" val="0"/>
+                </a:ext>
+              </a:extLst>
+            </a:blip>
+            <a:srcRect l="13222" t="14529" r="48575" b="13578"/>
+            <a:stretch/>
+          </p:blipFill>
+          <p:spPr>
+            <a:xfrm rot="5400000">
+              <a:off x="6297220" y="3692022"/>
+              <a:ext cx="1438382" cy="1849348"/>
+            </a:xfrm>
+            <a:prstGeom prst="rect">
+              <a:avLst/>
+            </a:prstGeom>
+          </p:spPr>
+        </p:pic>
+        <p:grpSp>
+          <p:nvGrpSpPr>
+            <p:cNvPr id="40" name="Group 39">
+              <a:extLst>
+                <a:ext uri="{FF2B5EF4-FFF2-40B4-BE49-F238E27FC236}">
+                  <a16:creationId xmlns:a16="http://schemas.microsoft.com/office/drawing/2014/main" id="{F73B6CA1-53BF-43F8-B3AC-D07C7776F89E}"/>
+                </a:ext>
+              </a:extLst>
+            </p:cNvPr>
+            <p:cNvGrpSpPr/>
+            <p:nvPr/>
+          </p:nvGrpSpPr>
+          <p:grpSpPr>
+            <a:xfrm>
+              <a:off x="6700125" y="4338434"/>
+              <a:ext cx="637146" cy="558435"/>
+              <a:chOff x="6413573" y="2662996"/>
+              <a:chExt cx="2258111" cy="1656468"/>
+            </a:xfrm>
+          </p:grpSpPr>
+          <p:pic>
+            <p:nvPicPr>
+              <p:cNvPr id="41" name="Picture 40">
+                <a:extLst>
+                  <a:ext uri="{FF2B5EF4-FFF2-40B4-BE49-F238E27FC236}">
+                    <a16:creationId xmlns:a16="http://schemas.microsoft.com/office/drawing/2014/main" id="{65594CF5-FBBB-448F-964E-ADEF1302B19A}"/>
+                  </a:ext>
+                </a:extLst>
+              </p:cNvPr>
+              <p:cNvPicPr>
+                <a:picLocks noChangeAspect="1"/>
+              </p:cNvPicPr>
+              <p:nvPr/>
+            </p:nvPicPr>
+            <p:blipFill rotWithShape="1">
+              <a:blip r:embed="rId4">
+                <a:extLst>
+                  <a:ext uri="{28A0092B-C50C-407E-A947-70E740481C1C}">
+                    <a14:useLocalDpi xmlns:a14="http://schemas.microsoft.com/office/drawing/2010/main" val="0"/>
+                  </a:ext>
+                </a:extLst>
+              </a:blip>
+              <a:srcRect l="15662" t="33891" r="45850" b="37426"/>
+              <a:stretch/>
+            </p:blipFill>
+            <p:spPr>
+              <a:xfrm>
+                <a:off x="7089157" y="3278998"/>
+                <a:ext cx="352071" cy="150013"/>
+              </a:xfrm>
+              <a:prstGeom prst="rect">
+                <a:avLst/>
+              </a:prstGeom>
+            </p:spPr>
+          </p:pic>
+          <p:pic>
+            <p:nvPicPr>
+              <p:cNvPr id="42" name="Picture 41">
+                <a:extLst>
+                  <a:ext uri="{FF2B5EF4-FFF2-40B4-BE49-F238E27FC236}">
+                    <a16:creationId xmlns:a16="http://schemas.microsoft.com/office/drawing/2014/main" id="{9BF84EED-37AD-4F85-83F8-8EE0A9D07151}"/>
+                  </a:ext>
+                </a:extLst>
+              </p:cNvPr>
+              <p:cNvPicPr>
+                <a:picLocks noChangeAspect="1"/>
+              </p:cNvPicPr>
+              <p:nvPr/>
+            </p:nvPicPr>
+            <p:blipFill rotWithShape="1">
+              <a:blip r:embed="rId4">
+                <a:extLst>
+                  <a:ext uri="{28A0092B-C50C-407E-A947-70E740481C1C}">
+                    <a14:useLocalDpi xmlns:a14="http://schemas.microsoft.com/office/drawing/2010/main" val="0"/>
+                  </a:ext>
+                </a:extLst>
+              </a:blip>
+              <a:srcRect l="15662" t="33891" r="45850" b="37426"/>
+              <a:stretch/>
+            </p:blipFill>
+            <p:spPr>
+              <a:xfrm>
+                <a:off x="6881965" y="3508792"/>
+                <a:ext cx="352071" cy="150013"/>
+              </a:xfrm>
+              <a:prstGeom prst="rect">
+                <a:avLst/>
+              </a:prstGeom>
+            </p:spPr>
+          </p:pic>
+          <p:pic>
+            <p:nvPicPr>
+              <p:cNvPr id="43" name="Picture 42">
+                <a:extLst>
+                  <a:ext uri="{FF2B5EF4-FFF2-40B4-BE49-F238E27FC236}">
+                    <a16:creationId xmlns:a16="http://schemas.microsoft.com/office/drawing/2014/main" id="{9902D71F-44EC-4DA9-9CC0-22FF1DF44753}"/>
+                  </a:ext>
+                </a:extLst>
+              </p:cNvPr>
+              <p:cNvPicPr>
+                <a:picLocks noChangeAspect="1"/>
+              </p:cNvPicPr>
+              <p:nvPr/>
+            </p:nvPicPr>
+            <p:blipFill rotWithShape="1">
+              <a:blip r:embed="rId4">
+                <a:extLst>
+                  <a:ext uri="{28A0092B-C50C-407E-A947-70E740481C1C}">
+                    <a14:useLocalDpi xmlns:a14="http://schemas.microsoft.com/office/drawing/2010/main" val="0"/>
+                  </a:ext>
+                </a:extLst>
+              </a:blip>
+              <a:srcRect l="15662" t="33891" r="45850" b="37426"/>
+              <a:stretch/>
+            </p:blipFill>
+            <p:spPr>
+              <a:xfrm>
+                <a:off x="6973591" y="3049204"/>
+                <a:ext cx="352071" cy="150013"/>
+              </a:xfrm>
+              <a:prstGeom prst="rect">
+                <a:avLst/>
+              </a:prstGeom>
+            </p:spPr>
+          </p:pic>
+          <p:pic>
+            <p:nvPicPr>
+              <p:cNvPr id="44" name="Picture 43">
+                <a:extLst>
+                  <a:ext uri="{FF2B5EF4-FFF2-40B4-BE49-F238E27FC236}">
+                    <a16:creationId xmlns:a16="http://schemas.microsoft.com/office/drawing/2014/main" id="{2EB9C5E4-5324-4214-A532-75AA837489D4}"/>
+                  </a:ext>
+                </a:extLst>
+              </p:cNvPr>
+              <p:cNvPicPr>
+                <a:picLocks noChangeAspect="1"/>
+              </p:cNvPicPr>
+              <p:nvPr/>
+            </p:nvPicPr>
+            <p:blipFill rotWithShape="1">
+              <a:blip r:embed="rId4">
+                <a:extLst>
+                  <a:ext uri="{28A0092B-C50C-407E-A947-70E740481C1C}">
+                    <a14:useLocalDpi xmlns:a14="http://schemas.microsoft.com/office/drawing/2010/main" val="0"/>
+                  </a:ext>
+                </a:extLst>
+              </a:blip>
+              <a:srcRect l="15662" t="33891" r="45850" b="37426"/>
+              <a:stretch/>
+            </p:blipFill>
+            <p:spPr>
+              <a:xfrm>
+                <a:off x="7240884" y="3508792"/>
+                <a:ext cx="352071" cy="150013"/>
+              </a:xfrm>
+              <a:prstGeom prst="rect">
+                <a:avLst/>
+              </a:prstGeom>
+            </p:spPr>
+          </p:pic>
+          <p:pic>
+            <p:nvPicPr>
+              <p:cNvPr id="45" name="Picture 44">
+                <a:extLst>
+                  <a:ext uri="{FF2B5EF4-FFF2-40B4-BE49-F238E27FC236}">
+                    <a16:creationId xmlns:a16="http://schemas.microsoft.com/office/drawing/2014/main" id="{34728256-1F09-4B0C-B0F2-E927916E8B82}"/>
+                  </a:ext>
+                </a:extLst>
+              </p:cNvPr>
+              <p:cNvPicPr>
+                <a:picLocks noChangeAspect="1"/>
+              </p:cNvPicPr>
+              <p:nvPr/>
+            </p:nvPicPr>
+            <p:blipFill rotWithShape="1">
+              <a:blip r:embed="rId4">
+                <a:extLst>
+                  <a:ext uri="{28A0092B-C50C-407E-A947-70E740481C1C}">
+                    <a14:useLocalDpi xmlns:a14="http://schemas.microsoft.com/office/drawing/2010/main" val="0"/>
+                  </a:ext>
+                </a:extLst>
+              </a:blip>
+              <a:srcRect l="15662" t="33891" r="45850" b="37426"/>
+              <a:stretch/>
+            </p:blipFill>
+            <p:spPr>
+              <a:xfrm>
+                <a:off x="6666363" y="3278998"/>
+                <a:ext cx="352071" cy="150013"/>
+              </a:xfrm>
+              <a:prstGeom prst="rect">
+                <a:avLst/>
+              </a:prstGeom>
+            </p:spPr>
+          </p:pic>
+          <p:pic>
+            <p:nvPicPr>
+              <p:cNvPr id="46" name="Picture 45">
+                <a:extLst>
+                  <a:ext uri="{FF2B5EF4-FFF2-40B4-BE49-F238E27FC236}">
+                    <a16:creationId xmlns:a16="http://schemas.microsoft.com/office/drawing/2014/main" id="{F215CC20-0E56-4D6B-B5A2-7FA529FC8035}"/>
+                  </a:ext>
+                </a:extLst>
+              </p:cNvPr>
+              <p:cNvPicPr>
+                <a:picLocks noChangeAspect="1"/>
+              </p:cNvPicPr>
+              <p:nvPr/>
+            </p:nvPicPr>
+            <p:blipFill rotWithShape="1">
+              <a:blip r:embed="rId4">
+                <a:extLst>
+                  <a:ext uri="{28A0092B-C50C-407E-A947-70E740481C1C}">
+                    <a14:useLocalDpi xmlns:a14="http://schemas.microsoft.com/office/drawing/2010/main" val="0"/>
+                  </a:ext>
+                </a:extLst>
+              </a:blip>
+              <a:srcRect l="15662" t="33891" r="45850" b="37426"/>
+              <a:stretch/>
+            </p:blipFill>
+            <p:spPr>
+              <a:xfrm>
+                <a:off x="7809099" y="3103457"/>
+                <a:ext cx="352071" cy="150013"/>
+              </a:xfrm>
+              <a:prstGeom prst="rect">
+                <a:avLst/>
+              </a:prstGeom>
+            </p:spPr>
+          </p:pic>
+          <p:pic>
+            <p:nvPicPr>
+              <p:cNvPr id="47" name="Picture 46">
+                <a:extLst>
+                  <a:ext uri="{FF2B5EF4-FFF2-40B4-BE49-F238E27FC236}">
+                    <a16:creationId xmlns:a16="http://schemas.microsoft.com/office/drawing/2014/main" id="{714720A3-52F6-484B-BE22-9A01341E42B1}"/>
+                  </a:ext>
+                </a:extLst>
+              </p:cNvPr>
+              <p:cNvPicPr>
+                <a:picLocks noChangeAspect="1"/>
+              </p:cNvPicPr>
+              <p:nvPr/>
+            </p:nvPicPr>
+            <p:blipFill rotWithShape="1">
+              <a:blip r:embed="rId4">
+                <a:extLst>
+                  <a:ext uri="{28A0092B-C50C-407E-A947-70E740481C1C}">
+                    <a14:useLocalDpi xmlns:a14="http://schemas.microsoft.com/office/drawing/2010/main" val="0"/>
+                  </a:ext>
+                </a:extLst>
+              </a:blip>
+              <a:srcRect l="15662" t="33891" r="45850" b="37426"/>
+              <a:stretch/>
+            </p:blipFill>
+            <p:spPr>
+              <a:xfrm>
+                <a:off x="7601904" y="3333251"/>
+                <a:ext cx="352071" cy="150013"/>
+              </a:xfrm>
+              <a:prstGeom prst="rect">
+                <a:avLst/>
+              </a:prstGeom>
+            </p:spPr>
+          </p:pic>
+          <p:pic>
+            <p:nvPicPr>
+              <p:cNvPr id="48" name="Picture 47">
+                <a:extLst>
+                  <a:ext uri="{FF2B5EF4-FFF2-40B4-BE49-F238E27FC236}">
+                    <a16:creationId xmlns:a16="http://schemas.microsoft.com/office/drawing/2014/main" id="{1F0B96A5-1163-4B06-93AB-D523426562D3}"/>
+                  </a:ext>
+                </a:extLst>
+              </p:cNvPr>
+              <p:cNvPicPr>
+                <a:picLocks noChangeAspect="1"/>
+              </p:cNvPicPr>
+              <p:nvPr/>
+            </p:nvPicPr>
+            <p:blipFill rotWithShape="1">
+              <a:blip r:embed="rId4">
+                <a:extLst>
+                  <a:ext uri="{28A0092B-C50C-407E-A947-70E740481C1C}">
+                    <a14:useLocalDpi xmlns:a14="http://schemas.microsoft.com/office/drawing/2010/main" val="0"/>
+                  </a:ext>
+                </a:extLst>
+              </a:blip>
+              <a:srcRect l="15662" t="33891" r="45850" b="37426"/>
+              <a:stretch/>
+            </p:blipFill>
+            <p:spPr>
+              <a:xfrm>
+                <a:off x="7693529" y="2873660"/>
+                <a:ext cx="352071" cy="150013"/>
+              </a:xfrm>
+              <a:prstGeom prst="rect">
+                <a:avLst/>
+              </a:prstGeom>
+            </p:spPr>
+          </p:pic>
+          <p:pic>
+            <p:nvPicPr>
+              <p:cNvPr id="49" name="Picture 48">
+                <a:extLst>
+                  <a:ext uri="{FF2B5EF4-FFF2-40B4-BE49-F238E27FC236}">
+                    <a16:creationId xmlns:a16="http://schemas.microsoft.com/office/drawing/2014/main" id="{457CFA40-A2FF-49FF-8C40-031ADD6AD695}"/>
+                  </a:ext>
+                </a:extLst>
+              </p:cNvPr>
+              <p:cNvPicPr>
+                <a:picLocks noChangeAspect="1"/>
+              </p:cNvPicPr>
+              <p:nvPr/>
+            </p:nvPicPr>
+            <p:blipFill rotWithShape="1">
+              <a:blip r:embed="rId4">
+                <a:extLst>
+                  <a:ext uri="{28A0092B-C50C-407E-A947-70E740481C1C}">
+                    <a14:useLocalDpi xmlns:a14="http://schemas.microsoft.com/office/drawing/2010/main" val="0"/>
+                  </a:ext>
+                </a:extLst>
+              </a:blip>
+              <a:srcRect l="15662" t="33891" r="45850" b="37426"/>
+              <a:stretch/>
+            </p:blipFill>
+            <p:spPr>
+              <a:xfrm>
+                <a:off x="7960822" y="3333251"/>
+                <a:ext cx="352071" cy="150013"/>
+              </a:xfrm>
+              <a:prstGeom prst="rect">
+                <a:avLst/>
+              </a:prstGeom>
+            </p:spPr>
+          </p:pic>
+          <p:pic>
+            <p:nvPicPr>
+              <p:cNvPr id="50" name="Picture 49">
+                <a:extLst>
+                  <a:ext uri="{FF2B5EF4-FFF2-40B4-BE49-F238E27FC236}">
+                    <a16:creationId xmlns:a16="http://schemas.microsoft.com/office/drawing/2014/main" id="{B36EC49B-FA4F-428C-A94C-9724CEF5A0FB}"/>
+                  </a:ext>
+                </a:extLst>
+              </p:cNvPr>
+              <p:cNvPicPr>
+                <a:picLocks noChangeAspect="1"/>
+              </p:cNvPicPr>
+              <p:nvPr/>
+            </p:nvPicPr>
+            <p:blipFill rotWithShape="1">
+              <a:blip r:embed="rId4">
+                <a:extLst>
+                  <a:ext uri="{28A0092B-C50C-407E-A947-70E740481C1C}">
+                    <a14:useLocalDpi xmlns:a14="http://schemas.microsoft.com/office/drawing/2010/main" val="0"/>
+                  </a:ext>
+                </a:extLst>
+              </a:blip>
+              <a:srcRect l="15662" t="33891" r="45850" b="37426"/>
+              <a:stretch/>
+            </p:blipFill>
+            <p:spPr>
+              <a:xfrm>
+                <a:off x="7386305" y="3103457"/>
+                <a:ext cx="352071" cy="150013"/>
+              </a:xfrm>
+              <a:prstGeom prst="rect">
+                <a:avLst/>
+              </a:prstGeom>
+            </p:spPr>
+          </p:pic>
+          <p:pic>
+            <p:nvPicPr>
+              <p:cNvPr id="51" name="Picture 50">
+                <a:extLst>
+                  <a:ext uri="{FF2B5EF4-FFF2-40B4-BE49-F238E27FC236}">
+                    <a16:creationId xmlns:a16="http://schemas.microsoft.com/office/drawing/2014/main" id="{E29DD08A-1FE0-4CD5-8907-F9F765D11BA5}"/>
+                  </a:ext>
+                </a:extLst>
+              </p:cNvPr>
+              <p:cNvPicPr>
+                <a:picLocks noChangeAspect="1"/>
+              </p:cNvPicPr>
+              <p:nvPr/>
+            </p:nvPicPr>
+            <p:blipFill rotWithShape="1">
+              <a:blip r:embed="rId4">
+                <a:extLst>
+                  <a:ext uri="{28A0092B-C50C-407E-A947-70E740481C1C}">
+                    <a14:useLocalDpi xmlns:a14="http://schemas.microsoft.com/office/drawing/2010/main" val="0"/>
+                  </a:ext>
+                </a:extLst>
+              </a:blip>
+              <a:srcRect l="15662" t="33891" r="45850" b="37426"/>
+              <a:stretch/>
+            </p:blipFill>
+            <p:spPr>
+              <a:xfrm>
+                <a:off x="7144080" y="3939657"/>
+                <a:ext cx="352071" cy="150013"/>
+              </a:xfrm>
+              <a:prstGeom prst="rect">
+                <a:avLst/>
+              </a:prstGeom>
+            </p:spPr>
+          </p:pic>
+          <p:pic>
+            <p:nvPicPr>
+              <p:cNvPr id="52" name="Picture 51">
+                <a:extLst>
+                  <a:ext uri="{FF2B5EF4-FFF2-40B4-BE49-F238E27FC236}">
+                    <a16:creationId xmlns:a16="http://schemas.microsoft.com/office/drawing/2014/main" id="{6FA82EFE-90ED-432F-92C9-55448524CE66}"/>
+                  </a:ext>
+                </a:extLst>
+              </p:cNvPr>
+              <p:cNvPicPr>
+                <a:picLocks noChangeAspect="1"/>
+              </p:cNvPicPr>
+              <p:nvPr/>
+            </p:nvPicPr>
+            <p:blipFill rotWithShape="1">
+              <a:blip r:embed="rId4">
+                <a:extLst>
+                  <a:ext uri="{28A0092B-C50C-407E-A947-70E740481C1C}">
+                    <a14:useLocalDpi xmlns:a14="http://schemas.microsoft.com/office/drawing/2010/main" val="0"/>
+                  </a:ext>
+                </a:extLst>
+              </a:blip>
+              <a:srcRect l="15662" t="33891" r="45850" b="37426"/>
+              <a:stretch/>
+            </p:blipFill>
+            <p:spPr>
+              <a:xfrm>
+                <a:off x="6936888" y="4169451"/>
+                <a:ext cx="352071" cy="150013"/>
+              </a:xfrm>
+              <a:prstGeom prst="rect">
+                <a:avLst/>
+              </a:prstGeom>
+            </p:spPr>
+          </p:pic>
+          <p:pic>
+            <p:nvPicPr>
+              <p:cNvPr id="53" name="Picture 52">
+                <a:extLst>
+                  <a:ext uri="{FF2B5EF4-FFF2-40B4-BE49-F238E27FC236}">
+                    <a16:creationId xmlns:a16="http://schemas.microsoft.com/office/drawing/2014/main" id="{F82B5376-DE01-435D-B94E-15C86753DBDE}"/>
+                  </a:ext>
+                </a:extLst>
+              </p:cNvPr>
+              <p:cNvPicPr>
+                <a:picLocks noChangeAspect="1"/>
+              </p:cNvPicPr>
+              <p:nvPr/>
+            </p:nvPicPr>
+            <p:blipFill rotWithShape="1">
+              <a:blip r:embed="rId4">
+                <a:extLst>
+                  <a:ext uri="{28A0092B-C50C-407E-A947-70E740481C1C}">
+                    <a14:useLocalDpi xmlns:a14="http://schemas.microsoft.com/office/drawing/2010/main" val="0"/>
+                  </a:ext>
+                </a:extLst>
+              </a:blip>
+              <a:srcRect l="15662" t="33891" r="45850" b="37426"/>
+              <a:stretch/>
+            </p:blipFill>
+            <p:spPr>
+              <a:xfrm>
+                <a:off x="7028514" y="3709863"/>
+                <a:ext cx="352071" cy="150013"/>
+              </a:xfrm>
+              <a:prstGeom prst="rect">
+                <a:avLst/>
+              </a:prstGeom>
+            </p:spPr>
+          </p:pic>
+          <p:pic>
+            <p:nvPicPr>
+              <p:cNvPr id="54" name="Picture 53">
+                <a:extLst>
+                  <a:ext uri="{FF2B5EF4-FFF2-40B4-BE49-F238E27FC236}">
+                    <a16:creationId xmlns:a16="http://schemas.microsoft.com/office/drawing/2014/main" id="{D3E6A2E8-8C7B-4218-BBF9-5182C0320316}"/>
+                  </a:ext>
+                </a:extLst>
+              </p:cNvPr>
+              <p:cNvPicPr>
+                <a:picLocks noChangeAspect="1"/>
+              </p:cNvPicPr>
+              <p:nvPr/>
+            </p:nvPicPr>
+            <p:blipFill rotWithShape="1">
+              <a:blip r:embed="rId4">
+                <a:extLst>
+                  <a:ext uri="{28A0092B-C50C-407E-A947-70E740481C1C}">
+                    <a14:useLocalDpi xmlns:a14="http://schemas.microsoft.com/office/drawing/2010/main" val="0"/>
+                  </a:ext>
+                </a:extLst>
+              </a:blip>
+              <a:srcRect l="15662" t="33891" r="45850" b="37426"/>
+              <a:stretch/>
+            </p:blipFill>
+            <p:spPr>
+              <a:xfrm>
+                <a:off x="7295807" y="4169451"/>
+                <a:ext cx="352071" cy="150013"/>
+              </a:xfrm>
+              <a:prstGeom prst="rect">
+                <a:avLst/>
+              </a:prstGeom>
+            </p:spPr>
+          </p:pic>
+          <p:pic>
+            <p:nvPicPr>
+              <p:cNvPr id="55" name="Picture 54">
+                <a:extLst>
+                  <a:ext uri="{FF2B5EF4-FFF2-40B4-BE49-F238E27FC236}">
+                    <a16:creationId xmlns:a16="http://schemas.microsoft.com/office/drawing/2014/main" id="{35545253-F3F5-436E-83DC-4620991FBA2F}"/>
+                  </a:ext>
+                </a:extLst>
+              </p:cNvPr>
+              <p:cNvPicPr>
+                <a:picLocks noChangeAspect="1"/>
+              </p:cNvPicPr>
+              <p:nvPr/>
+            </p:nvPicPr>
+            <p:blipFill rotWithShape="1">
+              <a:blip r:embed="rId4">
+                <a:extLst>
+                  <a:ext uri="{28A0092B-C50C-407E-A947-70E740481C1C}">
+                    <a14:useLocalDpi xmlns:a14="http://schemas.microsoft.com/office/drawing/2010/main" val="0"/>
+                  </a:ext>
+                </a:extLst>
+              </a:blip>
+              <a:srcRect l="15662" t="33891" r="45850" b="37426"/>
+              <a:stretch/>
+            </p:blipFill>
+            <p:spPr>
+              <a:xfrm>
+                <a:off x="6721286" y="3939657"/>
+                <a:ext cx="352071" cy="150013"/>
+              </a:xfrm>
+              <a:prstGeom prst="rect">
+                <a:avLst/>
+              </a:prstGeom>
+            </p:spPr>
+          </p:pic>
+          <p:pic>
+            <p:nvPicPr>
+              <p:cNvPr id="56" name="Picture 55">
+                <a:extLst>
+                  <a:ext uri="{FF2B5EF4-FFF2-40B4-BE49-F238E27FC236}">
+                    <a16:creationId xmlns:a16="http://schemas.microsoft.com/office/drawing/2014/main" id="{CBF3E5F3-5658-41DE-A74D-F4EB15FC9560}"/>
+                  </a:ext>
+                </a:extLst>
+              </p:cNvPr>
+              <p:cNvPicPr>
+                <a:picLocks noChangeAspect="1"/>
+              </p:cNvPicPr>
+              <p:nvPr/>
+            </p:nvPicPr>
+            <p:blipFill rotWithShape="1">
+              <a:blip r:embed="rId4">
+                <a:extLst>
+                  <a:ext uri="{28A0092B-C50C-407E-A947-70E740481C1C}">
+                    <a14:useLocalDpi xmlns:a14="http://schemas.microsoft.com/office/drawing/2010/main" val="0"/>
+                  </a:ext>
+                </a:extLst>
+              </a:blip>
+              <a:srcRect l="15662" t="33891" r="45850" b="37426"/>
+              <a:stretch/>
+            </p:blipFill>
+            <p:spPr>
+              <a:xfrm>
+                <a:off x="7864022" y="3764116"/>
+                <a:ext cx="352071" cy="150013"/>
+              </a:xfrm>
+              <a:prstGeom prst="rect">
+                <a:avLst/>
+              </a:prstGeom>
+            </p:spPr>
+          </p:pic>
+          <p:pic>
+            <p:nvPicPr>
+              <p:cNvPr id="57" name="Picture 56">
+                <a:extLst>
+                  <a:ext uri="{FF2B5EF4-FFF2-40B4-BE49-F238E27FC236}">
+                    <a16:creationId xmlns:a16="http://schemas.microsoft.com/office/drawing/2014/main" id="{EBE374D8-ABB2-47B5-9A1C-1B981004F519}"/>
+                  </a:ext>
+                </a:extLst>
+              </p:cNvPr>
+              <p:cNvPicPr>
+                <a:picLocks noChangeAspect="1"/>
+              </p:cNvPicPr>
+              <p:nvPr/>
+            </p:nvPicPr>
+            <p:blipFill rotWithShape="1">
+              <a:blip r:embed="rId4">
+                <a:extLst>
+                  <a:ext uri="{28A0092B-C50C-407E-A947-70E740481C1C}">
+                    <a14:useLocalDpi xmlns:a14="http://schemas.microsoft.com/office/drawing/2010/main" val="0"/>
+                  </a:ext>
+                </a:extLst>
+              </a:blip>
+              <a:srcRect l="15662" t="33891" r="45850" b="37426"/>
+              <a:stretch/>
+            </p:blipFill>
+            <p:spPr>
+              <a:xfrm>
+                <a:off x="7656827" y="3993910"/>
+                <a:ext cx="352071" cy="150013"/>
+              </a:xfrm>
+              <a:prstGeom prst="rect">
+                <a:avLst/>
+              </a:prstGeom>
+            </p:spPr>
+          </p:pic>
+          <p:pic>
+            <p:nvPicPr>
+              <p:cNvPr id="58" name="Picture 57">
+                <a:extLst>
+                  <a:ext uri="{FF2B5EF4-FFF2-40B4-BE49-F238E27FC236}">
+                    <a16:creationId xmlns:a16="http://schemas.microsoft.com/office/drawing/2014/main" id="{B951249E-336A-47DA-90EE-BC35A4823830}"/>
+                  </a:ext>
+                </a:extLst>
+              </p:cNvPr>
+              <p:cNvPicPr>
+                <a:picLocks noChangeAspect="1"/>
+              </p:cNvPicPr>
+              <p:nvPr/>
+            </p:nvPicPr>
+            <p:blipFill rotWithShape="1">
+              <a:blip r:embed="rId4">
+                <a:extLst>
+                  <a:ext uri="{28A0092B-C50C-407E-A947-70E740481C1C}">
+                    <a14:useLocalDpi xmlns:a14="http://schemas.microsoft.com/office/drawing/2010/main" val="0"/>
+                  </a:ext>
+                </a:extLst>
+              </a:blip>
+              <a:srcRect l="15662" t="33891" r="45850" b="37426"/>
+              <a:stretch/>
+            </p:blipFill>
+            <p:spPr>
+              <a:xfrm>
+                <a:off x="7748452" y="3534322"/>
+                <a:ext cx="352071" cy="150013"/>
+              </a:xfrm>
+              <a:prstGeom prst="rect">
+                <a:avLst/>
+              </a:prstGeom>
+            </p:spPr>
+          </p:pic>
+          <p:pic>
+            <p:nvPicPr>
+              <p:cNvPr id="59" name="Picture 58">
+                <a:extLst>
+                  <a:ext uri="{FF2B5EF4-FFF2-40B4-BE49-F238E27FC236}">
+                    <a16:creationId xmlns:a16="http://schemas.microsoft.com/office/drawing/2014/main" id="{78566075-8CC2-4504-A7D5-A396E0262B41}"/>
+                  </a:ext>
+                </a:extLst>
+              </p:cNvPr>
+              <p:cNvPicPr>
+                <a:picLocks noChangeAspect="1"/>
+              </p:cNvPicPr>
+              <p:nvPr/>
+            </p:nvPicPr>
+            <p:blipFill rotWithShape="1">
+              <a:blip r:embed="rId4">
+                <a:extLst>
+                  <a:ext uri="{28A0092B-C50C-407E-A947-70E740481C1C}">
+                    <a14:useLocalDpi xmlns:a14="http://schemas.microsoft.com/office/drawing/2010/main" val="0"/>
+                  </a:ext>
+                </a:extLst>
+              </a:blip>
+              <a:srcRect l="15662" t="33891" r="45850" b="37426"/>
+              <a:stretch/>
+            </p:blipFill>
+            <p:spPr>
+              <a:xfrm>
+                <a:off x="8015745" y="3993910"/>
+                <a:ext cx="352071" cy="150013"/>
+              </a:xfrm>
+              <a:prstGeom prst="rect">
+                <a:avLst/>
+              </a:prstGeom>
+            </p:spPr>
+          </p:pic>
+          <p:pic>
+            <p:nvPicPr>
+              <p:cNvPr id="60" name="Picture 59">
+                <a:extLst>
+                  <a:ext uri="{FF2B5EF4-FFF2-40B4-BE49-F238E27FC236}">
+                    <a16:creationId xmlns:a16="http://schemas.microsoft.com/office/drawing/2014/main" id="{9AD001CE-3530-42F7-9B60-8984666BF843}"/>
+                  </a:ext>
+                </a:extLst>
+              </p:cNvPr>
+              <p:cNvPicPr>
+                <a:picLocks noChangeAspect="1"/>
+              </p:cNvPicPr>
+              <p:nvPr/>
+            </p:nvPicPr>
+            <p:blipFill rotWithShape="1">
+              <a:blip r:embed="rId4">
+                <a:extLst>
+                  <a:ext uri="{28A0092B-C50C-407E-A947-70E740481C1C}">
+                    <a14:useLocalDpi xmlns:a14="http://schemas.microsoft.com/office/drawing/2010/main" val="0"/>
+                  </a:ext>
+                </a:extLst>
+              </a:blip>
+              <a:srcRect l="15662" t="33891" r="45850" b="37426"/>
+              <a:stretch/>
+            </p:blipFill>
+            <p:spPr>
+              <a:xfrm>
+                <a:off x="7441228" y="3764116"/>
+                <a:ext cx="352071" cy="150013"/>
+              </a:xfrm>
+              <a:prstGeom prst="rect">
+                <a:avLst/>
+              </a:prstGeom>
+            </p:spPr>
+          </p:pic>
+          <p:pic>
+            <p:nvPicPr>
+              <p:cNvPr id="61" name="Picture 60">
+                <a:extLst>
+                  <a:ext uri="{FF2B5EF4-FFF2-40B4-BE49-F238E27FC236}">
+                    <a16:creationId xmlns:a16="http://schemas.microsoft.com/office/drawing/2014/main" id="{2589A01F-3CC3-4273-AE2E-8058A0D38F28}"/>
+                  </a:ext>
+                </a:extLst>
+              </p:cNvPr>
+              <p:cNvPicPr>
+                <a:picLocks noChangeAspect="1"/>
+              </p:cNvPicPr>
+              <p:nvPr/>
+            </p:nvPicPr>
+            <p:blipFill rotWithShape="1">
+              <a:blip r:embed="rId4">
+                <a:extLst>
+                  <a:ext uri="{28A0092B-C50C-407E-A947-70E740481C1C}">
+                    <a14:useLocalDpi xmlns:a14="http://schemas.microsoft.com/office/drawing/2010/main" val="0"/>
+                  </a:ext>
+                </a:extLst>
+              </a:blip>
+              <a:srcRect l="15662" t="33891" r="45850" b="37426"/>
+              <a:stretch/>
+            </p:blipFill>
+            <p:spPr>
+              <a:xfrm>
+                <a:off x="6456301" y="2838546"/>
+                <a:ext cx="352071" cy="150013"/>
+              </a:xfrm>
+              <a:prstGeom prst="rect">
+                <a:avLst/>
+              </a:prstGeom>
+            </p:spPr>
+          </p:pic>
+          <p:pic>
+            <p:nvPicPr>
+              <p:cNvPr id="62" name="Picture 61">
+                <a:extLst>
+                  <a:ext uri="{FF2B5EF4-FFF2-40B4-BE49-F238E27FC236}">
+                    <a16:creationId xmlns:a16="http://schemas.microsoft.com/office/drawing/2014/main" id="{F1B859CE-B398-48B1-8139-AEE69A679BD0}"/>
+                  </a:ext>
+                </a:extLst>
+              </p:cNvPr>
+              <p:cNvPicPr>
+                <a:picLocks noChangeAspect="1"/>
+              </p:cNvPicPr>
+              <p:nvPr/>
+            </p:nvPicPr>
+            <p:blipFill rotWithShape="1">
+              <a:blip r:embed="rId4">
+                <a:extLst>
+                  <a:ext uri="{28A0092B-C50C-407E-A947-70E740481C1C}">
+                    <a14:useLocalDpi xmlns:a14="http://schemas.microsoft.com/office/drawing/2010/main" val="0"/>
+                  </a:ext>
+                </a:extLst>
+              </a:blip>
+              <a:srcRect l="15662" t="33891" r="45850" b="37426"/>
+              <a:stretch/>
+            </p:blipFill>
+            <p:spPr>
+              <a:xfrm>
+                <a:off x="6413573" y="3450018"/>
+                <a:ext cx="352071" cy="150013"/>
+              </a:xfrm>
+              <a:prstGeom prst="rect">
+                <a:avLst/>
+              </a:prstGeom>
+            </p:spPr>
+          </p:pic>
+          <p:pic>
+            <p:nvPicPr>
+              <p:cNvPr id="63" name="Picture 62">
+                <a:extLst>
+                  <a:ext uri="{FF2B5EF4-FFF2-40B4-BE49-F238E27FC236}">
+                    <a16:creationId xmlns:a16="http://schemas.microsoft.com/office/drawing/2014/main" id="{DC2D3A09-A9BD-4CB9-9A73-6C7221015A4E}"/>
+                  </a:ext>
+                </a:extLst>
+              </p:cNvPr>
+              <p:cNvPicPr>
+                <a:picLocks noChangeAspect="1"/>
+              </p:cNvPicPr>
+              <p:nvPr/>
+            </p:nvPicPr>
+            <p:blipFill rotWithShape="1">
+              <a:blip r:embed="rId4">
+                <a:extLst>
+                  <a:ext uri="{28A0092B-C50C-407E-A947-70E740481C1C}">
+                    <a14:useLocalDpi xmlns:a14="http://schemas.microsoft.com/office/drawing/2010/main" val="0"/>
+                  </a:ext>
+                </a:extLst>
+              </a:blip>
+              <a:srcRect l="15662" t="33891" r="45850" b="37426"/>
+              <a:stretch/>
+            </p:blipFill>
+            <p:spPr>
+              <a:xfrm>
+                <a:off x="8319613" y="3745580"/>
+                <a:ext cx="352071" cy="150013"/>
+              </a:xfrm>
+              <a:prstGeom prst="rect">
+                <a:avLst/>
+              </a:prstGeom>
+            </p:spPr>
+          </p:pic>
+          <p:pic>
+            <p:nvPicPr>
+              <p:cNvPr id="64" name="Picture 63">
+                <a:extLst>
+                  <a:ext uri="{FF2B5EF4-FFF2-40B4-BE49-F238E27FC236}">
+                    <a16:creationId xmlns:a16="http://schemas.microsoft.com/office/drawing/2014/main" id="{0E26BFED-65B3-4EE7-9F5C-00AA526116E8}"/>
+                  </a:ext>
+                </a:extLst>
+              </p:cNvPr>
+              <p:cNvPicPr>
+                <a:picLocks noChangeAspect="1"/>
+              </p:cNvPicPr>
+              <p:nvPr/>
+            </p:nvPicPr>
+            <p:blipFill rotWithShape="1">
+              <a:blip r:embed="rId4">
+                <a:extLst>
+                  <a:ext uri="{28A0092B-C50C-407E-A947-70E740481C1C}">
+                    <a14:useLocalDpi xmlns:a14="http://schemas.microsoft.com/office/drawing/2010/main" val="0"/>
+                  </a:ext>
+                </a:extLst>
+              </a:blip>
+              <a:srcRect l="15662" t="33891" r="45850" b="37426"/>
+              <a:stretch/>
+            </p:blipFill>
+            <p:spPr>
+              <a:xfrm>
+                <a:off x="6608024" y="3068339"/>
+                <a:ext cx="352071" cy="150013"/>
+              </a:xfrm>
+              <a:prstGeom prst="rect">
+                <a:avLst/>
+              </a:prstGeom>
+            </p:spPr>
+          </p:pic>
+          <p:pic>
+            <p:nvPicPr>
+              <p:cNvPr id="65" name="Picture 64">
+                <a:extLst>
+                  <a:ext uri="{FF2B5EF4-FFF2-40B4-BE49-F238E27FC236}">
+                    <a16:creationId xmlns:a16="http://schemas.microsoft.com/office/drawing/2014/main" id="{9097798A-B3BA-4874-B8F2-3B07E9FB1DA6}"/>
+                  </a:ext>
+                </a:extLst>
+              </p:cNvPr>
+              <p:cNvPicPr>
+                <a:picLocks noChangeAspect="1"/>
+              </p:cNvPicPr>
+              <p:nvPr/>
+            </p:nvPicPr>
+            <p:blipFill rotWithShape="1">
+              <a:blip r:embed="rId4">
+                <a:extLst>
+                  <a:ext uri="{28A0092B-C50C-407E-A947-70E740481C1C}">
+                    <a14:useLocalDpi xmlns:a14="http://schemas.microsoft.com/office/drawing/2010/main" val="0"/>
+                  </a:ext>
+                </a:extLst>
+              </a:blip>
+              <a:srcRect l="15662" t="33891" r="45850" b="37426"/>
+              <a:stretch/>
+            </p:blipFill>
+            <p:spPr>
+              <a:xfrm>
+                <a:off x="6618419" y="3679812"/>
+                <a:ext cx="352071" cy="150013"/>
+              </a:xfrm>
+              <a:prstGeom prst="rect">
+                <a:avLst/>
+              </a:prstGeom>
+            </p:spPr>
+          </p:pic>
+          <p:pic>
+            <p:nvPicPr>
+              <p:cNvPr id="66" name="Picture 65">
+                <a:extLst>
+                  <a:ext uri="{FF2B5EF4-FFF2-40B4-BE49-F238E27FC236}">
+                    <a16:creationId xmlns:a16="http://schemas.microsoft.com/office/drawing/2014/main" id="{F9C7B940-AF74-49F4-B1E1-6AC8BFC62EE7}"/>
+                  </a:ext>
+                </a:extLst>
+              </p:cNvPr>
+              <p:cNvPicPr>
+                <a:picLocks noChangeAspect="1"/>
+              </p:cNvPicPr>
+              <p:nvPr/>
+            </p:nvPicPr>
+            <p:blipFill rotWithShape="1">
+              <a:blip r:embed="rId4">
+                <a:extLst>
+                  <a:ext uri="{28A0092B-C50C-407E-A947-70E740481C1C}">
+                    <a14:useLocalDpi xmlns:a14="http://schemas.microsoft.com/office/drawing/2010/main" val="0"/>
+                  </a:ext>
+                </a:extLst>
+              </a:blip>
+              <a:srcRect l="15662" t="33891" r="45850" b="37426"/>
+              <a:stretch/>
+            </p:blipFill>
+            <p:spPr>
+              <a:xfrm>
+                <a:off x="7176239" y="2663005"/>
+                <a:ext cx="352071" cy="150013"/>
+              </a:xfrm>
+              <a:prstGeom prst="rect">
+                <a:avLst/>
+              </a:prstGeom>
+            </p:spPr>
+          </p:pic>
+          <p:pic>
+            <p:nvPicPr>
+              <p:cNvPr id="67" name="Picture 66">
+                <a:extLst>
+                  <a:ext uri="{FF2B5EF4-FFF2-40B4-BE49-F238E27FC236}">
+                    <a16:creationId xmlns:a16="http://schemas.microsoft.com/office/drawing/2014/main" id="{58F4596E-2667-4D58-B921-E97520DB333A}"/>
+                  </a:ext>
+                </a:extLst>
+              </p:cNvPr>
+              <p:cNvPicPr>
+                <a:picLocks noChangeAspect="1"/>
+              </p:cNvPicPr>
+              <p:nvPr/>
+            </p:nvPicPr>
+            <p:blipFill rotWithShape="1">
+              <a:blip r:embed="rId4">
+                <a:extLst>
+                  <a:ext uri="{28A0092B-C50C-407E-A947-70E740481C1C}">
+                    <a14:useLocalDpi xmlns:a14="http://schemas.microsoft.com/office/drawing/2010/main" val="0"/>
+                  </a:ext>
+                </a:extLst>
+              </a:blip>
+              <a:srcRect l="15662" t="33891" r="45850" b="37426"/>
+              <a:stretch/>
+            </p:blipFill>
+            <p:spPr>
+              <a:xfrm>
+                <a:off x="6969044" y="2892799"/>
+                <a:ext cx="352071" cy="150013"/>
+              </a:xfrm>
+              <a:prstGeom prst="rect">
+                <a:avLst/>
+              </a:prstGeom>
+            </p:spPr>
+          </p:pic>
+          <p:pic>
+            <p:nvPicPr>
+              <p:cNvPr id="68" name="Picture 67">
+                <a:extLst>
+                  <a:ext uri="{FF2B5EF4-FFF2-40B4-BE49-F238E27FC236}">
+                    <a16:creationId xmlns:a16="http://schemas.microsoft.com/office/drawing/2014/main" id="{90E660DD-CC28-4AA8-A7FD-5A3BCF313F93}"/>
+                  </a:ext>
+                </a:extLst>
+              </p:cNvPr>
+              <p:cNvPicPr>
+                <a:picLocks noChangeAspect="1"/>
+              </p:cNvPicPr>
+              <p:nvPr/>
+            </p:nvPicPr>
+            <p:blipFill rotWithShape="1">
+              <a:blip r:embed="rId4">
+                <a:extLst>
+                  <a:ext uri="{28A0092B-C50C-407E-A947-70E740481C1C}">
+                    <a14:useLocalDpi xmlns:a14="http://schemas.microsoft.com/office/drawing/2010/main" val="0"/>
+                  </a:ext>
+                </a:extLst>
+              </a:blip>
+              <a:srcRect l="15662" t="33891" r="45850" b="37426"/>
+              <a:stretch/>
+            </p:blipFill>
+            <p:spPr>
+              <a:xfrm>
+                <a:off x="8161170" y="3538422"/>
+                <a:ext cx="352071" cy="150013"/>
+              </a:xfrm>
+              <a:prstGeom prst="rect">
+                <a:avLst/>
+              </a:prstGeom>
+            </p:spPr>
+          </p:pic>
+          <p:pic>
+            <p:nvPicPr>
+              <p:cNvPr id="69" name="Picture 68">
+                <a:extLst>
+                  <a:ext uri="{FF2B5EF4-FFF2-40B4-BE49-F238E27FC236}">
+                    <a16:creationId xmlns:a16="http://schemas.microsoft.com/office/drawing/2014/main" id="{D28C607A-C15F-4BAA-94DA-C830E4CC04A6}"/>
+                  </a:ext>
+                </a:extLst>
+              </p:cNvPr>
+              <p:cNvPicPr>
+                <a:picLocks noChangeAspect="1"/>
+              </p:cNvPicPr>
+              <p:nvPr/>
+            </p:nvPicPr>
+            <p:blipFill rotWithShape="1">
+              <a:blip r:embed="rId4">
+                <a:extLst>
+                  <a:ext uri="{28A0092B-C50C-407E-A947-70E740481C1C}">
+                    <a14:useLocalDpi xmlns:a14="http://schemas.microsoft.com/office/drawing/2010/main" val="0"/>
+                  </a:ext>
+                </a:extLst>
+              </a:blip>
+              <a:srcRect l="15662" t="33891" r="45850" b="37426"/>
+              <a:stretch/>
+            </p:blipFill>
+            <p:spPr>
+              <a:xfrm>
+                <a:off x="7327962" y="2892796"/>
+                <a:ext cx="352071" cy="150013"/>
+              </a:xfrm>
+              <a:prstGeom prst="rect">
+                <a:avLst/>
+              </a:prstGeom>
+            </p:spPr>
+          </p:pic>
+          <p:pic>
+            <p:nvPicPr>
+              <p:cNvPr id="70" name="Picture 69">
+                <a:extLst>
+                  <a:ext uri="{FF2B5EF4-FFF2-40B4-BE49-F238E27FC236}">
+                    <a16:creationId xmlns:a16="http://schemas.microsoft.com/office/drawing/2014/main" id="{57789CA7-4DC5-4EAE-8575-685821D062AF}"/>
+                  </a:ext>
+                </a:extLst>
+              </p:cNvPr>
+              <p:cNvPicPr>
+                <a:picLocks noChangeAspect="1"/>
+              </p:cNvPicPr>
+              <p:nvPr/>
+            </p:nvPicPr>
+            <p:blipFill rotWithShape="1">
+              <a:blip r:embed="rId4">
+                <a:extLst>
+                  <a:ext uri="{28A0092B-C50C-407E-A947-70E740481C1C}">
+                    <a14:useLocalDpi xmlns:a14="http://schemas.microsoft.com/office/drawing/2010/main" val="0"/>
+                  </a:ext>
+                </a:extLst>
+              </a:blip>
+              <a:srcRect l="15662" t="33891" r="45850" b="37426"/>
+              <a:stretch/>
+            </p:blipFill>
+            <p:spPr>
+              <a:xfrm>
+                <a:off x="6753456" y="2662996"/>
+                <a:ext cx="352071" cy="150013"/>
+              </a:xfrm>
+              <a:prstGeom prst="rect">
+                <a:avLst/>
+              </a:prstGeom>
+            </p:spPr>
+          </p:pic>
+        </p:grpSp>
+        <p:sp>
+          <p:nvSpPr>
+            <p:cNvPr id="72" name="TextBox 71">
+              <a:extLst>
+                <a:ext uri="{FF2B5EF4-FFF2-40B4-BE49-F238E27FC236}">
+                  <a16:creationId xmlns:a16="http://schemas.microsoft.com/office/drawing/2014/main" id="{B56906BC-DBE8-4A2B-8F51-19333C6165DC}"/>
+                </a:ext>
+              </a:extLst>
+            </p:cNvPr>
+            <p:cNvSpPr txBox="1"/>
+            <p:nvPr/>
+          </p:nvSpPr>
+          <p:spPr>
+            <a:xfrm>
+              <a:off x="7473828" y="1953763"/>
+              <a:ext cx="592120" cy="584775"/>
+            </a:xfrm>
+            <a:prstGeom prst="rect">
+              <a:avLst/>
+            </a:prstGeom>
+            <a:noFill/>
+          </p:spPr>
+          <p:txBody>
+            <a:bodyPr wrap="square" rtlCol="0">
+              <a:spAutoFit/>
+            </a:bodyPr>
+            <a:lstStyle/>
+            <a:p>
+              <a:r>
+                <a:rPr lang="en-US" sz="3200" b="1" dirty="0">
+                  <a:highlight>
+                    <a:srgbClr val="FFFF00"/>
+                  </a:highlight>
+                </a:rPr>
+                <a:t>1x</a:t>
+              </a:r>
+            </a:p>
+          </p:txBody>
+        </p:sp>
+        <p:sp>
+          <p:nvSpPr>
+            <p:cNvPr id="73" name="TextBox 72">
+              <a:extLst>
+                <a:ext uri="{FF2B5EF4-FFF2-40B4-BE49-F238E27FC236}">
+                  <a16:creationId xmlns:a16="http://schemas.microsoft.com/office/drawing/2014/main" id="{FBE28D46-3444-47B5-8207-D5F8D4D0F1A4}"/>
+                </a:ext>
+              </a:extLst>
+            </p:cNvPr>
+            <p:cNvSpPr txBox="1"/>
+            <p:nvPr/>
+          </p:nvSpPr>
+          <p:spPr>
+            <a:xfrm>
+              <a:off x="7473798" y="3860171"/>
+              <a:ext cx="592120" cy="584775"/>
+            </a:xfrm>
+            <a:prstGeom prst="rect">
+              <a:avLst/>
+            </a:prstGeom>
+            <a:noFill/>
+          </p:spPr>
+          <p:txBody>
+            <a:bodyPr wrap="square" rtlCol="0">
+              <a:spAutoFit/>
+            </a:bodyPr>
+            <a:lstStyle/>
+            <a:p>
+              <a:r>
+                <a:rPr lang="en-US" sz="3200" b="1" dirty="0">
+                  <a:highlight>
+                    <a:srgbClr val="FFFF00"/>
+                  </a:highlight>
+                </a:rPr>
+                <a:t>7x</a:t>
+              </a:r>
+            </a:p>
+          </p:txBody>
+        </p:sp>
+      </p:grpSp>
+      <p:sp>
+        <p:nvSpPr>
+          <p:cNvPr id="4" name="Text Placeholder 3">
+            <a:extLst>
+              <a:ext uri="{FF2B5EF4-FFF2-40B4-BE49-F238E27FC236}">
+                <a16:creationId xmlns:a16="http://schemas.microsoft.com/office/drawing/2014/main" id="{3DC99D02-6D8D-4D00-A9A3-3E5DAAA35733}"/>
+              </a:ext>
+            </a:extLst>
+          </p:cNvPr>
+          <p:cNvSpPr>
+            <a:spLocks noGrp="1"/>
+          </p:cNvSpPr>
+          <p:nvPr>
+            <p:ph type="body" sz="half" idx="2"/>
+          </p:nvPr>
+        </p:nvSpPr>
+        <p:spPr>
+          <a:xfrm>
+            <a:off x="9689487" y="2425700"/>
+            <a:ext cx="2185013" cy="4000500"/>
+          </a:xfrm>
+        </p:spPr>
+        <p:txBody>
+          <a:bodyPr wrap="square">
+            <a:normAutofit fontScale="92500" lnSpcReduction="20000"/>
+          </a:bodyPr>
+          <a:lstStyle/>
+          <a:p>
+            <a:r>
+              <a:rPr lang="en-US" sz="1800" b="1" u="sng" dirty="0"/>
+              <a:t>5 Cages Total: </a:t>
+            </a:r>
+          </a:p>
+          <a:p>
+            <a:r>
+              <a:rPr lang="en-US" sz="1800" dirty="0"/>
+              <a:t>1 Control Cage</a:t>
+            </a:r>
+          </a:p>
+          <a:p>
+            <a:pPr marL="285750" indent="-285750">
+              <a:buFont typeface="Arial" panose="020B0604020202020204" pitchFamily="34" charset="0"/>
+              <a:buChar char="•"/>
+            </a:pPr>
+            <a:r>
+              <a:rPr lang="en-US" sz="1800" dirty="0"/>
+              <a:t>1 Control Jar: 10% Juice</a:t>
+            </a:r>
+          </a:p>
+          <a:p>
+            <a:pPr marL="285750" indent="-285750">
+              <a:buFont typeface="Arial" panose="020B0604020202020204" pitchFamily="34" charset="0"/>
+              <a:buChar char="•"/>
+            </a:pPr>
+            <a:r>
+              <a:rPr lang="en-US" sz="1800" dirty="0"/>
+              <a:t>1 Treatment Jar: 10% Juice + Microbe</a:t>
+            </a:r>
+          </a:p>
+          <a:p>
+            <a:pPr marL="285750" indent="-285750">
+              <a:buFont typeface="Arial" panose="020B0604020202020204" pitchFamily="34" charset="0"/>
+              <a:buChar char="•"/>
+            </a:pPr>
+            <a:r>
+              <a:rPr lang="en-US" sz="1800" u="sng" dirty="0"/>
+              <a:t>NO Flies</a:t>
+            </a:r>
+          </a:p>
+          <a:p>
+            <a:r>
+              <a:rPr lang="en-US" sz="1800" dirty="0"/>
+              <a:t>Treatment Cages</a:t>
+            </a:r>
+          </a:p>
+          <a:p>
+            <a:pPr marL="285750" indent="-285750">
+              <a:buFont typeface="Arial" panose="020B0604020202020204" pitchFamily="34" charset="0"/>
+              <a:buChar char="•"/>
+            </a:pPr>
+            <a:r>
+              <a:rPr lang="en-US" sz="1800" dirty="0"/>
+              <a:t>1 Control Jar: 10% Juice</a:t>
+            </a:r>
+          </a:p>
+          <a:p>
+            <a:pPr marL="285750" indent="-285750">
+              <a:buFont typeface="Arial" panose="020B0604020202020204" pitchFamily="34" charset="0"/>
+              <a:buChar char="•"/>
+            </a:pPr>
+            <a:r>
+              <a:rPr lang="en-US" sz="1800" dirty="0"/>
+              <a:t>1 Treatment Jar: 10% Juice + Microbe</a:t>
+            </a:r>
+          </a:p>
+          <a:p>
+            <a:pPr marL="285750" indent="-285750">
+              <a:buFont typeface="Arial" panose="020B0604020202020204" pitchFamily="34" charset="0"/>
+              <a:buChar char="•"/>
+            </a:pPr>
+            <a:r>
+              <a:rPr lang="en-US" sz="1800" u="sng" dirty="0"/>
+              <a:t>50 SWD flies</a:t>
+            </a:r>
+          </a:p>
+          <a:p>
+            <a:endParaRPr lang="en-US" sz="1800" dirty="0"/>
+          </a:p>
+        </p:txBody>
+      </p:sp>
+      <p:sp>
+        <p:nvSpPr>
+          <p:cNvPr id="78" name="Title 1">
+            <a:extLst>
+              <a:ext uri="{FF2B5EF4-FFF2-40B4-BE49-F238E27FC236}">
+                <a16:creationId xmlns:a16="http://schemas.microsoft.com/office/drawing/2014/main" id="{69F18BCE-3745-40AB-976D-EBAB07A7647C}"/>
+              </a:ext>
+            </a:extLst>
+          </p:cNvPr>
+          <p:cNvSpPr txBox="1">
+            <a:spLocks/>
+          </p:cNvSpPr>
+          <p:nvPr/>
+        </p:nvSpPr>
+        <p:spPr>
+          <a:xfrm>
+            <a:off x="3411555" y="1854852"/>
+            <a:ext cx="2295472" cy="430964"/>
+          </a:xfrm>
+          <a:prstGeom prst="rect">
+            <a:avLst/>
+          </a:prstGeom>
+        </p:spPr>
+        <p:txBody>
+          <a:bodyPr vert="horz" lIns="91440" tIns="45720" rIns="91440" bIns="45720" rtlCol="0" anchor="b">
+            <a:normAutofit fontScale="55000" lnSpcReduction="20000"/>
+          </a:bodyPr>
+          <a:lstStyle>
+            <a:lvl1pPr algn="l" defTabSz="914400" rtl="0" eaLnBrk="1" latinLnBrk="0" hangingPunct="1">
+              <a:lnSpc>
+                <a:spcPct val="90000"/>
+              </a:lnSpc>
+              <a:spcBef>
+                <a:spcPct val="0"/>
+              </a:spcBef>
+              <a:buNone/>
+              <a:defRPr sz="3200" kern="1200">
+                <a:solidFill>
+                  <a:schemeClr val="tx1"/>
+                </a:solidFill>
+                <a:latin typeface="+mj-lt"/>
+                <a:ea typeface="+mj-ea"/>
+                <a:cs typeface="+mj-cs"/>
+              </a:defRPr>
+            </a:lvl1pPr>
+          </a:lstStyle>
+          <a:p>
+            <a:r>
+              <a:rPr lang="en-US" i="1" dirty="0" err="1">
+                <a:latin typeface="+mn-lt"/>
+              </a:rPr>
+              <a:t>Frigoribacterium</a:t>
+            </a:r>
+            <a:r>
+              <a:rPr lang="en-US" i="1" dirty="0">
+                <a:latin typeface="+mn-lt"/>
+              </a:rPr>
+              <a:t> </a:t>
+            </a:r>
+            <a:r>
+              <a:rPr lang="en-US" i="1" dirty="0" err="1">
+                <a:latin typeface="+mn-lt"/>
+              </a:rPr>
+              <a:t>faeni</a:t>
+            </a:r>
+            <a:endParaRPr lang="en-US" i="1" dirty="0">
+              <a:latin typeface="+mn-lt"/>
+            </a:endParaRPr>
+          </a:p>
+        </p:txBody>
+      </p:sp>
+      <p:grpSp>
+        <p:nvGrpSpPr>
+          <p:cNvPr id="80" name="Group 79">
+            <a:extLst>
+              <a:ext uri="{FF2B5EF4-FFF2-40B4-BE49-F238E27FC236}">
+                <a16:creationId xmlns:a16="http://schemas.microsoft.com/office/drawing/2014/main" id="{AF4BCBD6-5BA8-41E0-8087-002208B5B197}"/>
+              </a:ext>
+            </a:extLst>
+          </p:cNvPr>
+          <p:cNvGrpSpPr/>
+          <p:nvPr/>
+        </p:nvGrpSpPr>
+        <p:grpSpPr>
+          <a:xfrm>
+            <a:off x="1207774" y="2425700"/>
+            <a:ext cx="1974211" cy="3382124"/>
+            <a:chOff x="6091737" y="1953763"/>
+            <a:chExt cx="1974211" cy="3382124"/>
+          </a:xfrm>
+        </p:grpSpPr>
+        <p:pic>
+          <p:nvPicPr>
+            <p:cNvPr id="81" name="Picture 80">
+              <a:extLst>
+                <a:ext uri="{FF2B5EF4-FFF2-40B4-BE49-F238E27FC236}">
+                  <a16:creationId xmlns:a16="http://schemas.microsoft.com/office/drawing/2014/main" id="{F5AB1BBF-F2C2-4730-9C8D-C4659793789A}"/>
+                </a:ext>
+              </a:extLst>
+            </p:cNvPr>
+            <p:cNvPicPr>
+              <a:picLocks noChangeAspect="1"/>
+            </p:cNvPicPr>
+            <p:nvPr/>
+          </p:nvPicPr>
+          <p:blipFill rotWithShape="1">
+            <a:blip r:embed="rId3">
+              <a:extLst>
+                <a:ext uri="{28A0092B-C50C-407E-A947-70E740481C1C}">
+                  <a14:useLocalDpi xmlns:a14="http://schemas.microsoft.com/office/drawing/2010/main" val="0"/>
+                </a:ext>
+              </a:extLst>
+            </a:blip>
+            <a:srcRect l="13222" t="14529" r="48575" b="13578"/>
+            <a:stretch/>
+          </p:blipFill>
+          <p:spPr>
+            <a:xfrm rot="5400000">
+              <a:off x="6297220" y="1785135"/>
+              <a:ext cx="1438382" cy="1849348"/>
+            </a:xfrm>
+            <a:prstGeom prst="rect">
+              <a:avLst/>
+            </a:prstGeom>
+          </p:spPr>
+        </p:pic>
+        <p:pic>
+          <p:nvPicPr>
+            <p:cNvPr id="82" name="Picture 81">
+              <a:extLst>
+                <a:ext uri="{FF2B5EF4-FFF2-40B4-BE49-F238E27FC236}">
+                  <a16:creationId xmlns:a16="http://schemas.microsoft.com/office/drawing/2014/main" id="{1234232D-AE92-407B-BC75-7762CF2F3598}"/>
+                </a:ext>
+              </a:extLst>
+            </p:cNvPr>
+            <p:cNvPicPr>
+              <a:picLocks noChangeAspect="1"/>
+            </p:cNvPicPr>
+            <p:nvPr/>
+          </p:nvPicPr>
+          <p:blipFill rotWithShape="1">
+            <a:blip r:embed="rId3">
+              <a:extLst>
+                <a:ext uri="{28A0092B-C50C-407E-A947-70E740481C1C}">
+                  <a14:useLocalDpi xmlns:a14="http://schemas.microsoft.com/office/drawing/2010/main" val="0"/>
+                </a:ext>
+              </a:extLst>
+            </a:blip>
+            <a:srcRect l="13222" t="14529" r="48575" b="13578"/>
+            <a:stretch/>
+          </p:blipFill>
+          <p:spPr>
+            <a:xfrm rot="5400000">
+              <a:off x="6297220" y="3692022"/>
+              <a:ext cx="1438382" cy="1849348"/>
+            </a:xfrm>
+            <a:prstGeom prst="rect">
+              <a:avLst/>
+            </a:prstGeom>
+          </p:spPr>
+        </p:pic>
+        <p:grpSp>
+          <p:nvGrpSpPr>
+            <p:cNvPr id="83" name="Group 82">
+              <a:extLst>
+                <a:ext uri="{FF2B5EF4-FFF2-40B4-BE49-F238E27FC236}">
+                  <a16:creationId xmlns:a16="http://schemas.microsoft.com/office/drawing/2014/main" id="{1F9949B6-B29A-4166-B358-8DA4D760AA43}"/>
+                </a:ext>
+              </a:extLst>
+            </p:cNvPr>
+            <p:cNvGrpSpPr/>
+            <p:nvPr/>
+          </p:nvGrpSpPr>
+          <p:grpSpPr>
+            <a:xfrm>
+              <a:off x="6700125" y="4338434"/>
+              <a:ext cx="637146" cy="558435"/>
+              <a:chOff x="6413573" y="2662996"/>
+              <a:chExt cx="2258111" cy="1656468"/>
+            </a:xfrm>
+          </p:grpSpPr>
+          <p:pic>
+            <p:nvPicPr>
+              <p:cNvPr id="86" name="Picture 85">
+                <a:extLst>
+                  <a:ext uri="{FF2B5EF4-FFF2-40B4-BE49-F238E27FC236}">
+                    <a16:creationId xmlns:a16="http://schemas.microsoft.com/office/drawing/2014/main" id="{7BBA08AE-269E-47C9-90C4-829E20E99E2F}"/>
+                  </a:ext>
+                </a:extLst>
+              </p:cNvPr>
+              <p:cNvPicPr>
+                <a:picLocks noChangeAspect="1"/>
+              </p:cNvPicPr>
+              <p:nvPr/>
+            </p:nvPicPr>
+            <p:blipFill rotWithShape="1">
+              <a:blip r:embed="rId4">
+                <a:extLst>
+                  <a:ext uri="{28A0092B-C50C-407E-A947-70E740481C1C}">
+                    <a14:useLocalDpi xmlns:a14="http://schemas.microsoft.com/office/drawing/2010/main" val="0"/>
+                  </a:ext>
+                </a:extLst>
+              </a:blip>
+              <a:srcRect l="15662" t="33891" r="45850" b="37426"/>
+              <a:stretch/>
+            </p:blipFill>
+            <p:spPr>
+              <a:xfrm>
+                <a:off x="7089157" y="3278998"/>
+                <a:ext cx="352071" cy="150013"/>
+              </a:xfrm>
+              <a:prstGeom prst="rect">
+                <a:avLst/>
+              </a:prstGeom>
+            </p:spPr>
+          </p:pic>
+          <p:pic>
+            <p:nvPicPr>
+              <p:cNvPr id="87" name="Picture 86">
+                <a:extLst>
+                  <a:ext uri="{FF2B5EF4-FFF2-40B4-BE49-F238E27FC236}">
+                    <a16:creationId xmlns:a16="http://schemas.microsoft.com/office/drawing/2014/main" id="{338E0B9D-BE4F-4150-B47A-48CF6F98874F}"/>
+                  </a:ext>
+                </a:extLst>
+              </p:cNvPr>
+              <p:cNvPicPr>
+                <a:picLocks noChangeAspect="1"/>
+              </p:cNvPicPr>
+              <p:nvPr/>
+            </p:nvPicPr>
+            <p:blipFill rotWithShape="1">
+              <a:blip r:embed="rId4">
+                <a:extLst>
+                  <a:ext uri="{28A0092B-C50C-407E-A947-70E740481C1C}">
+                    <a14:useLocalDpi xmlns:a14="http://schemas.microsoft.com/office/drawing/2010/main" val="0"/>
+                  </a:ext>
+                </a:extLst>
+              </a:blip>
+              <a:srcRect l="15662" t="33891" r="45850" b="37426"/>
+              <a:stretch/>
+            </p:blipFill>
+            <p:spPr>
+              <a:xfrm>
+                <a:off x="6881965" y="3508792"/>
+                <a:ext cx="352071" cy="150013"/>
+              </a:xfrm>
+              <a:prstGeom prst="rect">
+                <a:avLst/>
+              </a:prstGeom>
+            </p:spPr>
+          </p:pic>
+          <p:pic>
+            <p:nvPicPr>
+              <p:cNvPr id="88" name="Picture 87">
+                <a:extLst>
+                  <a:ext uri="{FF2B5EF4-FFF2-40B4-BE49-F238E27FC236}">
+                    <a16:creationId xmlns:a16="http://schemas.microsoft.com/office/drawing/2014/main" id="{5F34C275-3663-4F3F-95C0-18641FD16AA4}"/>
+                  </a:ext>
+                </a:extLst>
+              </p:cNvPr>
+              <p:cNvPicPr>
+                <a:picLocks noChangeAspect="1"/>
+              </p:cNvPicPr>
+              <p:nvPr/>
+            </p:nvPicPr>
+            <p:blipFill rotWithShape="1">
+              <a:blip r:embed="rId4">
+                <a:extLst>
+                  <a:ext uri="{28A0092B-C50C-407E-A947-70E740481C1C}">
+                    <a14:useLocalDpi xmlns:a14="http://schemas.microsoft.com/office/drawing/2010/main" val="0"/>
+                  </a:ext>
+                </a:extLst>
+              </a:blip>
+              <a:srcRect l="15662" t="33891" r="45850" b="37426"/>
+              <a:stretch/>
+            </p:blipFill>
+            <p:spPr>
+              <a:xfrm>
+                <a:off x="6973591" y="3049204"/>
+                <a:ext cx="352071" cy="150013"/>
+              </a:xfrm>
+              <a:prstGeom prst="rect">
+                <a:avLst/>
+              </a:prstGeom>
+            </p:spPr>
+          </p:pic>
+          <p:pic>
+            <p:nvPicPr>
+              <p:cNvPr id="89" name="Picture 88">
+                <a:extLst>
+                  <a:ext uri="{FF2B5EF4-FFF2-40B4-BE49-F238E27FC236}">
+                    <a16:creationId xmlns:a16="http://schemas.microsoft.com/office/drawing/2014/main" id="{2F92075C-DC85-4D1C-AF88-0928793452B0}"/>
+                  </a:ext>
+                </a:extLst>
+              </p:cNvPr>
+              <p:cNvPicPr>
+                <a:picLocks noChangeAspect="1"/>
+              </p:cNvPicPr>
+              <p:nvPr/>
+            </p:nvPicPr>
+            <p:blipFill rotWithShape="1">
+              <a:blip r:embed="rId4">
+                <a:extLst>
+                  <a:ext uri="{28A0092B-C50C-407E-A947-70E740481C1C}">
+                    <a14:useLocalDpi xmlns:a14="http://schemas.microsoft.com/office/drawing/2010/main" val="0"/>
+                  </a:ext>
+                </a:extLst>
+              </a:blip>
+              <a:srcRect l="15662" t="33891" r="45850" b="37426"/>
+              <a:stretch/>
+            </p:blipFill>
+            <p:spPr>
+              <a:xfrm>
+                <a:off x="7240884" y="3508792"/>
+                <a:ext cx="352071" cy="150013"/>
+              </a:xfrm>
+              <a:prstGeom prst="rect">
+                <a:avLst/>
+              </a:prstGeom>
+            </p:spPr>
+          </p:pic>
+          <p:pic>
+            <p:nvPicPr>
+              <p:cNvPr id="90" name="Picture 89">
+                <a:extLst>
+                  <a:ext uri="{FF2B5EF4-FFF2-40B4-BE49-F238E27FC236}">
+                    <a16:creationId xmlns:a16="http://schemas.microsoft.com/office/drawing/2014/main" id="{4CECE3CD-E246-48BD-B02F-852DA3B52DD5}"/>
+                  </a:ext>
+                </a:extLst>
+              </p:cNvPr>
+              <p:cNvPicPr>
+                <a:picLocks noChangeAspect="1"/>
+              </p:cNvPicPr>
+              <p:nvPr/>
+            </p:nvPicPr>
+            <p:blipFill rotWithShape="1">
+              <a:blip r:embed="rId4">
+                <a:extLst>
+                  <a:ext uri="{28A0092B-C50C-407E-A947-70E740481C1C}">
+                    <a14:useLocalDpi xmlns:a14="http://schemas.microsoft.com/office/drawing/2010/main" val="0"/>
+                  </a:ext>
+                </a:extLst>
+              </a:blip>
+              <a:srcRect l="15662" t="33891" r="45850" b="37426"/>
+              <a:stretch/>
+            </p:blipFill>
+            <p:spPr>
+              <a:xfrm>
+                <a:off x="6666363" y="3278998"/>
+                <a:ext cx="352071" cy="150013"/>
+              </a:xfrm>
+              <a:prstGeom prst="rect">
+                <a:avLst/>
+              </a:prstGeom>
+            </p:spPr>
+          </p:pic>
+          <p:pic>
+            <p:nvPicPr>
+              <p:cNvPr id="91" name="Picture 90">
+                <a:extLst>
+                  <a:ext uri="{FF2B5EF4-FFF2-40B4-BE49-F238E27FC236}">
+                    <a16:creationId xmlns:a16="http://schemas.microsoft.com/office/drawing/2014/main" id="{40C18BD8-99BF-4337-8F6C-378C989B81D7}"/>
+                  </a:ext>
+                </a:extLst>
+              </p:cNvPr>
+              <p:cNvPicPr>
+                <a:picLocks noChangeAspect="1"/>
+              </p:cNvPicPr>
+              <p:nvPr/>
+            </p:nvPicPr>
+            <p:blipFill rotWithShape="1">
+              <a:blip r:embed="rId4">
+                <a:extLst>
+                  <a:ext uri="{28A0092B-C50C-407E-A947-70E740481C1C}">
+                    <a14:useLocalDpi xmlns:a14="http://schemas.microsoft.com/office/drawing/2010/main" val="0"/>
+                  </a:ext>
+                </a:extLst>
+              </a:blip>
+              <a:srcRect l="15662" t="33891" r="45850" b="37426"/>
+              <a:stretch/>
+            </p:blipFill>
+            <p:spPr>
+              <a:xfrm>
+                <a:off x="7809099" y="3103457"/>
+                <a:ext cx="352071" cy="150013"/>
+              </a:xfrm>
+              <a:prstGeom prst="rect">
+                <a:avLst/>
+              </a:prstGeom>
+            </p:spPr>
+          </p:pic>
+          <p:pic>
+            <p:nvPicPr>
+              <p:cNvPr id="92" name="Picture 91">
+                <a:extLst>
+                  <a:ext uri="{FF2B5EF4-FFF2-40B4-BE49-F238E27FC236}">
+                    <a16:creationId xmlns:a16="http://schemas.microsoft.com/office/drawing/2014/main" id="{70879159-F310-4857-8B93-53034EC2933B}"/>
+                  </a:ext>
+                </a:extLst>
+              </p:cNvPr>
+              <p:cNvPicPr>
+                <a:picLocks noChangeAspect="1"/>
+              </p:cNvPicPr>
+              <p:nvPr/>
+            </p:nvPicPr>
+            <p:blipFill rotWithShape="1">
+              <a:blip r:embed="rId4">
+                <a:extLst>
+                  <a:ext uri="{28A0092B-C50C-407E-A947-70E740481C1C}">
+                    <a14:useLocalDpi xmlns:a14="http://schemas.microsoft.com/office/drawing/2010/main" val="0"/>
+                  </a:ext>
+                </a:extLst>
+              </a:blip>
+              <a:srcRect l="15662" t="33891" r="45850" b="37426"/>
+              <a:stretch/>
+            </p:blipFill>
+            <p:spPr>
+              <a:xfrm>
+                <a:off x="7601904" y="3333251"/>
+                <a:ext cx="352071" cy="150013"/>
+              </a:xfrm>
+              <a:prstGeom prst="rect">
+                <a:avLst/>
+              </a:prstGeom>
+            </p:spPr>
+          </p:pic>
+          <p:pic>
+            <p:nvPicPr>
+              <p:cNvPr id="93" name="Picture 92">
+                <a:extLst>
+                  <a:ext uri="{FF2B5EF4-FFF2-40B4-BE49-F238E27FC236}">
+                    <a16:creationId xmlns:a16="http://schemas.microsoft.com/office/drawing/2014/main" id="{87E7744F-F971-4876-959F-8B5B1023C784}"/>
+                  </a:ext>
+                </a:extLst>
+              </p:cNvPr>
+              <p:cNvPicPr>
+                <a:picLocks noChangeAspect="1"/>
+              </p:cNvPicPr>
+              <p:nvPr/>
+            </p:nvPicPr>
+            <p:blipFill rotWithShape="1">
+              <a:blip r:embed="rId4">
+                <a:extLst>
+                  <a:ext uri="{28A0092B-C50C-407E-A947-70E740481C1C}">
+                    <a14:useLocalDpi xmlns:a14="http://schemas.microsoft.com/office/drawing/2010/main" val="0"/>
+                  </a:ext>
+                </a:extLst>
+              </a:blip>
+              <a:srcRect l="15662" t="33891" r="45850" b="37426"/>
+              <a:stretch/>
+            </p:blipFill>
+            <p:spPr>
+              <a:xfrm>
+                <a:off x="7693529" y="2873660"/>
+                <a:ext cx="352071" cy="150013"/>
+              </a:xfrm>
+              <a:prstGeom prst="rect">
+                <a:avLst/>
+              </a:prstGeom>
+            </p:spPr>
+          </p:pic>
+          <p:pic>
+            <p:nvPicPr>
+              <p:cNvPr id="94" name="Picture 93">
+                <a:extLst>
+                  <a:ext uri="{FF2B5EF4-FFF2-40B4-BE49-F238E27FC236}">
+                    <a16:creationId xmlns:a16="http://schemas.microsoft.com/office/drawing/2014/main" id="{45EF31D0-11BB-43E3-B6FF-F076FF32B916}"/>
+                  </a:ext>
+                </a:extLst>
+              </p:cNvPr>
+              <p:cNvPicPr>
+                <a:picLocks noChangeAspect="1"/>
+              </p:cNvPicPr>
+              <p:nvPr/>
+            </p:nvPicPr>
+            <p:blipFill rotWithShape="1">
+              <a:blip r:embed="rId4">
+                <a:extLst>
+                  <a:ext uri="{28A0092B-C50C-407E-A947-70E740481C1C}">
+                    <a14:useLocalDpi xmlns:a14="http://schemas.microsoft.com/office/drawing/2010/main" val="0"/>
+                  </a:ext>
+                </a:extLst>
+              </a:blip>
+              <a:srcRect l="15662" t="33891" r="45850" b="37426"/>
+              <a:stretch/>
+            </p:blipFill>
+            <p:spPr>
+              <a:xfrm>
+                <a:off x="7960822" y="3333251"/>
+                <a:ext cx="352071" cy="150013"/>
+              </a:xfrm>
+              <a:prstGeom prst="rect">
+                <a:avLst/>
+              </a:prstGeom>
+            </p:spPr>
+          </p:pic>
+          <p:pic>
+            <p:nvPicPr>
+              <p:cNvPr id="95" name="Picture 94">
+                <a:extLst>
+                  <a:ext uri="{FF2B5EF4-FFF2-40B4-BE49-F238E27FC236}">
+                    <a16:creationId xmlns:a16="http://schemas.microsoft.com/office/drawing/2014/main" id="{0F6B0AE8-523D-441E-A844-4955A25502BE}"/>
+                  </a:ext>
+                </a:extLst>
+              </p:cNvPr>
+              <p:cNvPicPr>
+                <a:picLocks noChangeAspect="1"/>
+              </p:cNvPicPr>
+              <p:nvPr/>
+            </p:nvPicPr>
+            <p:blipFill rotWithShape="1">
+              <a:blip r:embed="rId4">
+                <a:extLst>
+                  <a:ext uri="{28A0092B-C50C-407E-A947-70E740481C1C}">
+                    <a14:useLocalDpi xmlns:a14="http://schemas.microsoft.com/office/drawing/2010/main" val="0"/>
+                  </a:ext>
+                </a:extLst>
+              </a:blip>
+              <a:srcRect l="15662" t="33891" r="45850" b="37426"/>
+              <a:stretch/>
+            </p:blipFill>
+            <p:spPr>
+              <a:xfrm>
+                <a:off x="7386305" y="3103457"/>
+                <a:ext cx="352071" cy="150013"/>
+              </a:xfrm>
+              <a:prstGeom prst="rect">
+                <a:avLst/>
+              </a:prstGeom>
+            </p:spPr>
+          </p:pic>
+          <p:pic>
+            <p:nvPicPr>
+              <p:cNvPr id="96" name="Picture 95">
+                <a:extLst>
+                  <a:ext uri="{FF2B5EF4-FFF2-40B4-BE49-F238E27FC236}">
+                    <a16:creationId xmlns:a16="http://schemas.microsoft.com/office/drawing/2014/main" id="{08D99FF9-F84E-4BF3-A8A9-23B05427C7F0}"/>
+                  </a:ext>
+                </a:extLst>
+              </p:cNvPr>
+              <p:cNvPicPr>
+                <a:picLocks noChangeAspect="1"/>
+              </p:cNvPicPr>
+              <p:nvPr/>
+            </p:nvPicPr>
+            <p:blipFill rotWithShape="1">
+              <a:blip r:embed="rId4">
+                <a:extLst>
+                  <a:ext uri="{28A0092B-C50C-407E-A947-70E740481C1C}">
+                    <a14:useLocalDpi xmlns:a14="http://schemas.microsoft.com/office/drawing/2010/main" val="0"/>
+                  </a:ext>
+                </a:extLst>
+              </a:blip>
+              <a:srcRect l="15662" t="33891" r="45850" b="37426"/>
+              <a:stretch/>
+            </p:blipFill>
+            <p:spPr>
+              <a:xfrm>
+                <a:off x="7144080" y="3939657"/>
+                <a:ext cx="352071" cy="150013"/>
+              </a:xfrm>
+              <a:prstGeom prst="rect">
+                <a:avLst/>
+              </a:prstGeom>
+            </p:spPr>
+          </p:pic>
+          <p:pic>
+            <p:nvPicPr>
+              <p:cNvPr id="97" name="Picture 96">
+                <a:extLst>
+                  <a:ext uri="{FF2B5EF4-FFF2-40B4-BE49-F238E27FC236}">
+                    <a16:creationId xmlns:a16="http://schemas.microsoft.com/office/drawing/2014/main" id="{D644E66E-959E-48ED-AA13-4100F125480E}"/>
+                  </a:ext>
+                </a:extLst>
+              </p:cNvPr>
+              <p:cNvPicPr>
+                <a:picLocks noChangeAspect="1"/>
+              </p:cNvPicPr>
+              <p:nvPr/>
+            </p:nvPicPr>
+            <p:blipFill rotWithShape="1">
+              <a:blip r:embed="rId4">
+                <a:extLst>
+                  <a:ext uri="{28A0092B-C50C-407E-A947-70E740481C1C}">
+                    <a14:useLocalDpi xmlns:a14="http://schemas.microsoft.com/office/drawing/2010/main" val="0"/>
+                  </a:ext>
+                </a:extLst>
+              </a:blip>
+              <a:srcRect l="15662" t="33891" r="45850" b="37426"/>
+              <a:stretch/>
+            </p:blipFill>
+            <p:spPr>
+              <a:xfrm>
+                <a:off x="6936888" y="4169451"/>
+                <a:ext cx="352071" cy="150013"/>
+              </a:xfrm>
+              <a:prstGeom prst="rect">
+                <a:avLst/>
+              </a:prstGeom>
+            </p:spPr>
+          </p:pic>
+          <p:pic>
+            <p:nvPicPr>
+              <p:cNvPr id="98" name="Picture 97">
+                <a:extLst>
+                  <a:ext uri="{FF2B5EF4-FFF2-40B4-BE49-F238E27FC236}">
+                    <a16:creationId xmlns:a16="http://schemas.microsoft.com/office/drawing/2014/main" id="{805029B6-D3B4-4E60-B990-5081A1BF1BD5}"/>
+                  </a:ext>
+                </a:extLst>
+              </p:cNvPr>
+              <p:cNvPicPr>
+                <a:picLocks noChangeAspect="1"/>
+              </p:cNvPicPr>
+              <p:nvPr/>
+            </p:nvPicPr>
+            <p:blipFill rotWithShape="1">
+              <a:blip r:embed="rId4">
+                <a:extLst>
+                  <a:ext uri="{28A0092B-C50C-407E-A947-70E740481C1C}">
+                    <a14:useLocalDpi xmlns:a14="http://schemas.microsoft.com/office/drawing/2010/main" val="0"/>
+                  </a:ext>
+                </a:extLst>
+              </a:blip>
+              <a:srcRect l="15662" t="33891" r="45850" b="37426"/>
+              <a:stretch/>
+            </p:blipFill>
+            <p:spPr>
+              <a:xfrm>
+                <a:off x="7028514" y="3709863"/>
+                <a:ext cx="352071" cy="150013"/>
+              </a:xfrm>
+              <a:prstGeom prst="rect">
+                <a:avLst/>
+              </a:prstGeom>
+            </p:spPr>
+          </p:pic>
+          <p:pic>
+            <p:nvPicPr>
+              <p:cNvPr id="99" name="Picture 98">
+                <a:extLst>
+                  <a:ext uri="{FF2B5EF4-FFF2-40B4-BE49-F238E27FC236}">
+                    <a16:creationId xmlns:a16="http://schemas.microsoft.com/office/drawing/2014/main" id="{6A6E710D-B4E5-493E-9420-3261EB56FB65}"/>
+                  </a:ext>
+                </a:extLst>
+              </p:cNvPr>
+              <p:cNvPicPr>
+                <a:picLocks noChangeAspect="1"/>
+              </p:cNvPicPr>
+              <p:nvPr/>
+            </p:nvPicPr>
+            <p:blipFill rotWithShape="1">
+              <a:blip r:embed="rId4">
+                <a:extLst>
+                  <a:ext uri="{28A0092B-C50C-407E-A947-70E740481C1C}">
+                    <a14:useLocalDpi xmlns:a14="http://schemas.microsoft.com/office/drawing/2010/main" val="0"/>
+                  </a:ext>
+                </a:extLst>
+              </a:blip>
+              <a:srcRect l="15662" t="33891" r="45850" b="37426"/>
+              <a:stretch/>
+            </p:blipFill>
+            <p:spPr>
+              <a:xfrm>
+                <a:off x="7295807" y="4169451"/>
+                <a:ext cx="352071" cy="150013"/>
+              </a:xfrm>
+              <a:prstGeom prst="rect">
+                <a:avLst/>
+              </a:prstGeom>
+            </p:spPr>
+          </p:pic>
+          <p:pic>
+            <p:nvPicPr>
+              <p:cNvPr id="100" name="Picture 99">
+                <a:extLst>
+                  <a:ext uri="{FF2B5EF4-FFF2-40B4-BE49-F238E27FC236}">
+                    <a16:creationId xmlns:a16="http://schemas.microsoft.com/office/drawing/2014/main" id="{F60F1A89-7473-485C-B174-2E7605110EAA}"/>
+                  </a:ext>
+                </a:extLst>
+              </p:cNvPr>
+              <p:cNvPicPr>
+                <a:picLocks noChangeAspect="1"/>
+              </p:cNvPicPr>
+              <p:nvPr/>
+            </p:nvPicPr>
+            <p:blipFill rotWithShape="1">
+              <a:blip r:embed="rId4">
+                <a:extLst>
+                  <a:ext uri="{28A0092B-C50C-407E-A947-70E740481C1C}">
+                    <a14:useLocalDpi xmlns:a14="http://schemas.microsoft.com/office/drawing/2010/main" val="0"/>
+                  </a:ext>
+                </a:extLst>
+              </a:blip>
+              <a:srcRect l="15662" t="33891" r="45850" b="37426"/>
+              <a:stretch/>
+            </p:blipFill>
+            <p:spPr>
+              <a:xfrm>
+                <a:off x="6721286" y="3939657"/>
+                <a:ext cx="352071" cy="150013"/>
+              </a:xfrm>
+              <a:prstGeom prst="rect">
+                <a:avLst/>
+              </a:prstGeom>
+            </p:spPr>
+          </p:pic>
+          <p:pic>
+            <p:nvPicPr>
+              <p:cNvPr id="101" name="Picture 100">
+                <a:extLst>
+                  <a:ext uri="{FF2B5EF4-FFF2-40B4-BE49-F238E27FC236}">
+                    <a16:creationId xmlns:a16="http://schemas.microsoft.com/office/drawing/2014/main" id="{1E140375-521F-40D7-8492-C6E6B876485B}"/>
+                  </a:ext>
+                </a:extLst>
+              </p:cNvPr>
+              <p:cNvPicPr>
+                <a:picLocks noChangeAspect="1"/>
+              </p:cNvPicPr>
+              <p:nvPr/>
+            </p:nvPicPr>
+            <p:blipFill rotWithShape="1">
+              <a:blip r:embed="rId4">
+                <a:extLst>
+                  <a:ext uri="{28A0092B-C50C-407E-A947-70E740481C1C}">
+                    <a14:useLocalDpi xmlns:a14="http://schemas.microsoft.com/office/drawing/2010/main" val="0"/>
+                  </a:ext>
+                </a:extLst>
+              </a:blip>
+              <a:srcRect l="15662" t="33891" r="45850" b="37426"/>
+              <a:stretch/>
+            </p:blipFill>
+            <p:spPr>
+              <a:xfrm>
+                <a:off x="7864022" y="3764116"/>
+                <a:ext cx="352071" cy="150013"/>
+              </a:xfrm>
+              <a:prstGeom prst="rect">
+                <a:avLst/>
+              </a:prstGeom>
+            </p:spPr>
+          </p:pic>
+          <p:pic>
+            <p:nvPicPr>
+              <p:cNvPr id="102" name="Picture 101">
+                <a:extLst>
+                  <a:ext uri="{FF2B5EF4-FFF2-40B4-BE49-F238E27FC236}">
+                    <a16:creationId xmlns:a16="http://schemas.microsoft.com/office/drawing/2014/main" id="{13CF911D-441E-44DD-972F-E189E561530E}"/>
+                  </a:ext>
+                </a:extLst>
+              </p:cNvPr>
+              <p:cNvPicPr>
+                <a:picLocks noChangeAspect="1"/>
+              </p:cNvPicPr>
+              <p:nvPr/>
+            </p:nvPicPr>
+            <p:blipFill rotWithShape="1">
+              <a:blip r:embed="rId4">
+                <a:extLst>
+                  <a:ext uri="{28A0092B-C50C-407E-A947-70E740481C1C}">
+                    <a14:useLocalDpi xmlns:a14="http://schemas.microsoft.com/office/drawing/2010/main" val="0"/>
+                  </a:ext>
+                </a:extLst>
+              </a:blip>
+              <a:srcRect l="15662" t="33891" r="45850" b="37426"/>
+              <a:stretch/>
+            </p:blipFill>
+            <p:spPr>
+              <a:xfrm>
+                <a:off x="7656827" y="3993910"/>
+                <a:ext cx="352071" cy="150013"/>
+              </a:xfrm>
+              <a:prstGeom prst="rect">
+                <a:avLst/>
+              </a:prstGeom>
+            </p:spPr>
+          </p:pic>
+          <p:pic>
+            <p:nvPicPr>
+              <p:cNvPr id="103" name="Picture 102">
+                <a:extLst>
+                  <a:ext uri="{FF2B5EF4-FFF2-40B4-BE49-F238E27FC236}">
+                    <a16:creationId xmlns:a16="http://schemas.microsoft.com/office/drawing/2014/main" id="{722F98F6-A5DA-471E-80FE-BBD315FF1CA2}"/>
+                  </a:ext>
+                </a:extLst>
+              </p:cNvPr>
+              <p:cNvPicPr>
+                <a:picLocks noChangeAspect="1"/>
+              </p:cNvPicPr>
+              <p:nvPr/>
+            </p:nvPicPr>
+            <p:blipFill rotWithShape="1">
+              <a:blip r:embed="rId4">
+                <a:extLst>
+                  <a:ext uri="{28A0092B-C50C-407E-A947-70E740481C1C}">
+                    <a14:useLocalDpi xmlns:a14="http://schemas.microsoft.com/office/drawing/2010/main" val="0"/>
+                  </a:ext>
+                </a:extLst>
+              </a:blip>
+              <a:srcRect l="15662" t="33891" r="45850" b="37426"/>
+              <a:stretch/>
+            </p:blipFill>
+            <p:spPr>
+              <a:xfrm>
+                <a:off x="7748452" y="3534322"/>
+                <a:ext cx="352071" cy="150013"/>
+              </a:xfrm>
+              <a:prstGeom prst="rect">
+                <a:avLst/>
+              </a:prstGeom>
+            </p:spPr>
+          </p:pic>
+          <p:pic>
+            <p:nvPicPr>
+              <p:cNvPr id="104" name="Picture 103">
+                <a:extLst>
+                  <a:ext uri="{FF2B5EF4-FFF2-40B4-BE49-F238E27FC236}">
+                    <a16:creationId xmlns:a16="http://schemas.microsoft.com/office/drawing/2014/main" id="{9417FE31-E34F-408A-B755-F63F1CF81D23}"/>
+                  </a:ext>
+                </a:extLst>
+              </p:cNvPr>
+              <p:cNvPicPr>
+                <a:picLocks noChangeAspect="1"/>
+              </p:cNvPicPr>
+              <p:nvPr/>
+            </p:nvPicPr>
+            <p:blipFill rotWithShape="1">
+              <a:blip r:embed="rId4">
+                <a:extLst>
+                  <a:ext uri="{28A0092B-C50C-407E-A947-70E740481C1C}">
+                    <a14:useLocalDpi xmlns:a14="http://schemas.microsoft.com/office/drawing/2010/main" val="0"/>
+                  </a:ext>
+                </a:extLst>
+              </a:blip>
+              <a:srcRect l="15662" t="33891" r="45850" b="37426"/>
+              <a:stretch/>
+            </p:blipFill>
+            <p:spPr>
+              <a:xfrm>
+                <a:off x="8015745" y="3993910"/>
+                <a:ext cx="352071" cy="150013"/>
+              </a:xfrm>
+              <a:prstGeom prst="rect">
+                <a:avLst/>
+              </a:prstGeom>
+            </p:spPr>
+          </p:pic>
+          <p:pic>
+            <p:nvPicPr>
+              <p:cNvPr id="105" name="Picture 104">
+                <a:extLst>
+                  <a:ext uri="{FF2B5EF4-FFF2-40B4-BE49-F238E27FC236}">
+                    <a16:creationId xmlns:a16="http://schemas.microsoft.com/office/drawing/2014/main" id="{3FB7E64D-7A08-44BE-98C2-5D0C1B95847B}"/>
+                  </a:ext>
+                </a:extLst>
+              </p:cNvPr>
+              <p:cNvPicPr>
+                <a:picLocks noChangeAspect="1"/>
+              </p:cNvPicPr>
+              <p:nvPr/>
+            </p:nvPicPr>
+            <p:blipFill rotWithShape="1">
+              <a:blip r:embed="rId4">
+                <a:extLst>
+                  <a:ext uri="{28A0092B-C50C-407E-A947-70E740481C1C}">
+                    <a14:useLocalDpi xmlns:a14="http://schemas.microsoft.com/office/drawing/2010/main" val="0"/>
+                  </a:ext>
+                </a:extLst>
+              </a:blip>
+              <a:srcRect l="15662" t="33891" r="45850" b="37426"/>
+              <a:stretch/>
+            </p:blipFill>
+            <p:spPr>
+              <a:xfrm>
+                <a:off x="7441228" y="3764116"/>
+                <a:ext cx="352071" cy="150013"/>
+              </a:xfrm>
+              <a:prstGeom prst="rect">
+                <a:avLst/>
+              </a:prstGeom>
+            </p:spPr>
+          </p:pic>
+          <p:pic>
+            <p:nvPicPr>
+              <p:cNvPr id="106" name="Picture 105">
+                <a:extLst>
+                  <a:ext uri="{FF2B5EF4-FFF2-40B4-BE49-F238E27FC236}">
+                    <a16:creationId xmlns:a16="http://schemas.microsoft.com/office/drawing/2014/main" id="{76B1EFEC-BADA-4E5C-9E18-EA165415C8FF}"/>
+                  </a:ext>
+                </a:extLst>
+              </p:cNvPr>
+              <p:cNvPicPr>
+                <a:picLocks noChangeAspect="1"/>
+              </p:cNvPicPr>
+              <p:nvPr/>
+            </p:nvPicPr>
+            <p:blipFill rotWithShape="1">
+              <a:blip r:embed="rId4">
+                <a:extLst>
+                  <a:ext uri="{28A0092B-C50C-407E-A947-70E740481C1C}">
+                    <a14:useLocalDpi xmlns:a14="http://schemas.microsoft.com/office/drawing/2010/main" val="0"/>
+                  </a:ext>
+                </a:extLst>
+              </a:blip>
+              <a:srcRect l="15662" t="33891" r="45850" b="37426"/>
+              <a:stretch/>
+            </p:blipFill>
+            <p:spPr>
+              <a:xfrm>
+                <a:off x="6456301" y="2838546"/>
+                <a:ext cx="352071" cy="150013"/>
+              </a:xfrm>
+              <a:prstGeom prst="rect">
+                <a:avLst/>
+              </a:prstGeom>
+            </p:spPr>
+          </p:pic>
+          <p:pic>
+            <p:nvPicPr>
+              <p:cNvPr id="107" name="Picture 106">
+                <a:extLst>
+                  <a:ext uri="{FF2B5EF4-FFF2-40B4-BE49-F238E27FC236}">
+                    <a16:creationId xmlns:a16="http://schemas.microsoft.com/office/drawing/2014/main" id="{FEA59070-E874-48BE-AE86-432E55610D55}"/>
+                  </a:ext>
+                </a:extLst>
+              </p:cNvPr>
+              <p:cNvPicPr>
+                <a:picLocks noChangeAspect="1"/>
+              </p:cNvPicPr>
+              <p:nvPr/>
+            </p:nvPicPr>
+            <p:blipFill rotWithShape="1">
+              <a:blip r:embed="rId4">
+                <a:extLst>
+                  <a:ext uri="{28A0092B-C50C-407E-A947-70E740481C1C}">
+                    <a14:useLocalDpi xmlns:a14="http://schemas.microsoft.com/office/drawing/2010/main" val="0"/>
+                  </a:ext>
+                </a:extLst>
+              </a:blip>
+              <a:srcRect l="15662" t="33891" r="45850" b="37426"/>
+              <a:stretch/>
+            </p:blipFill>
+            <p:spPr>
+              <a:xfrm>
+                <a:off x="6413573" y="3450018"/>
+                <a:ext cx="352071" cy="150013"/>
+              </a:xfrm>
+              <a:prstGeom prst="rect">
+                <a:avLst/>
+              </a:prstGeom>
+            </p:spPr>
+          </p:pic>
+          <p:pic>
+            <p:nvPicPr>
+              <p:cNvPr id="108" name="Picture 107">
+                <a:extLst>
+                  <a:ext uri="{FF2B5EF4-FFF2-40B4-BE49-F238E27FC236}">
+                    <a16:creationId xmlns:a16="http://schemas.microsoft.com/office/drawing/2014/main" id="{A54EBF19-996C-424D-99F8-75130FDCD243}"/>
+                  </a:ext>
+                </a:extLst>
+              </p:cNvPr>
+              <p:cNvPicPr>
+                <a:picLocks noChangeAspect="1"/>
+              </p:cNvPicPr>
+              <p:nvPr/>
+            </p:nvPicPr>
+            <p:blipFill rotWithShape="1">
+              <a:blip r:embed="rId4">
+                <a:extLst>
+                  <a:ext uri="{28A0092B-C50C-407E-A947-70E740481C1C}">
+                    <a14:useLocalDpi xmlns:a14="http://schemas.microsoft.com/office/drawing/2010/main" val="0"/>
+                  </a:ext>
+                </a:extLst>
+              </a:blip>
+              <a:srcRect l="15662" t="33891" r="45850" b="37426"/>
+              <a:stretch/>
+            </p:blipFill>
+            <p:spPr>
+              <a:xfrm>
+                <a:off x="8319613" y="3745580"/>
+                <a:ext cx="352071" cy="150013"/>
+              </a:xfrm>
+              <a:prstGeom prst="rect">
+                <a:avLst/>
+              </a:prstGeom>
+            </p:spPr>
+          </p:pic>
+          <p:pic>
+            <p:nvPicPr>
+              <p:cNvPr id="109" name="Picture 108">
+                <a:extLst>
+                  <a:ext uri="{FF2B5EF4-FFF2-40B4-BE49-F238E27FC236}">
+                    <a16:creationId xmlns:a16="http://schemas.microsoft.com/office/drawing/2014/main" id="{D31948BD-3A81-4365-9EC3-EDD3128AB496}"/>
+                  </a:ext>
+                </a:extLst>
+              </p:cNvPr>
+              <p:cNvPicPr>
+                <a:picLocks noChangeAspect="1"/>
+              </p:cNvPicPr>
+              <p:nvPr/>
+            </p:nvPicPr>
+            <p:blipFill rotWithShape="1">
+              <a:blip r:embed="rId4">
+                <a:extLst>
+                  <a:ext uri="{28A0092B-C50C-407E-A947-70E740481C1C}">
+                    <a14:useLocalDpi xmlns:a14="http://schemas.microsoft.com/office/drawing/2010/main" val="0"/>
+                  </a:ext>
+                </a:extLst>
+              </a:blip>
+              <a:srcRect l="15662" t="33891" r="45850" b="37426"/>
+              <a:stretch/>
+            </p:blipFill>
+            <p:spPr>
+              <a:xfrm>
+                <a:off x="6608024" y="3068339"/>
+                <a:ext cx="352071" cy="150013"/>
+              </a:xfrm>
+              <a:prstGeom prst="rect">
+                <a:avLst/>
+              </a:prstGeom>
+            </p:spPr>
+          </p:pic>
+          <p:pic>
+            <p:nvPicPr>
+              <p:cNvPr id="110" name="Picture 109">
+                <a:extLst>
+                  <a:ext uri="{FF2B5EF4-FFF2-40B4-BE49-F238E27FC236}">
+                    <a16:creationId xmlns:a16="http://schemas.microsoft.com/office/drawing/2014/main" id="{FD60571E-9249-42F9-AB6A-1683E197DF70}"/>
+                  </a:ext>
+                </a:extLst>
+              </p:cNvPr>
+              <p:cNvPicPr>
+                <a:picLocks noChangeAspect="1"/>
+              </p:cNvPicPr>
+              <p:nvPr/>
+            </p:nvPicPr>
+            <p:blipFill rotWithShape="1">
+              <a:blip r:embed="rId4">
+                <a:extLst>
+                  <a:ext uri="{28A0092B-C50C-407E-A947-70E740481C1C}">
+                    <a14:useLocalDpi xmlns:a14="http://schemas.microsoft.com/office/drawing/2010/main" val="0"/>
+                  </a:ext>
+                </a:extLst>
+              </a:blip>
+              <a:srcRect l="15662" t="33891" r="45850" b="37426"/>
+              <a:stretch/>
+            </p:blipFill>
+            <p:spPr>
+              <a:xfrm>
+                <a:off x="6618419" y="3679812"/>
+                <a:ext cx="352071" cy="150013"/>
+              </a:xfrm>
+              <a:prstGeom prst="rect">
+                <a:avLst/>
+              </a:prstGeom>
+            </p:spPr>
+          </p:pic>
+          <p:pic>
+            <p:nvPicPr>
+              <p:cNvPr id="111" name="Picture 110">
+                <a:extLst>
+                  <a:ext uri="{FF2B5EF4-FFF2-40B4-BE49-F238E27FC236}">
+                    <a16:creationId xmlns:a16="http://schemas.microsoft.com/office/drawing/2014/main" id="{0A1B0F50-4036-4164-B56A-6155B7E516EB}"/>
+                  </a:ext>
+                </a:extLst>
+              </p:cNvPr>
+              <p:cNvPicPr>
+                <a:picLocks noChangeAspect="1"/>
+              </p:cNvPicPr>
+              <p:nvPr/>
+            </p:nvPicPr>
+            <p:blipFill rotWithShape="1">
+              <a:blip r:embed="rId4">
+                <a:extLst>
+                  <a:ext uri="{28A0092B-C50C-407E-A947-70E740481C1C}">
+                    <a14:useLocalDpi xmlns:a14="http://schemas.microsoft.com/office/drawing/2010/main" val="0"/>
+                  </a:ext>
+                </a:extLst>
+              </a:blip>
+              <a:srcRect l="15662" t="33891" r="45850" b="37426"/>
+              <a:stretch/>
+            </p:blipFill>
+            <p:spPr>
+              <a:xfrm>
+                <a:off x="7176239" y="2663005"/>
+                <a:ext cx="352071" cy="150013"/>
+              </a:xfrm>
+              <a:prstGeom prst="rect">
+                <a:avLst/>
+              </a:prstGeom>
+            </p:spPr>
+          </p:pic>
+          <p:pic>
+            <p:nvPicPr>
+              <p:cNvPr id="112" name="Picture 111">
+                <a:extLst>
+                  <a:ext uri="{FF2B5EF4-FFF2-40B4-BE49-F238E27FC236}">
+                    <a16:creationId xmlns:a16="http://schemas.microsoft.com/office/drawing/2014/main" id="{29055426-D6A3-4343-A751-EF35B1D84579}"/>
+                  </a:ext>
+                </a:extLst>
+              </p:cNvPr>
+              <p:cNvPicPr>
+                <a:picLocks noChangeAspect="1"/>
+              </p:cNvPicPr>
+              <p:nvPr/>
+            </p:nvPicPr>
+            <p:blipFill rotWithShape="1">
+              <a:blip r:embed="rId4">
+                <a:extLst>
+                  <a:ext uri="{28A0092B-C50C-407E-A947-70E740481C1C}">
+                    <a14:useLocalDpi xmlns:a14="http://schemas.microsoft.com/office/drawing/2010/main" val="0"/>
+                  </a:ext>
+                </a:extLst>
+              </a:blip>
+              <a:srcRect l="15662" t="33891" r="45850" b="37426"/>
+              <a:stretch/>
+            </p:blipFill>
+            <p:spPr>
+              <a:xfrm>
+                <a:off x="6969044" y="2892799"/>
+                <a:ext cx="352071" cy="150013"/>
+              </a:xfrm>
+              <a:prstGeom prst="rect">
+                <a:avLst/>
+              </a:prstGeom>
+            </p:spPr>
+          </p:pic>
+          <p:pic>
+            <p:nvPicPr>
+              <p:cNvPr id="113" name="Picture 112">
+                <a:extLst>
+                  <a:ext uri="{FF2B5EF4-FFF2-40B4-BE49-F238E27FC236}">
+                    <a16:creationId xmlns:a16="http://schemas.microsoft.com/office/drawing/2014/main" id="{2D3BB1C5-3B9B-46BA-A7B7-DACBBBE11183}"/>
+                  </a:ext>
+                </a:extLst>
+              </p:cNvPr>
+              <p:cNvPicPr>
+                <a:picLocks noChangeAspect="1"/>
+              </p:cNvPicPr>
+              <p:nvPr/>
+            </p:nvPicPr>
+            <p:blipFill rotWithShape="1">
+              <a:blip r:embed="rId4">
+                <a:extLst>
+                  <a:ext uri="{28A0092B-C50C-407E-A947-70E740481C1C}">
+                    <a14:useLocalDpi xmlns:a14="http://schemas.microsoft.com/office/drawing/2010/main" val="0"/>
+                  </a:ext>
+                </a:extLst>
+              </a:blip>
+              <a:srcRect l="15662" t="33891" r="45850" b="37426"/>
+              <a:stretch/>
+            </p:blipFill>
+            <p:spPr>
+              <a:xfrm>
+                <a:off x="8161170" y="3538422"/>
+                <a:ext cx="352071" cy="150013"/>
+              </a:xfrm>
+              <a:prstGeom prst="rect">
+                <a:avLst/>
+              </a:prstGeom>
+            </p:spPr>
+          </p:pic>
+          <p:pic>
+            <p:nvPicPr>
+              <p:cNvPr id="114" name="Picture 113">
+                <a:extLst>
+                  <a:ext uri="{FF2B5EF4-FFF2-40B4-BE49-F238E27FC236}">
+                    <a16:creationId xmlns:a16="http://schemas.microsoft.com/office/drawing/2014/main" id="{E9EB6DFA-022E-4C91-8EE7-4306661A3448}"/>
+                  </a:ext>
+                </a:extLst>
+              </p:cNvPr>
+              <p:cNvPicPr>
+                <a:picLocks noChangeAspect="1"/>
+              </p:cNvPicPr>
+              <p:nvPr/>
+            </p:nvPicPr>
+            <p:blipFill rotWithShape="1">
+              <a:blip r:embed="rId4">
+                <a:extLst>
+                  <a:ext uri="{28A0092B-C50C-407E-A947-70E740481C1C}">
+                    <a14:useLocalDpi xmlns:a14="http://schemas.microsoft.com/office/drawing/2010/main" val="0"/>
+                  </a:ext>
+                </a:extLst>
+              </a:blip>
+              <a:srcRect l="15662" t="33891" r="45850" b="37426"/>
+              <a:stretch/>
+            </p:blipFill>
+            <p:spPr>
+              <a:xfrm>
+                <a:off x="7327962" y="2892796"/>
+                <a:ext cx="352071" cy="150013"/>
+              </a:xfrm>
+              <a:prstGeom prst="rect">
+                <a:avLst/>
+              </a:prstGeom>
+            </p:spPr>
+          </p:pic>
+          <p:pic>
+            <p:nvPicPr>
+              <p:cNvPr id="115" name="Picture 114">
+                <a:extLst>
+                  <a:ext uri="{FF2B5EF4-FFF2-40B4-BE49-F238E27FC236}">
+                    <a16:creationId xmlns:a16="http://schemas.microsoft.com/office/drawing/2014/main" id="{24CC8053-1FC8-42C4-8D09-CA5712FB74CB}"/>
+                  </a:ext>
+                </a:extLst>
+              </p:cNvPr>
+              <p:cNvPicPr>
+                <a:picLocks noChangeAspect="1"/>
+              </p:cNvPicPr>
+              <p:nvPr/>
+            </p:nvPicPr>
+            <p:blipFill rotWithShape="1">
+              <a:blip r:embed="rId4">
+                <a:extLst>
+                  <a:ext uri="{28A0092B-C50C-407E-A947-70E740481C1C}">
+                    <a14:useLocalDpi xmlns:a14="http://schemas.microsoft.com/office/drawing/2010/main" val="0"/>
+                  </a:ext>
+                </a:extLst>
+              </a:blip>
+              <a:srcRect l="15662" t="33891" r="45850" b="37426"/>
+              <a:stretch/>
+            </p:blipFill>
+            <p:spPr>
+              <a:xfrm>
+                <a:off x="6753456" y="2662996"/>
+                <a:ext cx="352071" cy="150013"/>
+              </a:xfrm>
+              <a:prstGeom prst="rect">
+                <a:avLst/>
+              </a:prstGeom>
+            </p:spPr>
+          </p:pic>
+        </p:grpSp>
+        <p:sp>
+          <p:nvSpPr>
+            <p:cNvPr id="84" name="TextBox 83">
+              <a:extLst>
+                <a:ext uri="{FF2B5EF4-FFF2-40B4-BE49-F238E27FC236}">
+                  <a16:creationId xmlns:a16="http://schemas.microsoft.com/office/drawing/2014/main" id="{42322714-EC12-4B71-A80F-9033906010C7}"/>
+                </a:ext>
+              </a:extLst>
+            </p:cNvPr>
+            <p:cNvSpPr txBox="1"/>
+            <p:nvPr/>
+          </p:nvSpPr>
+          <p:spPr>
+            <a:xfrm>
+              <a:off x="7473828" y="1953763"/>
+              <a:ext cx="592120" cy="584775"/>
+            </a:xfrm>
+            <a:prstGeom prst="rect">
+              <a:avLst/>
+            </a:prstGeom>
+            <a:noFill/>
+          </p:spPr>
+          <p:txBody>
+            <a:bodyPr wrap="square" rtlCol="0">
+              <a:spAutoFit/>
+            </a:bodyPr>
+            <a:lstStyle/>
+            <a:p>
+              <a:r>
+                <a:rPr lang="en-US" sz="3200" b="1" dirty="0">
+                  <a:highlight>
+                    <a:srgbClr val="FFFF00"/>
+                  </a:highlight>
+                </a:rPr>
+                <a:t>1x</a:t>
+              </a:r>
+            </a:p>
+          </p:txBody>
+        </p:sp>
+        <p:sp>
+          <p:nvSpPr>
+            <p:cNvPr id="85" name="TextBox 84">
+              <a:extLst>
+                <a:ext uri="{FF2B5EF4-FFF2-40B4-BE49-F238E27FC236}">
+                  <a16:creationId xmlns:a16="http://schemas.microsoft.com/office/drawing/2014/main" id="{007BFFA4-3E82-4D07-9A09-8D288C9D3C1A}"/>
+                </a:ext>
+              </a:extLst>
+            </p:cNvPr>
+            <p:cNvSpPr txBox="1"/>
+            <p:nvPr/>
+          </p:nvSpPr>
+          <p:spPr>
+            <a:xfrm>
+              <a:off x="7473798" y="3860171"/>
+              <a:ext cx="592120" cy="584775"/>
+            </a:xfrm>
+            <a:prstGeom prst="rect">
+              <a:avLst/>
+            </a:prstGeom>
+            <a:noFill/>
+          </p:spPr>
+          <p:txBody>
+            <a:bodyPr wrap="square" rtlCol="0">
+              <a:spAutoFit/>
+            </a:bodyPr>
+            <a:lstStyle/>
+            <a:p>
+              <a:r>
+                <a:rPr lang="en-US" sz="3200" b="1" dirty="0">
+                  <a:highlight>
+                    <a:srgbClr val="FFFF00"/>
+                  </a:highlight>
+                </a:rPr>
+                <a:t>7x</a:t>
+              </a:r>
+            </a:p>
+          </p:txBody>
+        </p:sp>
+      </p:grpSp>
+      <p:sp>
+        <p:nvSpPr>
+          <p:cNvPr id="116" name="Text Placeholder 3">
+            <a:extLst>
+              <a:ext uri="{FF2B5EF4-FFF2-40B4-BE49-F238E27FC236}">
+                <a16:creationId xmlns:a16="http://schemas.microsoft.com/office/drawing/2014/main" id="{0D010933-5FC0-4E4B-A59F-0E2F8BFA6C32}"/>
+              </a:ext>
+            </a:extLst>
+          </p:cNvPr>
+          <p:cNvSpPr txBox="1">
+            <a:spLocks/>
+          </p:cNvSpPr>
+          <p:nvPr/>
+        </p:nvSpPr>
+        <p:spPr>
+          <a:xfrm>
+            <a:off x="3411555" y="2425700"/>
+            <a:ext cx="2216080" cy="4000500"/>
+          </a:xfrm>
+          <a:prstGeom prst="rect">
+            <a:avLst/>
+          </a:prstGeom>
+        </p:spPr>
+        <p:txBody>
+          <a:bodyPr vert="horz" wrap="square" lIns="91440" tIns="45720" rIns="91440" bIns="45720" rtlCol="0">
+            <a:normAutofit fontScale="92500" lnSpcReduction="20000"/>
+          </a:bodyPr>
+          <a:lstStyle>
+            <a:lvl1pPr marL="0" indent="0" algn="l" defTabSz="914400" rtl="0" eaLnBrk="1" latinLnBrk="0" hangingPunct="1">
+              <a:lnSpc>
+                <a:spcPct val="90000"/>
+              </a:lnSpc>
+              <a:spcBef>
+                <a:spcPts val="1000"/>
+              </a:spcBef>
+              <a:buFont typeface="Arial" panose="020B0604020202020204" pitchFamily="34" charset="0"/>
+              <a:buNone/>
+              <a:defRPr sz="1600" kern="1200">
+                <a:solidFill>
+                  <a:schemeClr val="tx1"/>
+                </a:solidFill>
+                <a:latin typeface="+mn-lt"/>
+                <a:ea typeface="+mn-ea"/>
+                <a:cs typeface="+mn-cs"/>
+              </a:defRPr>
+            </a:lvl1pPr>
+            <a:lvl2pPr marL="457200" indent="0" algn="l" defTabSz="914400" rtl="0" eaLnBrk="1" latinLnBrk="0" hangingPunct="1">
+              <a:lnSpc>
+                <a:spcPct val="90000"/>
+              </a:lnSpc>
+              <a:spcBef>
+                <a:spcPts val="500"/>
+              </a:spcBef>
+              <a:buFont typeface="Arial" panose="020B0604020202020204" pitchFamily="34" charset="0"/>
+              <a:buNone/>
+              <a:defRPr sz="1400" kern="1200">
+                <a:solidFill>
+                  <a:schemeClr val="tx1"/>
+                </a:solidFill>
+                <a:latin typeface="+mn-lt"/>
+                <a:ea typeface="+mn-ea"/>
+                <a:cs typeface="+mn-cs"/>
+              </a:defRPr>
+            </a:lvl2pPr>
+            <a:lvl3pPr marL="914400" indent="0" algn="l" defTabSz="914400" rtl="0" eaLnBrk="1" latinLnBrk="0" hangingPunct="1">
+              <a:lnSpc>
+                <a:spcPct val="90000"/>
+              </a:lnSpc>
+              <a:spcBef>
+                <a:spcPts val="500"/>
+              </a:spcBef>
+              <a:buFont typeface="Arial" panose="020B0604020202020204" pitchFamily="34" charset="0"/>
+              <a:buNone/>
+              <a:defRPr sz="1200" kern="1200">
+                <a:solidFill>
+                  <a:schemeClr val="tx1"/>
+                </a:solidFill>
+                <a:latin typeface="+mn-lt"/>
+                <a:ea typeface="+mn-ea"/>
+                <a:cs typeface="+mn-cs"/>
+              </a:defRPr>
+            </a:lvl3pPr>
+            <a:lvl4pPr marL="1371600" indent="0" algn="l" defTabSz="914400" rtl="0" eaLnBrk="1" latinLnBrk="0" hangingPunct="1">
+              <a:lnSpc>
+                <a:spcPct val="90000"/>
+              </a:lnSpc>
+              <a:spcBef>
+                <a:spcPts val="500"/>
+              </a:spcBef>
+              <a:buFont typeface="Arial" panose="020B0604020202020204" pitchFamily="34" charset="0"/>
+              <a:buNone/>
+              <a:defRPr sz="1000" kern="1200">
+                <a:solidFill>
+                  <a:schemeClr val="tx1"/>
+                </a:solidFill>
+                <a:latin typeface="+mn-lt"/>
+                <a:ea typeface="+mn-ea"/>
+                <a:cs typeface="+mn-cs"/>
+              </a:defRPr>
+            </a:lvl4pPr>
+            <a:lvl5pPr marL="1828800" indent="0" algn="l" defTabSz="914400" rtl="0" eaLnBrk="1" latinLnBrk="0" hangingPunct="1">
+              <a:lnSpc>
+                <a:spcPct val="90000"/>
+              </a:lnSpc>
+              <a:spcBef>
+                <a:spcPts val="500"/>
+              </a:spcBef>
+              <a:buFont typeface="Arial" panose="020B0604020202020204" pitchFamily="34" charset="0"/>
+              <a:buNone/>
+              <a:defRPr sz="1000" kern="1200">
+                <a:solidFill>
+                  <a:schemeClr val="tx1"/>
+                </a:solidFill>
+                <a:latin typeface="+mn-lt"/>
+                <a:ea typeface="+mn-ea"/>
+                <a:cs typeface="+mn-cs"/>
+              </a:defRPr>
+            </a:lvl5pPr>
+            <a:lvl6pPr marL="2286000" indent="0" algn="l" defTabSz="914400" rtl="0" eaLnBrk="1" latinLnBrk="0" hangingPunct="1">
+              <a:lnSpc>
+                <a:spcPct val="90000"/>
+              </a:lnSpc>
+              <a:spcBef>
+                <a:spcPts val="500"/>
+              </a:spcBef>
+              <a:buFont typeface="Arial" panose="020B0604020202020204" pitchFamily="34" charset="0"/>
+              <a:buNone/>
+              <a:defRPr sz="1000" kern="1200">
+                <a:solidFill>
+                  <a:schemeClr val="tx1"/>
+                </a:solidFill>
+                <a:latin typeface="+mn-lt"/>
+                <a:ea typeface="+mn-ea"/>
+                <a:cs typeface="+mn-cs"/>
+              </a:defRPr>
+            </a:lvl6pPr>
+            <a:lvl7pPr marL="2743200" indent="0" algn="l" defTabSz="914400" rtl="0" eaLnBrk="1" latinLnBrk="0" hangingPunct="1">
+              <a:lnSpc>
+                <a:spcPct val="90000"/>
+              </a:lnSpc>
+              <a:spcBef>
+                <a:spcPts val="500"/>
+              </a:spcBef>
+              <a:buFont typeface="Arial" panose="020B0604020202020204" pitchFamily="34" charset="0"/>
+              <a:buNone/>
+              <a:defRPr sz="1000" kern="1200">
+                <a:solidFill>
+                  <a:schemeClr val="tx1"/>
+                </a:solidFill>
+                <a:latin typeface="+mn-lt"/>
+                <a:ea typeface="+mn-ea"/>
+                <a:cs typeface="+mn-cs"/>
+              </a:defRPr>
+            </a:lvl7pPr>
+            <a:lvl8pPr marL="3200400" indent="0" algn="l" defTabSz="914400" rtl="0" eaLnBrk="1" latinLnBrk="0" hangingPunct="1">
+              <a:lnSpc>
+                <a:spcPct val="90000"/>
+              </a:lnSpc>
+              <a:spcBef>
+                <a:spcPts val="500"/>
+              </a:spcBef>
+              <a:buFont typeface="Arial" panose="020B0604020202020204" pitchFamily="34" charset="0"/>
+              <a:buNone/>
+              <a:defRPr sz="1000" kern="1200">
+                <a:solidFill>
+                  <a:schemeClr val="tx1"/>
+                </a:solidFill>
+                <a:latin typeface="+mn-lt"/>
+                <a:ea typeface="+mn-ea"/>
+                <a:cs typeface="+mn-cs"/>
+              </a:defRPr>
+            </a:lvl8pPr>
+            <a:lvl9pPr marL="3657600" indent="0" algn="l" defTabSz="914400" rtl="0" eaLnBrk="1" latinLnBrk="0" hangingPunct="1">
+              <a:lnSpc>
+                <a:spcPct val="90000"/>
+              </a:lnSpc>
+              <a:spcBef>
+                <a:spcPts val="500"/>
+              </a:spcBef>
+              <a:buFont typeface="Arial" panose="020B0604020202020204" pitchFamily="34" charset="0"/>
+              <a:buNone/>
+              <a:defRPr sz="1000" kern="1200">
+                <a:solidFill>
+                  <a:schemeClr val="tx1"/>
+                </a:solidFill>
+                <a:latin typeface="+mn-lt"/>
+                <a:ea typeface="+mn-ea"/>
+                <a:cs typeface="+mn-cs"/>
+              </a:defRPr>
+            </a:lvl9pPr>
+          </a:lstStyle>
+          <a:p>
+            <a:r>
+              <a:rPr lang="en-US" sz="1800" b="1" u="sng" dirty="0"/>
+              <a:t>5 Cages Total: </a:t>
+            </a:r>
+          </a:p>
+          <a:p>
+            <a:r>
+              <a:rPr lang="en-US" sz="1800" dirty="0"/>
+              <a:t>1 Control Cage</a:t>
+            </a:r>
+          </a:p>
+          <a:p>
+            <a:pPr marL="285750" indent="-285750">
+              <a:buFont typeface="Arial" panose="020B0604020202020204" pitchFamily="34" charset="0"/>
+              <a:buChar char="•"/>
+            </a:pPr>
+            <a:r>
+              <a:rPr lang="en-US" sz="1800" dirty="0"/>
+              <a:t>1 Control Jar: 10% Juice</a:t>
+            </a:r>
+          </a:p>
+          <a:p>
+            <a:pPr marL="285750" indent="-285750">
+              <a:buFont typeface="Arial" panose="020B0604020202020204" pitchFamily="34" charset="0"/>
+              <a:buChar char="•"/>
+            </a:pPr>
+            <a:r>
+              <a:rPr lang="en-US" sz="1800" dirty="0"/>
+              <a:t>1 Treatment Jar: 10% Juice + Microbe</a:t>
+            </a:r>
+          </a:p>
+          <a:p>
+            <a:pPr marL="285750" indent="-285750">
+              <a:buFont typeface="Arial" panose="020B0604020202020204" pitchFamily="34" charset="0"/>
+              <a:buChar char="•"/>
+            </a:pPr>
+            <a:r>
+              <a:rPr lang="en-US" sz="1800" u="sng" dirty="0"/>
+              <a:t>NO Flies</a:t>
+            </a:r>
+          </a:p>
+          <a:p>
+            <a:r>
+              <a:rPr lang="en-US" sz="1800" dirty="0"/>
+              <a:t>Treatment Cages</a:t>
+            </a:r>
+          </a:p>
+          <a:p>
+            <a:pPr marL="285750" indent="-285750">
+              <a:buFont typeface="Arial" panose="020B0604020202020204" pitchFamily="34" charset="0"/>
+              <a:buChar char="•"/>
+            </a:pPr>
+            <a:r>
+              <a:rPr lang="en-US" sz="1800" dirty="0"/>
+              <a:t>1 Control Jar: 10% Juice</a:t>
+            </a:r>
+          </a:p>
+          <a:p>
+            <a:pPr marL="285750" indent="-285750">
+              <a:buFont typeface="Arial" panose="020B0604020202020204" pitchFamily="34" charset="0"/>
+              <a:buChar char="•"/>
+            </a:pPr>
+            <a:r>
+              <a:rPr lang="en-US" sz="1800" dirty="0"/>
+              <a:t>1 Treatment Jar: 10% Juice + Microbe</a:t>
+            </a:r>
+          </a:p>
+          <a:p>
+            <a:pPr marL="285750" indent="-285750">
+              <a:buFont typeface="Arial" panose="020B0604020202020204" pitchFamily="34" charset="0"/>
+              <a:buChar char="•"/>
+            </a:pPr>
+            <a:r>
+              <a:rPr lang="en-US" sz="1800" u="sng" dirty="0"/>
+              <a:t>50 SWD flies</a:t>
+            </a:r>
+          </a:p>
+        </p:txBody>
+      </p:sp>
+      <p:sp>
+        <p:nvSpPr>
+          <p:cNvPr id="119" name="Title 1">
+            <a:extLst>
+              <a:ext uri="{FF2B5EF4-FFF2-40B4-BE49-F238E27FC236}">
+                <a16:creationId xmlns:a16="http://schemas.microsoft.com/office/drawing/2014/main" id="{D7F1263E-00C5-41A3-BF22-6A9962300C38}"/>
+              </a:ext>
+            </a:extLst>
+          </p:cNvPr>
+          <p:cNvSpPr txBox="1">
+            <a:spLocks/>
+          </p:cNvSpPr>
+          <p:nvPr/>
+        </p:nvSpPr>
+        <p:spPr>
+          <a:xfrm>
+            <a:off x="9689487" y="1875297"/>
+            <a:ext cx="2295472" cy="430964"/>
+          </a:xfrm>
+          <a:prstGeom prst="rect">
+            <a:avLst/>
+          </a:prstGeom>
+        </p:spPr>
+        <p:txBody>
+          <a:bodyPr vert="horz" lIns="91440" tIns="45720" rIns="91440" bIns="45720" rtlCol="0" anchor="b">
+            <a:normAutofit fontScale="55000" lnSpcReduction="20000"/>
+          </a:bodyPr>
+          <a:lstStyle>
+            <a:lvl1pPr algn="l" defTabSz="914400" rtl="0" eaLnBrk="1" latinLnBrk="0" hangingPunct="1">
+              <a:lnSpc>
+                <a:spcPct val="90000"/>
+              </a:lnSpc>
+              <a:spcBef>
+                <a:spcPct val="0"/>
+              </a:spcBef>
+              <a:buNone/>
+              <a:defRPr sz="3200" kern="1200">
+                <a:solidFill>
+                  <a:schemeClr val="tx1"/>
+                </a:solidFill>
+                <a:latin typeface="+mj-lt"/>
+                <a:ea typeface="+mj-ea"/>
+                <a:cs typeface="+mj-cs"/>
+              </a:defRPr>
+            </a:lvl1pPr>
+          </a:lstStyle>
+          <a:p>
+            <a:r>
+              <a:rPr lang="en-US" i="1" dirty="0" err="1">
+                <a:latin typeface="+mn-lt"/>
+              </a:rPr>
+              <a:t>Pantoe</a:t>
+            </a:r>
+            <a:r>
+              <a:rPr lang="en-US" i="1" dirty="0">
+                <a:latin typeface="+mn-lt"/>
+              </a:rPr>
+              <a:t> </a:t>
+            </a:r>
+            <a:r>
+              <a:rPr lang="en-US" i="1" dirty="0" err="1">
+                <a:latin typeface="+mn-lt"/>
+              </a:rPr>
+              <a:t>agglomerans</a:t>
+            </a:r>
+            <a:endParaRPr lang="en-US" i="1" dirty="0">
+              <a:latin typeface="+mn-lt"/>
+            </a:endParaRPr>
+          </a:p>
+        </p:txBody>
+      </p:sp>
+      <p:cxnSp>
+        <p:nvCxnSpPr>
+          <p:cNvPr id="121" name="Straight Connector 120">
+            <a:extLst>
+              <a:ext uri="{FF2B5EF4-FFF2-40B4-BE49-F238E27FC236}">
+                <a16:creationId xmlns:a16="http://schemas.microsoft.com/office/drawing/2014/main" id="{1938A41B-AD83-4B7C-9D0F-503970308F7A}"/>
+              </a:ext>
+            </a:extLst>
+          </p:cNvPr>
+          <p:cNvCxnSpPr/>
+          <p:nvPr/>
+        </p:nvCxnSpPr>
+        <p:spPr>
+          <a:xfrm>
+            <a:off x="6248400" y="1270000"/>
+            <a:ext cx="0" cy="5473700"/>
+          </a:xfrm>
+          <a:prstGeom prst="line">
+            <a:avLst/>
+          </a:prstGeom>
+          <a:ln w="127000">
+            <a:solidFill>
+              <a:schemeClr val="tx1"/>
+            </a:solidFill>
+          </a:ln>
+        </p:spPr>
+        <p:style>
+          <a:lnRef idx="1">
+            <a:schemeClr val="accent1"/>
+          </a:lnRef>
+          <a:fillRef idx="0">
+            <a:schemeClr val="accent1"/>
+          </a:fillRef>
+          <a:effectRef idx="0">
+            <a:schemeClr val="accent1"/>
+          </a:effectRef>
+          <a:fontRef idx="minor">
+            <a:schemeClr val="tx1"/>
+          </a:fontRef>
+        </p:style>
+      </p:cxnSp>
+      <p:sp>
+        <p:nvSpPr>
+          <p:cNvPr id="122" name="Title 1">
+            <a:extLst>
+              <a:ext uri="{FF2B5EF4-FFF2-40B4-BE49-F238E27FC236}">
+                <a16:creationId xmlns:a16="http://schemas.microsoft.com/office/drawing/2014/main" id="{3CEE0A10-932C-4AD3-9392-1AC90AEF5E2D}"/>
+              </a:ext>
+            </a:extLst>
+          </p:cNvPr>
+          <p:cNvSpPr txBox="1">
+            <a:spLocks/>
+          </p:cNvSpPr>
+          <p:nvPr/>
+        </p:nvSpPr>
+        <p:spPr>
+          <a:xfrm>
+            <a:off x="3140878" y="311682"/>
+            <a:ext cx="6215043" cy="805898"/>
+          </a:xfrm>
+          <a:prstGeom prst="rect">
+            <a:avLst/>
+          </a:prstGeom>
+        </p:spPr>
+        <p:txBody>
+          <a:bodyPr vert="horz" lIns="91440" tIns="45720" rIns="91440" bIns="45720" rtlCol="0" anchor="b">
+            <a:normAutofit fontScale="92500" lnSpcReduction="20000"/>
+          </a:bodyPr>
+          <a:lstStyle>
+            <a:lvl1pPr algn="l" defTabSz="914400" rtl="0" eaLnBrk="1" latinLnBrk="0" hangingPunct="1">
+              <a:lnSpc>
+                <a:spcPct val="90000"/>
+              </a:lnSpc>
+              <a:spcBef>
+                <a:spcPct val="0"/>
+              </a:spcBef>
+              <a:buNone/>
+              <a:defRPr sz="3200" kern="1200">
+                <a:solidFill>
+                  <a:schemeClr val="tx1"/>
+                </a:solidFill>
+                <a:latin typeface="+mj-lt"/>
+                <a:ea typeface="+mj-ea"/>
+                <a:cs typeface="+mj-cs"/>
+              </a:defRPr>
+            </a:lvl1pPr>
+          </a:lstStyle>
+          <a:p>
+            <a:pPr algn="ctr"/>
+            <a:r>
+              <a:rPr lang="en-US" i="1" dirty="0">
+                <a:latin typeface="+mn-lt"/>
+              </a:rPr>
+              <a:t>Experimental Weeks: 1, 2, &amp; 3</a:t>
+            </a:r>
+          </a:p>
+          <a:p>
+            <a:pPr algn="ctr"/>
+            <a:r>
+              <a:rPr lang="en-US" i="1" dirty="0">
+                <a:latin typeface="+mn-lt"/>
+              </a:rPr>
+              <a:t>SWD Choice: Microbe vs Control</a:t>
+            </a:r>
+          </a:p>
+        </p:txBody>
+      </p:sp>
+    </p:spTree>
+    <p:extLst>
+      <p:ext uri="{BB962C8B-B14F-4D97-AF65-F5344CB8AC3E}">
+        <p14:creationId xmlns:p14="http://schemas.microsoft.com/office/powerpoint/2010/main" val="829315296"/>
+      </p:ext>
+    </p:extLst>
+  </p:cSld>
+  <p:clrMapOvr>
+    <a:masterClrMapping/>
+  </p:clrMapOvr>
+</p:sld>
+</file>
+
 <file path=ppt/theme/theme1.xml><?xml version="1.0" encoding="utf-8"?>
 <a:theme xmlns:a="http://schemas.openxmlformats.org/drawingml/2006/main" name="Office Theme">
   <a:themeElements>
